--- a/project_documents/P21_pitching_deck_AIoT Bedroom.pptx
+++ b/project_documents/P21_pitching_deck_AIoT Bedroom.pptx
@@ -2890,7 +2890,7 @@
 <dgm:dataModel xmlns:dgm="http://schemas.openxmlformats.org/drawingml/2006/diagram" xmlns:a="http://schemas.openxmlformats.org/drawingml/2006/main">
   <dgm:ptLst>
     <dgm:pt modelId="{C899F6CC-AF34-4882-B73D-339BD720BBAA}" type="doc">
-      <dgm:prSet loTypeId="urn:microsoft.com/office/officeart/2009/3/layout/HorizontalOrganizationChart" loCatId="hierarchy" qsTypeId="urn:microsoft.com/office/officeart/2005/8/quickstyle/simple5" qsCatId="simple" csTypeId="urn:microsoft.com/office/officeart/2005/8/colors/accent1_2" csCatId="accent1" phldr="1"/>
+      <dgm:prSet loTypeId="urn:microsoft.com/office/officeart/2005/8/layout/hierarchy4" loCatId="hierarchy" qsTypeId="urn:microsoft.com/office/officeart/2005/8/quickstyle/simple5" qsCatId="simple" csTypeId="urn:microsoft.com/office/officeart/2005/8/colors/accent1_2" csCatId="accent1" phldr="1"/>
       <dgm:spPr/>
       <dgm:t>
         <a:bodyPr/>
@@ -3497,10 +3497,9 @@
         </a:p>
       </dgm:t>
     </dgm:pt>
-    <dgm:pt modelId="{9082B55F-F18D-4875-A83B-A8F14BD5E4AE}" type="pres">
-      <dgm:prSet presAssocID="{C899F6CC-AF34-4882-B73D-339BD720BBAA}" presName="hierChild1" presStyleCnt="0">
+    <dgm:pt modelId="{FE10183A-58EE-44D3-8AA7-675868688769}" type="pres">
+      <dgm:prSet presAssocID="{C899F6CC-AF34-4882-B73D-339BD720BBAA}" presName="Name0" presStyleCnt="0">
         <dgm:presLayoutVars>
-          <dgm:orgChart val="1"/>
           <dgm:chPref val="1"/>
           <dgm:dir/>
           <dgm:animOne val="branch"/>
@@ -3510,473 +3509,264 @@
       </dgm:prSet>
       <dgm:spPr/>
     </dgm:pt>
-    <dgm:pt modelId="{B867827C-29F9-425F-89B6-D66DAB125BF3}" type="pres">
-      <dgm:prSet presAssocID="{9B27C739-7C64-4439-9A31-1EBB775E1272}" presName="hierRoot1" presStyleCnt="0">
-        <dgm:presLayoutVars>
-          <dgm:hierBranch val="init"/>
-        </dgm:presLayoutVars>
-      </dgm:prSet>
+    <dgm:pt modelId="{2039253F-10A7-4964-ABCE-0F8553D4E679}" type="pres">
+      <dgm:prSet presAssocID="{9B27C739-7C64-4439-9A31-1EBB775E1272}" presName="vertOne" presStyleCnt="0"/>
       <dgm:spPr/>
     </dgm:pt>
-    <dgm:pt modelId="{DA63AD78-2F2C-46F6-8472-A7770E7978A7}" type="pres">
-      <dgm:prSet presAssocID="{9B27C739-7C64-4439-9A31-1EBB775E1272}" presName="rootComposite1" presStyleCnt="0"/>
-      <dgm:spPr/>
-    </dgm:pt>
-    <dgm:pt modelId="{57388077-175C-47FE-BE91-2F659DED299B}" type="pres">
-      <dgm:prSet presAssocID="{9B27C739-7C64-4439-9A31-1EBB775E1272}" presName="rootText1" presStyleLbl="node0" presStyleIdx="0" presStyleCnt="1">
+    <dgm:pt modelId="{6239B992-052F-4B3E-9DDF-69C744E0AA5A}" type="pres">
+      <dgm:prSet presAssocID="{9B27C739-7C64-4439-9A31-1EBB775E1272}" presName="txOne" presStyleLbl="node0" presStyleIdx="0" presStyleCnt="1">
         <dgm:presLayoutVars>
           <dgm:chPref val="3"/>
         </dgm:presLayoutVars>
       </dgm:prSet>
       <dgm:spPr/>
     </dgm:pt>
-    <dgm:pt modelId="{C0A4F6BF-3716-4354-ADAC-D5B0E1B4F4D6}" type="pres">
-      <dgm:prSet presAssocID="{9B27C739-7C64-4439-9A31-1EBB775E1272}" presName="rootConnector1" presStyleLbl="node1" presStyleIdx="0" presStyleCnt="0"/>
+    <dgm:pt modelId="{DFADCD82-DBD7-46DC-A38C-727E832E98F5}" type="pres">
+      <dgm:prSet presAssocID="{9B27C739-7C64-4439-9A31-1EBB775E1272}" presName="parTransOne" presStyleCnt="0"/>
       <dgm:spPr/>
     </dgm:pt>
-    <dgm:pt modelId="{0F01C53E-415B-4487-94F4-687880562CC6}" type="pres">
-      <dgm:prSet presAssocID="{9B27C739-7C64-4439-9A31-1EBB775E1272}" presName="hierChild2" presStyleCnt="0"/>
+    <dgm:pt modelId="{F5AE2473-1C08-4B72-9256-C01B5ECBA1AC}" type="pres">
+      <dgm:prSet presAssocID="{9B27C739-7C64-4439-9A31-1EBB775E1272}" presName="horzOne" presStyleCnt="0"/>
       <dgm:spPr/>
     </dgm:pt>
-    <dgm:pt modelId="{06A7CC15-AC60-43EB-A8B1-86D90BA273A6}" type="pres">
-      <dgm:prSet presAssocID="{D5DD7414-1C44-493B-B37E-EBE397C4260C}" presName="Name64" presStyleLbl="parChTrans1D2" presStyleIdx="0" presStyleCnt="3"/>
+    <dgm:pt modelId="{125EA979-97EC-4F46-B16D-49F013BF0984}" type="pres">
+      <dgm:prSet presAssocID="{3E6F82A3-F9FB-4115-AF16-052DF37EC05A}" presName="vertTwo" presStyleCnt="0"/>
       <dgm:spPr/>
     </dgm:pt>
-    <dgm:pt modelId="{E712D80A-A70D-49B1-BBFA-201E9D6DB5A9}" type="pres">
-      <dgm:prSet presAssocID="{3E6F82A3-F9FB-4115-AF16-052DF37EC05A}" presName="hierRoot2" presStyleCnt="0">
-        <dgm:presLayoutVars>
-          <dgm:hierBranch val="init"/>
-        </dgm:presLayoutVars>
-      </dgm:prSet>
-      <dgm:spPr/>
-    </dgm:pt>
-    <dgm:pt modelId="{F1D9F5FC-251F-4338-B761-901FC2523E27}" type="pres">
-      <dgm:prSet presAssocID="{3E6F82A3-F9FB-4115-AF16-052DF37EC05A}" presName="rootComposite" presStyleCnt="0"/>
-      <dgm:spPr/>
-    </dgm:pt>
-    <dgm:pt modelId="{D9F28C33-5FE9-4A45-9A8E-7A2BF7BDDFC6}" type="pres">
-      <dgm:prSet presAssocID="{3E6F82A3-F9FB-4115-AF16-052DF37EC05A}" presName="rootText" presStyleLbl="node2" presStyleIdx="0" presStyleCnt="3">
+    <dgm:pt modelId="{F1BED6D3-2208-4D20-A65C-BDFAED16E714}" type="pres">
+      <dgm:prSet presAssocID="{3E6F82A3-F9FB-4115-AF16-052DF37EC05A}" presName="txTwo" presStyleLbl="node2" presStyleIdx="0" presStyleCnt="3">
         <dgm:presLayoutVars>
           <dgm:chPref val="3"/>
         </dgm:presLayoutVars>
       </dgm:prSet>
       <dgm:spPr/>
     </dgm:pt>
-    <dgm:pt modelId="{10C55534-DBE9-4083-B816-527EAAA299C7}" type="pres">
-      <dgm:prSet presAssocID="{3E6F82A3-F9FB-4115-AF16-052DF37EC05A}" presName="rootConnector" presStyleLbl="node2" presStyleIdx="0" presStyleCnt="3"/>
+    <dgm:pt modelId="{1A1DA0CB-1082-46F1-9703-77DCF498DDE6}" type="pres">
+      <dgm:prSet presAssocID="{3E6F82A3-F9FB-4115-AF16-052DF37EC05A}" presName="parTransTwo" presStyleCnt="0"/>
       <dgm:spPr/>
     </dgm:pt>
-    <dgm:pt modelId="{1CD7C1ED-CF82-41A5-8DE3-2612A64B4B52}" type="pres">
-      <dgm:prSet presAssocID="{3E6F82A3-F9FB-4115-AF16-052DF37EC05A}" presName="hierChild4" presStyleCnt="0"/>
+    <dgm:pt modelId="{395EDB4B-3401-4CCE-BE35-1F90CDAFE9DD}" type="pres">
+      <dgm:prSet presAssocID="{3E6F82A3-F9FB-4115-AF16-052DF37EC05A}" presName="horzTwo" presStyleCnt="0"/>
       <dgm:spPr/>
     </dgm:pt>
-    <dgm:pt modelId="{EA826AF2-04B1-4587-85D6-85BB3B82552F}" type="pres">
-      <dgm:prSet presAssocID="{9D9241DA-066A-4D61-9C4D-29924EAB2C3D}" presName="Name64" presStyleLbl="parChTrans1D3" presStyleIdx="0" presStyleCnt="6"/>
+    <dgm:pt modelId="{4836811B-40AE-4D06-B43F-3101A787D639}" type="pres">
+      <dgm:prSet presAssocID="{171B288E-BFB2-41B1-8532-DBDC2A029A29}" presName="vertThree" presStyleCnt="0"/>
       <dgm:spPr/>
     </dgm:pt>
-    <dgm:pt modelId="{3BCFF633-7E30-47AA-A22C-F0CCB0A9BF2C}" type="pres">
-      <dgm:prSet presAssocID="{171B288E-BFB2-41B1-8532-DBDC2A029A29}" presName="hierRoot2" presStyleCnt="0">
-        <dgm:presLayoutVars>
-          <dgm:hierBranch val="init"/>
-        </dgm:presLayoutVars>
-      </dgm:prSet>
-      <dgm:spPr/>
-    </dgm:pt>
-    <dgm:pt modelId="{A8649D28-51EB-4E41-9BD6-43E300D7869B}" type="pres">
-      <dgm:prSet presAssocID="{171B288E-BFB2-41B1-8532-DBDC2A029A29}" presName="rootComposite" presStyleCnt="0"/>
-      <dgm:spPr/>
-    </dgm:pt>
-    <dgm:pt modelId="{B9D1F018-EB75-4247-9D98-CA54A339EFBB}" type="pres">
-      <dgm:prSet presAssocID="{171B288E-BFB2-41B1-8532-DBDC2A029A29}" presName="rootText" presStyleLbl="node3" presStyleIdx="0" presStyleCnt="6">
+    <dgm:pt modelId="{C492E029-D2A7-41A6-941C-1136482A1D36}" type="pres">
+      <dgm:prSet presAssocID="{171B288E-BFB2-41B1-8532-DBDC2A029A29}" presName="txThree" presStyleLbl="node3" presStyleIdx="0" presStyleCnt="6">
         <dgm:presLayoutVars>
           <dgm:chPref val="3"/>
         </dgm:presLayoutVars>
       </dgm:prSet>
       <dgm:spPr/>
     </dgm:pt>
-    <dgm:pt modelId="{4238DE52-35EE-405D-A179-F6BFDD5A707F}" type="pres">
-      <dgm:prSet presAssocID="{171B288E-BFB2-41B1-8532-DBDC2A029A29}" presName="rootConnector" presStyleLbl="node3" presStyleIdx="0" presStyleCnt="6"/>
+    <dgm:pt modelId="{D728A45C-AECF-485A-8A6E-6DF0F4DDE478}" type="pres">
+      <dgm:prSet presAssocID="{171B288E-BFB2-41B1-8532-DBDC2A029A29}" presName="horzThree" presStyleCnt="0"/>
       <dgm:spPr/>
     </dgm:pt>
-    <dgm:pt modelId="{06E8020A-5E85-4F13-9717-EA244D515438}" type="pres">
-      <dgm:prSet presAssocID="{171B288E-BFB2-41B1-8532-DBDC2A029A29}" presName="hierChild4" presStyleCnt="0"/>
+    <dgm:pt modelId="{FBC2473B-D5B2-46AC-9582-910CD9C1B020}" type="pres">
+      <dgm:prSet presAssocID="{A6103214-4A0F-4D69-8658-8D1457AC2222}" presName="sibSpaceThree" presStyleCnt="0"/>
       <dgm:spPr/>
     </dgm:pt>
-    <dgm:pt modelId="{F6422264-29A7-42DD-BF0B-C4770127D8EA}" type="pres">
-      <dgm:prSet presAssocID="{171B288E-BFB2-41B1-8532-DBDC2A029A29}" presName="hierChild5" presStyleCnt="0"/>
+    <dgm:pt modelId="{C9CB423D-AF89-4BCE-B7DF-787AE8F52AC1}" type="pres">
+      <dgm:prSet presAssocID="{02C60D51-954F-4E8D-930F-05FAFEBE8961}" presName="vertThree" presStyleCnt="0"/>
       <dgm:spPr/>
     </dgm:pt>
-    <dgm:pt modelId="{19AD8BC7-3DBB-4D47-A194-DCCCA8DD1408}" type="pres">
-      <dgm:prSet presAssocID="{6104AC39-684C-482C-A6EB-7505AFD9A60E}" presName="Name64" presStyleLbl="parChTrans1D3" presStyleIdx="1" presStyleCnt="6"/>
-      <dgm:spPr/>
-    </dgm:pt>
-    <dgm:pt modelId="{C9BB63D3-F00A-4E72-8C5B-1DF97E7843E1}" type="pres">
-      <dgm:prSet presAssocID="{02C60D51-954F-4E8D-930F-05FAFEBE8961}" presName="hierRoot2" presStyleCnt="0">
-        <dgm:presLayoutVars>
-          <dgm:hierBranch val="init"/>
-        </dgm:presLayoutVars>
-      </dgm:prSet>
-      <dgm:spPr/>
-    </dgm:pt>
-    <dgm:pt modelId="{6CD577F7-FDE6-4808-A0F6-A65088F5742D}" type="pres">
-      <dgm:prSet presAssocID="{02C60D51-954F-4E8D-930F-05FAFEBE8961}" presName="rootComposite" presStyleCnt="0"/>
-      <dgm:spPr/>
-    </dgm:pt>
-    <dgm:pt modelId="{1D70B4E6-C59F-4495-B16A-5C019BD95E09}" type="pres">
-      <dgm:prSet presAssocID="{02C60D51-954F-4E8D-930F-05FAFEBE8961}" presName="rootText" presStyleLbl="node3" presStyleIdx="1" presStyleCnt="6">
+    <dgm:pt modelId="{B9E8A894-1669-4759-9AC6-96C97B36ACB4}" type="pres">
+      <dgm:prSet presAssocID="{02C60D51-954F-4E8D-930F-05FAFEBE8961}" presName="txThree" presStyleLbl="node3" presStyleIdx="1" presStyleCnt="6">
         <dgm:presLayoutVars>
           <dgm:chPref val="3"/>
         </dgm:presLayoutVars>
       </dgm:prSet>
       <dgm:spPr/>
     </dgm:pt>
-    <dgm:pt modelId="{02190ACE-DAF6-4808-BAE4-70B624C189EC}" type="pres">
-      <dgm:prSet presAssocID="{02C60D51-954F-4E8D-930F-05FAFEBE8961}" presName="rootConnector" presStyleLbl="node3" presStyleIdx="1" presStyleCnt="6"/>
+    <dgm:pt modelId="{52A9ECB5-8453-472E-9051-9AFF3E338F17}" type="pres">
+      <dgm:prSet presAssocID="{02C60D51-954F-4E8D-930F-05FAFEBE8961}" presName="horzThree" presStyleCnt="0"/>
       <dgm:spPr/>
     </dgm:pt>
-    <dgm:pt modelId="{5DC569B5-7359-4EFC-979F-5C0F8971F2B5}" type="pres">
-      <dgm:prSet presAssocID="{02C60D51-954F-4E8D-930F-05FAFEBE8961}" presName="hierChild4" presStyleCnt="0"/>
+    <dgm:pt modelId="{2A07D2B2-5170-40AE-B86A-44F706AD1AE7}" type="pres">
+      <dgm:prSet presAssocID="{7C31E853-6C03-410F-90A3-CD6C7B119A23}" presName="sibSpaceThree" presStyleCnt="0"/>
       <dgm:spPr/>
     </dgm:pt>
-    <dgm:pt modelId="{D13546C9-6349-42E9-9E44-A7A59D208BD3}" type="pres">
-      <dgm:prSet presAssocID="{02C60D51-954F-4E8D-930F-05FAFEBE8961}" presName="hierChild5" presStyleCnt="0"/>
+    <dgm:pt modelId="{85F8F0DD-4FF3-47BF-AF35-8EDCBD2B195D}" type="pres">
+      <dgm:prSet presAssocID="{D319DFCD-81D5-4759-8BB1-9687637BAE71}" presName="vertThree" presStyleCnt="0"/>
       <dgm:spPr/>
     </dgm:pt>
-    <dgm:pt modelId="{6331F970-3BB4-42E1-8688-1CF289FD567B}" type="pres">
-      <dgm:prSet presAssocID="{BEA3F470-D0DF-4FE8-B270-98D9DA42C0DA}" presName="Name64" presStyleLbl="parChTrans1D3" presStyleIdx="2" presStyleCnt="6"/>
-      <dgm:spPr/>
-    </dgm:pt>
-    <dgm:pt modelId="{EE27EC6E-7EA3-420A-9356-58DBF6ED7C0D}" type="pres">
-      <dgm:prSet presAssocID="{D319DFCD-81D5-4759-8BB1-9687637BAE71}" presName="hierRoot2" presStyleCnt="0">
-        <dgm:presLayoutVars>
-          <dgm:hierBranch val="init"/>
-        </dgm:presLayoutVars>
-      </dgm:prSet>
-      <dgm:spPr/>
-    </dgm:pt>
-    <dgm:pt modelId="{E15822E1-2256-42B5-AFC5-17EBA650B458}" type="pres">
-      <dgm:prSet presAssocID="{D319DFCD-81D5-4759-8BB1-9687637BAE71}" presName="rootComposite" presStyleCnt="0"/>
-      <dgm:spPr/>
-    </dgm:pt>
-    <dgm:pt modelId="{345F514F-C5EF-42EB-8D0E-9AC980D9610C}" type="pres">
-      <dgm:prSet presAssocID="{D319DFCD-81D5-4759-8BB1-9687637BAE71}" presName="rootText" presStyleLbl="node3" presStyleIdx="2" presStyleCnt="6">
+    <dgm:pt modelId="{E35F77C8-CA89-4FC8-A69B-6F68F6CD55E7}" type="pres">
+      <dgm:prSet presAssocID="{D319DFCD-81D5-4759-8BB1-9687637BAE71}" presName="txThree" presStyleLbl="node3" presStyleIdx="2" presStyleCnt="6">
         <dgm:presLayoutVars>
           <dgm:chPref val="3"/>
         </dgm:presLayoutVars>
       </dgm:prSet>
       <dgm:spPr/>
     </dgm:pt>
-    <dgm:pt modelId="{986EC11A-9D18-4C0E-92F0-17333B6ABE4B}" type="pres">
-      <dgm:prSet presAssocID="{D319DFCD-81D5-4759-8BB1-9687637BAE71}" presName="rootConnector" presStyleLbl="node3" presStyleIdx="2" presStyleCnt="6"/>
+    <dgm:pt modelId="{10FB2EBC-B03E-4339-80FC-6DB802F10EE6}" type="pres">
+      <dgm:prSet presAssocID="{D319DFCD-81D5-4759-8BB1-9687637BAE71}" presName="horzThree" presStyleCnt="0"/>
       <dgm:spPr/>
     </dgm:pt>
-    <dgm:pt modelId="{56DC7376-C11E-457D-9C8D-3A0B68F9FD1E}" type="pres">
-      <dgm:prSet presAssocID="{D319DFCD-81D5-4759-8BB1-9687637BAE71}" presName="hierChild4" presStyleCnt="0"/>
+    <dgm:pt modelId="{46CC987A-4C71-4F93-9976-C9B8E1CF659A}" type="pres">
+      <dgm:prSet presAssocID="{E3F64AA2-F6D3-430E-A0D6-DE8A3A75BAC6}" presName="sibSpaceTwo" presStyleCnt="0"/>
       <dgm:spPr/>
     </dgm:pt>
-    <dgm:pt modelId="{4456CA8C-0092-4108-ABE2-00B3FF3C2BA1}" type="pres">
-      <dgm:prSet presAssocID="{D319DFCD-81D5-4759-8BB1-9687637BAE71}" presName="hierChild5" presStyleCnt="0"/>
+    <dgm:pt modelId="{4ED916B4-A0D9-4176-B1B0-698EB3402F32}" type="pres">
+      <dgm:prSet presAssocID="{EA58B903-F027-40ED-804C-4841DA432040}" presName="vertTwo" presStyleCnt="0"/>
       <dgm:spPr/>
     </dgm:pt>
-    <dgm:pt modelId="{764F5E8F-C157-41B6-9985-F9D84BBEB206}" type="pres">
-      <dgm:prSet presAssocID="{3E6F82A3-F9FB-4115-AF16-052DF37EC05A}" presName="hierChild5" presStyleCnt="0"/>
-      <dgm:spPr/>
-    </dgm:pt>
-    <dgm:pt modelId="{00FC23D3-2B92-4713-8736-7A5D876C8097}" type="pres">
-      <dgm:prSet presAssocID="{0C347E4E-3431-410B-A8D9-93F4A688CF56}" presName="Name64" presStyleLbl="parChTrans1D2" presStyleIdx="1" presStyleCnt="3"/>
-      <dgm:spPr/>
-    </dgm:pt>
-    <dgm:pt modelId="{46D76157-49A6-4B7D-9426-0A6A67F9C96B}" type="pres">
-      <dgm:prSet presAssocID="{EA58B903-F027-40ED-804C-4841DA432040}" presName="hierRoot2" presStyleCnt="0">
-        <dgm:presLayoutVars>
-          <dgm:hierBranch val="init"/>
-        </dgm:presLayoutVars>
-      </dgm:prSet>
-      <dgm:spPr/>
-    </dgm:pt>
-    <dgm:pt modelId="{FE964BC8-4B9E-4B45-B102-DC3C1FFAC07B}" type="pres">
-      <dgm:prSet presAssocID="{EA58B903-F027-40ED-804C-4841DA432040}" presName="rootComposite" presStyleCnt="0"/>
-      <dgm:spPr/>
-    </dgm:pt>
-    <dgm:pt modelId="{DEBC222A-0270-4E58-B84F-F369BB322C2D}" type="pres">
-      <dgm:prSet presAssocID="{EA58B903-F027-40ED-804C-4841DA432040}" presName="rootText" presStyleLbl="node2" presStyleIdx="1" presStyleCnt="3">
+    <dgm:pt modelId="{C4DA7505-9A08-4256-A62F-8A4EA01412C6}" type="pres">
+      <dgm:prSet presAssocID="{EA58B903-F027-40ED-804C-4841DA432040}" presName="txTwo" presStyleLbl="node2" presStyleIdx="1" presStyleCnt="3">
         <dgm:presLayoutVars>
           <dgm:chPref val="3"/>
         </dgm:presLayoutVars>
       </dgm:prSet>
       <dgm:spPr/>
     </dgm:pt>
-    <dgm:pt modelId="{1124C5D7-E57A-4676-87CD-DAD590EAC656}" type="pres">
-      <dgm:prSet presAssocID="{EA58B903-F027-40ED-804C-4841DA432040}" presName="rootConnector" presStyleLbl="node2" presStyleIdx="1" presStyleCnt="3"/>
+    <dgm:pt modelId="{A4092B54-20D0-49D9-8ADC-1ECE05E00D17}" type="pres">
+      <dgm:prSet presAssocID="{EA58B903-F027-40ED-804C-4841DA432040}" presName="parTransTwo" presStyleCnt="0"/>
       <dgm:spPr/>
     </dgm:pt>
-    <dgm:pt modelId="{24832081-D078-448F-81C8-48039E50C0CC}" type="pres">
-      <dgm:prSet presAssocID="{EA58B903-F027-40ED-804C-4841DA432040}" presName="hierChild4" presStyleCnt="0"/>
+    <dgm:pt modelId="{CF913439-0847-452D-9129-8E0D05B86B32}" type="pres">
+      <dgm:prSet presAssocID="{EA58B903-F027-40ED-804C-4841DA432040}" presName="horzTwo" presStyleCnt="0"/>
       <dgm:spPr/>
     </dgm:pt>
-    <dgm:pt modelId="{2E6F311D-AEE4-470F-808D-862FEAB4A706}" type="pres">
-      <dgm:prSet presAssocID="{9100AD3C-A96E-42B1-839D-9C9CB64EE55B}" presName="Name64" presStyleLbl="parChTrans1D3" presStyleIdx="3" presStyleCnt="6"/>
+    <dgm:pt modelId="{29468E2C-C7E3-4E76-9341-016F5E38AE2F}" type="pres">
+      <dgm:prSet presAssocID="{BFB5E7DE-3AA5-4D91-822A-B6DCCC290C7D}" presName="vertThree" presStyleCnt="0"/>
       <dgm:spPr/>
     </dgm:pt>
-    <dgm:pt modelId="{E6E9C536-40C6-4550-91A3-3AFBBAA0488A}" type="pres">
-      <dgm:prSet presAssocID="{BFB5E7DE-3AA5-4D91-822A-B6DCCC290C7D}" presName="hierRoot2" presStyleCnt="0">
-        <dgm:presLayoutVars>
-          <dgm:hierBranch val="init"/>
-        </dgm:presLayoutVars>
-      </dgm:prSet>
-      <dgm:spPr/>
-    </dgm:pt>
-    <dgm:pt modelId="{60385B71-C398-4210-A581-456F5F781773}" type="pres">
-      <dgm:prSet presAssocID="{BFB5E7DE-3AA5-4D91-822A-B6DCCC290C7D}" presName="rootComposite" presStyleCnt="0"/>
-      <dgm:spPr/>
-    </dgm:pt>
-    <dgm:pt modelId="{46AEB8B4-FECD-482D-9B01-5E2029BBBD2A}" type="pres">
-      <dgm:prSet presAssocID="{BFB5E7DE-3AA5-4D91-822A-B6DCCC290C7D}" presName="rootText" presStyleLbl="node3" presStyleIdx="3" presStyleCnt="6">
+    <dgm:pt modelId="{C0866384-04C5-4E1D-AF97-C70EB3203D16}" type="pres">
+      <dgm:prSet presAssocID="{BFB5E7DE-3AA5-4D91-822A-B6DCCC290C7D}" presName="txThree" presStyleLbl="node3" presStyleIdx="3" presStyleCnt="6">
         <dgm:presLayoutVars>
           <dgm:chPref val="3"/>
         </dgm:presLayoutVars>
       </dgm:prSet>
       <dgm:spPr/>
     </dgm:pt>
-    <dgm:pt modelId="{B61B65AD-CA6F-4010-A661-C59DA3877259}" type="pres">
-      <dgm:prSet presAssocID="{BFB5E7DE-3AA5-4D91-822A-B6DCCC290C7D}" presName="rootConnector" presStyleLbl="node3" presStyleIdx="3" presStyleCnt="6"/>
+    <dgm:pt modelId="{00E6579C-B964-4F88-B24B-2B391C5B7B3A}" type="pres">
+      <dgm:prSet presAssocID="{BFB5E7DE-3AA5-4D91-822A-B6DCCC290C7D}" presName="horzThree" presStyleCnt="0"/>
       <dgm:spPr/>
     </dgm:pt>
-    <dgm:pt modelId="{12B2B63B-A438-43CF-8FC4-40B94A36A41E}" type="pres">
-      <dgm:prSet presAssocID="{BFB5E7DE-3AA5-4D91-822A-B6DCCC290C7D}" presName="hierChild4" presStyleCnt="0"/>
+    <dgm:pt modelId="{32EA33B3-B3E8-42BD-94CC-C5E4E496FD7A}" type="pres">
+      <dgm:prSet presAssocID="{49145C7B-96D0-45F3-9209-63AB4B821464}" presName="sibSpaceThree" presStyleCnt="0"/>
       <dgm:spPr/>
     </dgm:pt>
-    <dgm:pt modelId="{769BE63C-7CAC-4704-BD84-003CCD207E29}" type="pres">
-      <dgm:prSet presAssocID="{BFB5E7DE-3AA5-4D91-822A-B6DCCC290C7D}" presName="hierChild5" presStyleCnt="0"/>
+    <dgm:pt modelId="{EFD274C5-E6FF-405B-BBC3-CF8141B5985B}" type="pres">
+      <dgm:prSet presAssocID="{8F74060A-C459-4DAB-85C6-DDA7425D2266}" presName="vertThree" presStyleCnt="0"/>
       <dgm:spPr/>
     </dgm:pt>
-    <dgm:pt modelId="{9E3E1AAE-1A92-4907-B7E5-BBE921D8EEA6}" type="pres">
-      <dgm:prSet presAssocID="{E7F5ADEA-27FF-4913-BA06-F420CEF69B52}" presName="Name64" presStyleLbl="parChTrans1D3" presStyleIdx="4" presStyleCnt="6"/>
-      <dgm:spPr/>
-    </dgm:pt>
-    <dgm:pt modelId="{C79D962C-D1D1-4E19-B827-E01F9F0C7133}" type="pres">
-      <dgm:prSet presAssocID="{8F74060A-C459-4DAB-85C6-DDA7425D2266}" presName="hierRoot2" presStyleCnt="0">
-        <dgm:presLayoutVars>
-          <dgm:hierBranch val="init"/>
-        </dgm:presLayoutVars>
-      </dgm:prSet>
-      <dgm:spPr/>
-    </dgm:pt>
-    <dgm:pt modelId="{310FB94D-531F-43E2-9192-41595AD3DB76}" type="pres">
-      <dgm:prSet presAssocID="{8F74060A-C459-4DAB-85C6-DDA7425D2266}" presName="rootComposite" presStyleCnt="0"/>
-      <dgm:spPr/>
-    </dgm:pt>
-    <dgm:pt modelId="{D38D2AEF-44D7-4FE6-BC29-D2ACF8E81BF1}" type="pres">
-      <dgm:prSet presAssocID="{8F74060A-C459-4DAB-85C6-DDA7425D2266}" presName="rootText" presStyleLbl="node3" presStyleIdx="4" presStyleCnt="6">
+    <dgm:pt modelId="{A86E2920-6051-45DF-8A45-3229C15DE08A}" type="pres">
+      <dgm:prSet presAssocID="{8F74060A-C459-4DAB-85C6-DDA7425D2266}" presName="txThree" presStyleLbl="node3" presStyleIdx="4" presStyleCnt="6">
         <dgm:presLayoutVars>
           <dgm:chPref val="3"/>
         </dgm:presLayoutVars>
       </dgm:prSet>
       <dgm:spPr/>
     </dgm:pt>
-    <dgm:pt modelId="{F971D9CC-4ADF-4D10-948D-8DB0FF3C55BE}" type="pres">
-      <dgm:prSet presAssocID="{8F74060A-C459-4DAB-85C6-DDA7425D2266}" presName="rootConnector" presStyleLbl="node3" presStyleIdx="4" presStyleCnt="6"/>
+    <dgm:pt modelId="{7C91CBE6-BA32-48F7-B0C1-91F3A056AC70}" type="pres">
+      <dgm:prSet presAssocID="{8F74060A-C459-4DAB-85C6-DDA7425D2266}" presName="horzThree" presStyleCnt="0"/>
       <dgm:spPr/>
     </dgm:pt>
-    <dgm:pt modelId="{3CB2FCFA-6FC8-4118-BE6C-6B5CA58A8CB5}" type="pres">
-      <dgm:prSet presAssocID="{8F74060A-C459-4DAB-85C6-DDA7425D2266}" presName="hierChild4" presStyleCnt="0"/>
+    <dgm:pt modelId="{75845444-A66D-4806-9494-F2B9E0599D94}" type="pres">
+      <dgm:prSet presAssocID="{08F9D7EA-F314-462E-A20C-234EC0E7FAAE}" presName="sibSpaceTwo" presStyleCnt="0"/>
       <dgm:spPr/>
     </dgm:pt>
-    <dgm:pt modelId="{9A071A6A-44A6-474A-8C27-32FD7D06A2E2}" type="pres">
-      <dgm:prSet presAssocID="{8F74060A-C459-4DAB-85C6-DDA7425D2266}" presName="hierChild5" presStyleCnt="0"/>
+    <dgm:pt modelId="{6CC54384-3096-428F-A824-25E4DD66D1E6}" type="pres">
+      <dgm:prSet presAssocID="{0438C14D-54A3-446A-BB4E-90AC5E870C87}" presName="vertTwo" presStyleCnt="0"/>
       <dgm:spPr/>
     </dgm:pt>
-    <dgm:pt modelId="{E4EE0F13-E4EE-43C8-87FB-6610CE2F1A7F}" type="pres">
-      <dgm:prSet presAssocID="{EA58B903-F027-40ED-804C-4841DA432040}" presName="hierChild5" presStyleCnt="0"/>
-      <dgm:spPr/>
-    </dgm:pt>
-    <dgm:pt modelId="{8CF7967D-9F06-4B78-A66C-990595C3E811}" type="pres">
-      <dgm:prSet presAssocID="{77BAE50D-B7DF-43DD-816D-6FA1A92F05B8}" presName="Name64" presStyleLbl="parChTrans1D2" presStyleIdx="2" presStyleCnt="3"/>
-      <dgm:spPr/>
-    </dgm:pt>
-    <dgm:pt modelId="{7E103D2B-84CD-48D0-A2A9-5D440B3F37D2}" type="pres">
-      <dgm:prSet presAssocID="{0438C14D-54A3-446A-BB4E-90AC5E870C87}" presName="hierRoot2" presStyleCnt="0">
-        <dgm:presLayoutVars>
-          <dgm:hierBranch val="init"/>
-        </dgm:presLayoutVars>
-      </dgm:prSet>
-      <dgm:spPr/>
-    </dgm:pt>
-    <dgm:pt modelId="{03C00F4C-3229-4962-B392-1D898060C582}" type="pres">
-      <dgm:prSet presAssocID="{0438C14D-54A3-446A-BB4E-90AC5E870C87}" presName="rootComposite" presStyleCnt="0"/>
-      <dgm:spPr/>
-    </dgm:pt>
-    <dgm:pt modelId="{0D980664-008E-4AA0-8BC8-610415CB6AC6}" type="pres">
-      <dgm:prSet presAssocID="{0438C14D-54A3-446A-BB4E-90AC5E870C87}" presName="rootText" presStyleLbl="node2" presStyleIdx="2" presStyleCnt="3">
+    <dgm:pt modelId="{398EC631-8A7E-4918-B6BD-CFE090DA9FB3}" type="pres">
+      <dgm:prSet presAssocID="{0438C14D-54A3-446A-BB4E-90AC5E870C87}" presName="txTwo" presStyleLbl="node2" presStyleIdx="2" presStyleCnt="3">
         <dgm:presLayoutVars>
           <dgm:chPref val="3"/>
         </dgm:presLayoutVars>
       </dgm:prSet>
       <dgm:spPr/>
     </dgm:pt>
-    <dgm:pt modelId="{794934AF-CE53-4B35-88B1-1832821713A7}" type="pres">
-      <dgm:prSet presAssocID="{0438C14D-54A3-446A-BB4E-90AC5E870C87}" presName="rootConnector" presStyleLbl="node2" presStyleIdx="2" presStyleCnt="3"/>
+    <dgm:pt modelId="{2C0C1466-3884-41CE-B772-BB7322D598D1}" type="pres">
+      <dgm:prSet presAssocID="{0438C14D-54A3-446A-BB4E-90AC5E870C87}" presName="parTransTwo" presStyleCnt="0"/>
       <dgm:spPr/>
     </dgm:pt>
-    <dgm:pt modelId="{D2D9A4FF-A05C-4719-ADC0-13362325ACBD}" type="pres">
-      <dgm:prSet presAssocID="{0438C14D-54A3-446A-BB4E-90AC5E870C87}" presName="hierChild4" presStyleCnt="0"/>
+    <dgm:pt modelId="{A22E0894-56B6-4443-ABBC-400DED9FC899}" type="pres">
+      <dgm:prSet presAssocID="{0438C14D-54A3-446A-BB4E-90AC5E870C87}" presName="horzTwo" presStyleCnt="0"/>
       <dgm:spPr/>
     </dgm:pt>
-    <dgm:pt modelId="{EE62339D-21DB-486E-AD6A-3C01E09811F4}" type="pres">
-      <dgm:prSet presAssocID="{EF42A025-0632-4E7C-B093-AE028F71042B}" presName="Name64" presStyleLbl="parChTrans1D3" presStyleIdx="5" presStyleCnt="6"/>
+    <dgm:pt modelId="{2A819496-AEEE-4AA4-94F8-CE40E57D94F0}" type="pres">
+      <dgm:prSet presAssocID="{A71BFDE3-EBEE-4611-9C21-99C60DB9075D}" presName="vertThree" presStyleCnt="0"/>
       <dgm:spPr/>
     </dgm:pt>
-    <dgm:pt modelId="{D92005AD-1114-4EFB-BD6B-D66213CF7AEA}" type="pres">
-      <dgm:prSet presAssocID="{A71BFDE3-EBEE-4611-9C21-99C60DB9075D}" presName="hierRoot2" presStyleCnt="0">
-        <dgm:presLayoutVars>
-          <dgm:hierBranch val="init"/>
-        </dgm:presLayoutVars>
-      </dgm:prSet>
-      <dgm:spPr/>
-    </dgm:pt>
-    <dgm:pt modelId="{5FD0EEF4-F77A-44C1-B103-76FE5CA68B87}" type="pres">
-      <dgm:prSet presAssocID="{A71BFDE3-EBEE-4611-9C21-99C60DB9075D}" presName="rootComposite" presStyleCnt="0"/>
-      <dgm:spPr/>
-    </dgm:pt>
-    <dgm:pt modelId="{BA195AC1-D883-48A6-A813-247A689F512A}" type="pres">
-      <dgm:prSet presAssocID="{A71BFDE3-EBEE-4611-9C21-99C60DB9075D}" presName="rootText" presStyleLbl="node3" presStyleIdx="5" presStyleCnt="6">
+    <dgm:pt modelId="{907F5351-7193-432C-9A84-70CB5DE9267E}" type="pres">
+      <dgm:prSet presAssocID="{A71BFDE3-EBEE-4611-9C21-99C60DB9075D}" presName="txThree" presStyleLbl="node3" presStyleIdx="5" presStyleCnt="6">
         <dgm:presLayoutVars>
           <dgm:chPref val="3"/>
         </dgm:presLayoutVars>
       </dgm:prSet>
       <dgm:spPr/>
     </dgm:pt>
-    <dgm:pt modelId="{749272BC-A4B4-4160-BFBC-3F00415153E3}" type="pres">
-      <dgm:prSet presAssocID="{A71BFDE3-EBEE-4611-9C21-99C60DB9075D}" presName="rootConnector" presStyleLbl="node3" presStyleIdx="5" presStyleCnt="6"/>
-      <dgm:spPr/>
-    </dgm:pt>
-    <dgm:pt modelId="{554DD5AA-FFC5-4E6E-9825-2F6B92E5D252}" type="pres">
-      <dgm:prSet presAssocID="{A71BFDE3-EBEE-4611-9C21-99C60DB9075D}" presName="hierChild4" presStyleCnt="0"/>
-      <dgm:spPr/>
-    </dgm:pt>
-    <dgm:pt modelId="{52984932-7143-41D6-82BF-D50A50E89235}" type="pres">
-      <dgm:prSet presAssocID="{A71BFDE3-EBEE-4611-9C21-99C60DB9075D}" presName="hierChild5" presStyleCnt="0"/>
-      <dgm:spPr/>
-    </dgm:pt>
-    <dgm:pt modelId="{07CC665F-A13E-46F9-BDFC-D01E12972575}" type="pres">
-      <dgm:prSet presAssocID="{0438C14D-54A3-446A-BB4E-90AC5E870C87}" presName="hierChild5" presStyleCnt="0"/>
-      <dgm:spPr/>
-    </dgm:pt>
-    <dgm:pt modelId="{B6A87DF1-A3E4-4931-A39E-4391B15EEA1F}" type="pres">
-      <dgm:prSet presAssocID="{9B27C739-7C64-4439-9A31-1EBB775E1272}" presName="hierChild3" presStyleCnt="0"/>
+    <dgm:pt modelId="{28DB1447-0E97-4E40-B64D-CDE00DE14473}" type="pres">
+      <dgm:prSet presAssocID="{A71BFDE3-EBEE-4611-9C21-99C60DB9075D}" presName="horzThree" presStyleCnt="0"/>
       <dgm:spPr/>
     </dgm:pt>
   </dgm:ptLst>
   <dgm:cxnLst>
-    <dgm:cxn modelId="{B6544211-0F2C-4D94-BE79-70C317232E71}" type="presOf" srcId="{EF42A025-0632-4E7C-B093-AE028F71042B}" destId="{EE62339D-21DB-486E-AD6A-3C01E09811F4}" srcOrd="0" destOrd="0" presId="urn:microsoft.com/office/officeart/2009/3/layout/HorizontalOrganizationChart"/>
-    <dgm:cxn modelId="{ACBAFC1D-09AC-4494-90AF-B27335D195C8}" type="presOf" srcId="{3E6F82A3-F9FB-4115-AF16-052DF37EC05A}" destId="{10C55534-DBE9-4083-B816-527EAAA299C7}" srcOrd="1" destOrd="0" presId="urn:microsoft.com/office/officeart/2009/3/layout/HorizontalOrganizationChart"/>
-    <dgm:cxn modelId="{0B0F1524-4BB6-437D-A39D-251628B0997D}" type="presOf" srcId="{171B288E-BFB2-41B1-8532-DBDC2A029A29}" destId="{B9D1F018-EB75-4247-9D98-CA54A339EFBB}" srcOrd="0" destOrd="0" presId="urn:microsoft.com/office/officeart/2009/3/layout/HorizontalOrganizationChart"/>
-    <dgm:cxn modelId="{096F7825-BDD6-417D-AB16-BCC3FB36DBC6}" type="presOf" srcId="{BFB5E7DE-3AA5-4D91-822A-B6DCCC290C7D}" destId="{B61B65AD-CA6F-4010-A661-C59DA3877259}" srcOrd="1" destOrd="0" presId="urn:microsoft.com/office/officeart/2009/3/layout/HorizontalOrganizationChart"/>
-    <dgm:cxn modelId="{1265D926-B740-4C74-AB8C-0B8D043F75A7}" type="presOf" srcId="{8F74060A-C459-4DAB-85C6-DDA7425D2266}" destId="{D38D2AEF-44D7-4FE6-BC29-D2ACF8E81BF1}" srcOrd="0" destOrd="0" presId="urn:microsoft.com/office/officeart/2009/3/layout/HorizontalOrganizationChart"/>
+    <dgm:cxn modelId="{077AD202-99A6-4DD9-9172-EC7982D8422E}" type="presOf" srcId="{0438C14D-54A3-446A-BB4E-90AC5E870C87}" destId="{398EC631-8A7E-4918-B6BD-CFE090DA9FB3}" srcOrd="0" destOrd="0" presId="urn:microsoft.com/office/officeart/2005/8/layout/hierarchy4"/>
+    <dgm:cxn modelId="{BF520512-FB0C-4352-A03B-06AB000611FD}" type="presOf" srcId="{3E6F82A3-F9FB-4115-AF16-052DF37EC05A}" destId="{F1BED6D3-2208-4D20-A65C-BDFAED16E714}" srcOrd="0" destOrd="0" presId="urn:microsoft.com/office/officeart/2005/8/layout/hierarchy4"/>
     <dgm:cxn modelId="{7C0C0932-4AB7-4DE7-8F1E-353860EA0CA0}" srcId="{9B27C739-7C64-4439-9A31-1EBB775E1272}" destId="{0438C14D-54A3-446A-BB4E-90AC5E870C87}" srcOrd="2" destOrd="0" parTransId="{77BAE50D-B7DF-43DD-816D-6FA1A92F05B8}" sibTransId="{4345BA1D-16FE-4BCA-BCFC-923E2DE0520F}"/>
-    <dgm:cxn modelId="{1CC20034-1196-4B79-86A3-4FCCD38B8B0B}" type="presOf" srcId="{77BAE50D-B7DF-43DD-816D-6FA1A92F05B8}" destId="{8CF7967D-9F06-4B78-A66C-990595C3E811}" srcOrd="0" destOrd="0" presId="urn:microsoft.com/office/officeart/2009/3/layout/HorizontalOrganizationChart"/>
-    <dgm:cxn modelId="{9E7F1C36-95FE-438B-BF4A-6F7C16A32DA4}" type="presOf" srcId="{0438C14D-54A3-446A-BB4E-90AC5E870C87}" destId="{794934AF-CE53-4B35-88B1-1832821713A7}" srcOrd="1" destOrd="0" presId="urn:microsoft.com/office/officeart/2009/3/layout/HorizontalOrganizationChart"/>
-    <dgm:cxn modelId="{C52DE43E-A392-4722-ABAF-E30D6B79A129}" type="presOf" srcId="{C899F6CC-AF34-4882-B73D-339BD720BBAA}" destId="{9082B55F-F18D-4875-A83B-A8F14BD5E4AE}" srcOrd="0" destOrd="0" presId="urn:microsoft.com/office/officeart/2009/3/layout/HorizontalOrganizationChart"/>
-    <dgm:cxn modelId="{EA253861-462B-4B3A-B254-F471467F2974}" type="presOf" srcId="{9B27C739-7C64-4439-9A31-1EBB775E1272}" destId="{C0A4F6BF-3716-4354-ADAC-D5B0E1B4F4D6}" srcOrd="1" destOrd="0" presId="urn:microsoft.com/office/officeart/2009/3/layout/HorizontalOrganizationChart"/>
-    <dgm:cxn modelId="{479D5164-A44D-44A1-A2B5-A2F7F6442CDB}" type="presOf" srcId="{EA58B903-F027-40ED-804C-4841DA432040}" destId="{1124C5D7-E57A-4676-87CD-DAD590EAC656}" srcOrd="1" destOrd="0" presId="urn:microsoft.com/office/officeart/2009/3/layout/HorizontalOrganizationChart"/>
+    <dgm:cxn modelId="{721A9D44-9A54-4326-914A-02548EA6B93B}" type="presOf" srcId="{C899F6CC-AF34-4882-B73D-339BD720BBAA}" destId="{FE10183A-58EE-44D3-8AA7-675868688769}" srcOrd="0" destOrd="0" presId="urn:microsoft.com/office/officeart/2005/8/layout/hierarchy4"/>
     <dgm:cxn modelId="{CEE5046B-FEF2-46A1-B447-DCA3FDD62287}" srcId="{9B27C739-7C64-4439-9A31-1EBB775E1272}" destId="{EA58B903-F027-40ED-804C-4841DA432040}" srcOrd="1" destOrd="0" parTransId="{0C347E4E-3431-410B-A8D9-93F4A688CF56}" sibTransId="{08F9D7EA-F314-462E-A20C-234EC0E7FAAE}"/>
-    <dgm:cxn modelId="{D3ACA44D-099E-4F28-AA38-984ED1DCD56F}" type="presOf" srcId="{D319DFCD-81D5-4759-8BB1-9687637BAE71}" destId="{345F514F-C5EF-42EB-8D0E-9AC980D9610C}" srcOrd="0" destOrd="0" presId="urn:microsoft.com/office/officeart/2009/3/layout/HorizontalOrganizationChart"/>
-    <dgm:cxn modelId="{D83C3F6E-AC44-418D-9978-D3FDFB7AAB42}" type="presOf" srcId="{0C347E4E-3431-410B-A8D9-93F4A688CF56}" destId="{00FC23D3-2B92-4713-8736-7A5D876C8097}" srcOrd="0" destOrd="0" presId="urn:microsoft.com/office/officeart/2009/3/layout/HorizontalOrganizationChart"/>
-    <dgm:cxn modelId="{0F44B16E-1B4E-4B25-AEB4-1A835F5DC4EC}" type="presOf" srcId="{02C60D51-954F-4E8D-930F-05FAFEBE8961}" destId="{1D70B4E6-C59F-4495-B16A-5C019BD95E09}" srcOrd="0" destOrd="0" presId="urn:microsoft.com/office/officeart/2009/3/layout/HorizontalOrganizationChart"/>
     <dgm:cxn modelId="{F4CFA96F-7D90-49F5-ACBF-0082200DE647}" srcId="{3E6F82A3-F9FB-4115-AF16-052DF37EC05A}" destId="{D319DFCD-81D5-4759-8BB1-9687637BAE71}" srcOrd="2" destOrd="0" parTransId="{BEA3F470-D0DF-4FE8-B270-98D9DA42C0DA}" sibTransId="{8DE6F07A-FF29-4EE9-BEDD-B009A3A3DCEB}"/>
-    <dgm:cxn modelId="{A0F6CF73-2E30-49FC-9000-B0E46BF27C1C}" type="presOf" srcId="{9100AD3C-A96E-42B1-839D-9C9CB64EE55B}" destId="{2E6F311D-AEE4-470F-808D-862FEAB4A706}" srcOrd="0" destOrd="0" presId="urn:microsoft.com/office/officeart/2009/3/layout/HorizontalOrganizationChart"/>
-    <dgm:cxn modelId="{85893A75-0296-4057-A570-50FB57C7CB0C}" type="presOf" srcId="{02C60D51-954F-4E8D-930F-05FAFEBE8961}" destId="{02190ACE-DAF6-4808-BAE4-70B624C189EC}" srcOrd="1" destOrd="0" presId="urn:microsoft.com/office/officeart/2009/3/layout/HorizontalOrganizationChart"/>
-    <dgm:cxn modelId="{50EEB15A-67C3-499D-B20E-7D3670153CDA}" type="presOf" srcId="{E7F5ADEA-27FF-4913-BA06-F420CEF69B52}" destId="{9E3E1AAE-1A92-4907-B7E5-BBE921D8EEA6}" srcOrd="0" destOrd="0" presId="urn:microsoft.com/office/officeart/2009/3/layout/HorizontalOrganizationChart"/>
+    <dgm:cxn modelId="{4C9BCF72-C3BF-4794-B3AC-A267B596FD73}" type="presOf" srcId="{BFB5E7DE-3AA5-4D91-822A-B6DCCC290C7D}" destId="{C0866384-04C5-4E1D-AF97-C70EB3203D16}" srcOrd="0" destOrd="0" presId="urn:microsoft.com/office/officeart/2005/8/layout/hierarchy4"/>
+    <dgm:cxn modelId="{C621ED85-EF72-48DF-8CB6-157248A22B34}" type="presOf" srcId="{02C60D51-954F-4E8D-930F-05FAFEBE8961}" destId="{B9E8A894-1669-4759-9AC6-96C97B36ACB4}" srcOrd="0" destOrd="0" presId="urn:microsoft.com/office/officeart/2005/8/layout/hierarchy4"/>
     <dgm:cxn modelId="{E78D228B-12CF-47E6-BD5D-C39DB6DBCF5A}" srcId="{3E6F82A3-F9FB-4115-AF16-052DF37EC05A}" destId="{171B288E-BFB2-41B1-8532-DBDC2A029A29}" srcOrd="0" destOrd="0" parTransId="{9D9241DA-066A-4D61-9C4D-29924EAB2C3D}" sibTransId="{A6103214-4A0F-4D69-8658-8D1457AC2222}"/>
-    <dgm:cxn modelId="{D1EB7C98-CF8E-47C7-8B86-CE7E026CC98E}" type="presOf" srcId="{A71BFDE3-EBEE-4611-9C21-99C60DB9075D}" destId="{749272BC-A4B4-4160-BFBC-3F00415153E3}" srcOrd="1" destOrd="0" presId="urn:microsoft.com/office/officeart/2009/3/layout/HorizontalOrganizationChart"/>
-    <dgm:cxn modelId="{3683A598-6048-4B6F-A63A-CF13C8D6E417}" type="presOf" srcId="{3E6F82A3-F9FB-4115-AF16-052DF37EC05A}" destId="{D9F28C33-5FE9-4A45-9A8E-7A2BF7BDDFC6}" srcOrd="0" destOrd="0" presId="urn:microsoft.com/office/officeart/2009/3/layout/HorizontalOrganizationChart"/>
-    <dgm:cxn modelId="{987BF59A-DAE6-4BBF-BC9B-2688DE609A4D}" type="presOf" srcId="{BEA3F470-D0DF-4FE8-B270-98D9DA42C0DA}" destId="{6331F970-3BB4-42E1-8688-1CF289FD567B}" srcOrd="0" destOrd="0" presId="urn:microsoft.com/office/officeart/2009/3/layout/HorizontalOrganizationChart"/>
-    <dgm:cxn modelId="{812B0A9F-E69C-4278-89D4-2984FE60C4DA}" type="presOf" srcId="{D5DD7414-1C44-493B-B37E-EBE397C4260C}" destId="{06A7CC15-AC60-43EB-A8B1-86D90BA273A6}" srcOrd="0" destOrd="0" presId="urn:microsoft.com/office/officeart/2009/3/layout/HorizontalOrganizationChart"/>
+    <dgm:cxn modelId="{2567B69A-0810-4C3A-916B-50140B131CBC}" type="presOf" srcId="{A71BFDE3-EBEE-4611-9C21-99C60DB9075D}" destId="{907F5351-7193-432C-9A84-70CB5DE9267E}" srcOrd="0" destOrd="0" presId="urn:microsoft.com/office/officeart/2005/8/layout/hierarchy4"/>
     <dgm:cxn modelId="{1C9C25A0-6E14-4DCA-8780-425FB858793B}" srcId="{0438C14D-54A3-446A-BB4E-90AC5E870C87}" destId="{A71BFDE3-EBEE-4611-9C21-99C60DB9075D}" srcOrd="0" destOrd="0" parTransId="{EF42A025-0632-4E7C-B093-AE028F71042B}" sibTransId="{5D53E973-A21A-4398-BDB8-C52F8D4B5499}"/>
-    <dgm:cxn modelId="{519EF0A0-EDA9-4DEE-BAED-F72B4E246FDD}" type="presOf" srcId="{9D9241DA-066A-4D61-9C4D-29924EAB2C3D}" destId="{EA826AF2-04B1-4587-85D6-85BB3B82552F}" srcOrd="0" destOrd="0" presId="urn:microsoft.com/office/officeart/2009/3/layout/HorizontalOrganizationChart"/>
     <dgm:cxn modelId="{BA066AA3-ABCF-42D0-B833-E2E5290B6AD8}" srcId="{EA58B903-F027-40ED-804C-4841DA432040}" destId="{8F74060A-C459-4DAB-85C6-DDA7425D2266}" srcOrd="1" destOrd="0" parTransId="{E7F5ADEA-27FF-4913-BA06-F420CEF69B52}" sibTransId="{52FD3840-E4C0-49BE-A9B7-5DF4DCD40051}"/>
-    <dgm:cxn modelId="{F890B0A8-7C79-482C-9327-FE283344BDD3}" type="presOf" srcId="{9B27C739-7C64-4439-9A31-1EBB775E1272}" destId="{57388077-175C-47FE-BE91-2F659DED299B}" srcOrd="0" destOrd="0" presId="urn:microsoft.com/office/officeart/2009/3/layout/HorizontalOrganizationChart"/>
+    <dgm:cxn modelId="{92F2BDAA-6E88-4181-83EF-A1D8C40722D7}" type="presOf" srcId="{171B288E-BFB2-41B1-8532-DBDC2A029A29}" destId="{C492E029-D2A7-41A6-941C-1136482A1D36}" srcOrd="0" destOrd="0" presId="urn:microsoft.com/office/officeart/2005/8/layout/hierarchy4"/>
     <dgm:cxn modelId="{DB6C5BB2-69A2-4227-B7D7-3938908BF691}" srcId="{C899F6CC-AF34-4882-B73D-339BD720BBAA}" destId="{9B27C739-7C64-4439-9A31-1EBB775E1272}" srcOrd="0" destOrd="0" parTransId="{4C47E178-E3AF-4279-8E02-82541E01945A}" sibTransId="{A2E5DA64-7653-4555-8A50-8B950851F824}"/>
     <dgm:cxn modelId="{E9BCF7B2-5EB3-4CAB-BAA1-3E253D4DB171}" srcId="{3E6F82A3-F9FB-4115-AF16-052DF37EC05A}" destId="{02C60D51-954F-4E8D-930F-05FAFEBE8961}" srcOrd="1" destOrd="0" parTransId="{6104AC39-684C-482C-A6EB-7505AFD9A60E}" sibTransId="{7C31E853-6C03-410F-90A3-CD6C7B119A23}"/>
-    <dgm:cxn modelId="{AE8DEFB7-4697-4E62-A5BB-7925F8B74253}" type="presOf" srcId="{BFB5E7DE-3AA5-4D91-822A-B6DCCC290C7D}" destId="{46AEB8B4-FECD-482D-9B01-5E2029BBBD2A}" srcOrd="0" destOrd="0" presId="urn:microsoft.com/office/officeart/2009/3/layout/HorizontalOrganizationChart"/>
-    <dgm:cxn modelId="{3A6903B8-3747-4494-BC8C-FE73D8477892}" type="presOf" srcId="{6104AC39-684C-482C-A6EB-7505AFD9A60E}" destId="{19AD8BC7-3DBB-4D47-A194-DCCCA8DD1408}" srcOrd="0" destOrd="0" presId="urn:microsoft.com/office/officeart/2009/3/layout/HorizontalOrganizationChart"/>
+    <dgm:cxn modelId="{DC5663C5-2316-4791-8232-34DBA6F32F40}" type="presOf" srcId="{EA58B903-F027-40ED-804C-4841DA432040}" destId="{C4DA7505-9A08-4256-A62F-8A4EA01412C6}" srcOrd="0" destOrd="0" presId="urn:microsoft.com/office/officeart/2005/8/layout/hierarchy4"/>
+    <dgm:cxn modelId="{F64EAEC9-59B3-4955-8D03-9B3CAA906FBC}" type="presOf" srcId="{9B27C739-7C64-4439-9A31-1EBB775E1272}" destId="{6239B992-052F-4B3E-9DDF-69C744E0AA5A}" srcOrd="0" destOrd="0" presId="urn:microsoft.com/office/officeart/2005/8/layout/hierarchy4"/>
     <dgm:cxn modelId="{36A5E1DD-1832-4CDA-A60E-45E4A957B396}" srcId="{9B27C739-7C64-4439-9A31-1EBB775E1272}" destId="{3E6F82A3-F9FB-4115-AF16-052DF37EC05A}" srcOrd="0" destOrd="0" parTransId="{D5DD7414-1C44-493B-B37E-EBE397C4260C}" sibTransId="{E3F64AA2-F6D3-430E-A0D6-DE8A3A75BAC6}"/>
-    <dgm:cxn modelId="{BAA148E7-6D0D-460A-A99C-B34FE564DE85}" type="presOf" srcId="{0438C14D-54A3-446A-BB4E-90AC5E870C87}" destId="{0D980664-008E-4AA0-8BC8-610415CB6AC6}" srcOrd="0" destOrd="0" presId="urn:microsoft.com/office/officeart/2009/3/layout/HorizontalOrganizationChart"/>
-    <dgm:cxn modelId="{73DE69F8-F42B-4568-9387-BDAABD0084F1}" type="presOf" srcId="{D319DFCD-81D5-4759-8BB1-9687637BAE71}" destId="{986EC11A-9D18-4C0E-92F0-17333B6ABE4B}" srcOrd="1" destOrd="0" presId="urn:microsoft.com/office/officeart/2009/3/layout/HorizontalOrganizationChart"/>
-    <dgm:cxn modelId="{ED8A72F8-0F97-4B60-8F34-4C10E13509A4}" type="presOf" srcId="{171B288E-BFB2-41B1-8532-DBDC2A029A29}" destId="{4238DE52-35EE-405D-A179-F6BFDD5A707F}" srcOrd="1" destOrd="0" presId="urn:microsoft.com/office/officeart/2009/3/layout/HorizontalOrganizationChart"/>
-    <dgm:cxn modelId="{A88F7CF8-5CA6-4976-900A-1821231C25F7}" type="presOf" srcId="{EA58B903-F027-40ED-804C-4841DA432040}" destId="{DEBC222A-0270-4E58-B84F-F369BB322C2D}" srcOrd="0" destOrd="0" presId="urn:microsoft.com/office/officeart/2009/3/layout/HorizontalOrganizationChart"/>
+    <dgm:cxn modelId="{48C932E3-7E2F-441B-93CB-61A584573053}" type="presOf" srcId="{8F74060A-C459-4DAB-85C6-DDA7425D2266}" destId="{A86E2920-6051-45DF-8A45-3229C15DE08A}" srcOrd="0" destOrd="0" presId="urn:microsoft.com/office/officeart/2005/8/layout/hierarchy4"/>
     <dgm:cxn modelId="{2CD781FA-AFE1-46FF-9447-1CD2CB96A112}" srcId="{EA58B903-F027-40ED-804C-4841DA432040}" destId="{BFB5E7DE-3AA5-4D91-822A-B6DCCC290C7D}" srcOrd="0" destOrd="0" parTransId="{9100AD3C-A96E-42B1-839D-9C9CB64EE55B}" sibTransId="{49145C7B-96D0-45F3-9209-63AB4B821464}"/>
-    <dgm:cxn modelId="{D34AEFFE-306C-4AFC-94C0-7BF7D7B77338}" type="presOf" srcId="{8F74060A-C459-4DAB-85C6-DDA7425D2266}" destId="{F971D9CC-4ADF-4D10-948D-8DB0FF3C55BE}" srcOrd="1" destOrd="0" presId="urn:microsoft.com/office/officeart/2009/3/layout/HorizontalOrganizationChart"/>
-    <dgm:cxn modelId="{3A71F2FF-1CE7-4C16-802E-6642652136CF}" type="presOf" srcId="{A71BFDE3-EBEE-4611-9C21-99C60DB9075D}" destId="{BA195AC1-D883-48A6-A813-247A689F512A}" srcOrd="0" destOrd="0" presId="urn:microsoft.com/office/officeart/2009/3/layout/HorizontalOrganizationChart"/>
-    <dgm:cxn modelId="{780F89C6-FFDF-47CF-989A-E7C19750A261}" type="presParOf" srcId="{9082B55F-F18D-4875-A83B-A8F14BD5E4AE}" destId="{B867827C-29F9-425F-89B6-D66DAB125BF3}" srcOrd="0" destOrd="0" presId="urn:microsoft.com/office/officeart/2009/3/layout/HorizontalOrganizationChart"/>
-    <dgm:cxn modelId="{5A6FB43B-B942-441D-A1F4-DE091A724057}" type="presParOf" srcId="{B867827C-29F9-425F-89B6-D66DAB125BF3}" destId="{DA63AD78-2F2C-46F6-8472-A7770E7978A7}" srcOrd="0" destOrd="0" presId="urn:microsoft.com/office/officeart/2009/3/layout/HorizontalOrganizationChart"/>
-    <dgm:cxn modelId="{7A35A916-95AE-4DC2-8D49-DF77B534CD53}" type="presParOf" srcId="{DA63AD78-2F2C-46F6-8472-A7770E7978A7}" destId="{57388077-175C-47FE-BE91-2F659DED299B}" srcOrd="0" destOrd="0" presId="urn:microsoft.com/office/officeart/2009/3/layout/HorizontalOrganizationChart"/>
-    <dgm:cxn modelId="{1F555840-B454-4CF1-8E83-96D80885627F}" type="presParOf" srcId="{DA63AD78-2F2C-46F6-8472-A7770E7978A7}" destId="{C0A4F6BF-3716-4354-ADAC-D5B0E1B4F4D6}" srcOrd="1" destOrd="0" presId="urn:microsoft.com/office/officeart/2009/3/layout/HorizontalOrganizationChart"/>
-    <dgm:cxn modelId="{03CEAFBF-E4B7-422C-9FD6-6EFC92C7B588}" type="presParOf" srcId="{B867827C-29F9-425F-89B6-D66DAB125BF3}" destId="{0F01C53E-415B-4487-94F4-687880562CC6}" srcOrd="1" destOrd="0" presId="urn:microsoft.com/office/officeart/2009/3/layout/HorizontalOrganizationChart"/>
-    <dgm:cxn modelId="{409C798E-D721-4DF7-9F98-E8CE4FEED56C}" type="presParOf" srcId="{0F01C53E-415B-4487-94F4-687880562CC6}" destId="{06A7CC15-AC60-43EB-A8B1-86D90BA273A6}" srcOrd="0" destOrd="0" presId="urn:microsoft.com/office/officeart/2009/3/layout/HorizontalOrganizationChart"/>
-    <dgm:cxn modelId="{57FC8F62-5D34-4B0B-B532-543291514399}" type="presParOf" srcId="{0F01C53E-415B-4487-94F4-687880562CC6}" destId="{E712D80A-A70D-49B1-BBFA-201E9D6DB5A9}" srcOrd="1" destOrd="0" presId="urn:microsoft.com/office/officeart/2009/3/layout/HorizontalOrganizationChart"/>
-    <dgm:cxn modelId="{CFF69A8F-63F3-44D2-A74B-F9307B7C5AB3}" type="presParOf" srcId="{E712D80A-A70D-49B1-BBFA-201E9D6DB5A9}" destId="{F1D9F5FC-251F-4338-B761-901FC2523E27}" srcOrd="0" destOrd="0" presId="urn:microsoft.com/office/officeart/2009/3/layout/HorizontalOrganizationChart"/>
-    <dgm:cxn modelId="{63D3D92A-8242-494B-A8AD-64E0AC053520}" type="presParOf" srcId="{F1D9F5FC-251F-4338-B761-901FC2523E27}" destId="{D9F28C33-5FE9-4A45-9A8E-7A2BF7BDDFC6}" srcOrd="0" destOrd="0" presId="urn:microsoft.com/office/officeart/2009/3/layout/HorizontalOrganizationChart"/>
-    <dgm:cxn modelId="{63566FA1-D58B-4D18-9315-DC0F910A9EA1}" type="presParOf" srcId="{F1D9F5FC-251F-4338-B761-901FC2523E27}" destId="{10C55534-DBE9-4083-B816-527EAAA299C7}" srcOrd="1" destOrd="0" presId="urn:microsoft.com/office/officeart/2009/3/layout/HorizontalOrganizationChart"/>
-    <dgm:cxn modelId="{C94C5E5B-E8A4-44B6-9927-FD3C5240AE33}" type="presParOf" srcId="{E712D80A-A70D-49B1-BBFA-201E9D6DB5A9}" destId="{1CD7C1ED-CF82-41A5-8DE3-2612A64B4B52}" srcOrd="1" destOrd="0" presId="urn:microsoft.com/office/officeart/2009/3/layout/HorizontalOrganizationChart"/>
-    <dgm:cxn modelId="{FBE3FA26-DE67-458B-B298-4262344C470A}" type="presParOf" srcId="{1CD7C1ED-CF82-41A5-8DE3-2612A64B4B52}" destId="{EA826AF2-04B1-4587-85D6-85BB3B82552F}" srcOrd="0" destOrd="0" presId="urn:microsoft.com/office/officeart/2009/3/layout/HorizontalOrganizationChart"/>
-    <dgm:cxn modelId="{C1E1832A-7E5A-4B8E-80DF-94F79578E978}" type="presParOf" srcId="{1CD7C1ED-CF82-41A5-8DE3-2612A64B4B52}" destId="{3BCFF633-7E30-47AA-A22C-F0CCB0A9BF2C}" srcOrd="1" destOrd="0" presId="urn:microsoft.com/office/officeart/2009/3/layout/HorizontalOrganizationChart"/>
-    <dgm:cxn modelId="{A96E6A8F-938C-4429-A47A-4172F7CAECE6}" type="presParOf" srcId="{3BCFF633-7E30-47AA-A22C-F0CCB0A9BF2C}" destId="{A8649D28-51EB-4E41-9BD6-43E300D7869B}" srcOrd="0" destOrd="0" presId="urn:microsoft.com/office/officeart/2009/3/layout/HorizontalOrganizationChart"/>
-    <dgm:cxn modelId="{79B4336F-ACEC-4F1D-BF80-1DEB08AF8942}" type="presParOf" srcId="{A8649D28-51EB-4E41-9BD6-43E300D7869B}" destId="{B9D1F018-EB75-4247-9D98-CA54A339EFBB}" srcOrd="0" destOrd="0" presId="urn:microsoft.com/office/officeart/2009/3/layout/HorizontalOrganizationChart"/>
-    <dgm:cxn modelId="{C77CC994-E954-4C0B-9E55-FF0C0D85FC57}" type="presParOf" srcId="{A8649D28-51EB-4E41-9BD6-43E300D7869B}" destId="{4238DE52-35EE-405D-A179-F6BFDD5A707F}" srcOrd="1" destOrd="0" presId="urn:microsoft.com/office/officeart/2009/3/layout/HorizontalOrganizationChart"/>
-    <dgm:cxn modelId="{2F644AFA-FDF5-4733-86F8-DD607F7351FB}" type="presParOf" srcId="{3BCFF633-7E30-47AA-A22C-F0CCB0A9BF2C}" destId="{06E8020A-5E85-4F13-9717-EA244D515438}" srcOrd="1" destOrd="0" presId="urn:microsoft.com/office/officeart/2009/3/layout/HorizontalOrganizationChart"/>
-    <dgm:cxn modelId="{B2EEC749-89E9-4429-8E34-768B43DCF418}" type="presParOf" srcId="{3BCFF633-7E30-47AA-A22C-F0CCB0A9BF2C}" destId="{F6422264-29A7-42DD-BF0B-C4770127D8EA}" srcOrd="2" destOrd="0" presId="urn:microsoft.com/office/officeart/2009/3/layout/HorizontalOrganizationChart"/>
-    <dgm:cxn modelId="{7E6D084C-3035-41D6-B744-7F3A0EE72E4D}" type="presParOf" srcId="{1CD7C1ED-CF82-41A5-8DE3-2612A64B4B52}" destId="{19AD8BC7-3DBB-4D47-A194-DCCCA8DD1408}" srcOrd="2" destOrd="0" presId="urn:microsoft.com/office/officeart/2009/3/layout/HorizontalOrganizationChart"/>
-    <dgm:cxn modelId="{7AD0F7E5-ED3F-4DFC-967B-A85FEAD532E7}" type="presParOf" srcId="{1CD7C1ED-CF82-41A5-8DE3-2612A64B4B52}" destId="{C9BB63D3-F00A-4E72-8C5B-1DF97E7843E1}" srcOrd="3" destOrd="0" presId="urn:microsoft.com/office/officeart/2009/3/layout/HorizontalOrganizationChart"/>
-    <dgm:cxn modelId="{1D81BD6F-3F94-40D8-B6E7-D34344C0615C}" type="presParOf" srcId="{C9BB63D3-F00A-4E72-8C5B-1DF97E7843E1}" destId="{6CD577F7-FDE6-4808-A0F6-A65088F5742D}" srcOrd="0" destOrd="0" presId="urn:microsoft.com/office/officeart/2009/3/layout/HorizontalOrganizationChart"/>
-    <dgm:cxn modelId="{8EDB2517-7190-4182-B959-7C3EB7497808}" type="presParOf" srcId="{6CD577F7-FDE6-4808-A0F6-A65088F5742D}" destId="{1D70B4E6-C59F-4495-B16A-5C019BD95E09}" srcOrd="0" destOrd="0" presId="urn:microsoft.com/office/officeart/2009/3/layout/HorizontalOrganizationChart"/>
-    <dgm:cxn modelId="{2DD68A5E-1B2D-4798-90C9-E048D1571E3E}" type="presParOf" srcId="{6CD577F7-FDE6-4808-A0F6-A65088F5742D}" destId="{02190ACE-DAF6-4808-BAE4-70B624C189EC}" srcOrd="1" destOrd="0" presId="urn:microsoft.com/office/officeart/2009/3/layout/HorizontalOrganizationChart"/>
-    <dgm:cxn modelId="{9D8C3F69-C9FC-4D57-B5AF-304BA6744159}" type="presParOf" srcId="{C9BB63D3-F00A-4E72-8C5B-1DF97E7843E1}" destId="{5DC569B5-7359-4EFC-979F-5C0F8971F2B5}" srcOrd="1" destOrd="0" presId="urn:microsoft.com/office/officeart/2009/3/layout/HorizontalOrganizationChart"/>
-    <dgm:cxn modelId="{16E8C61E-2FE9-4C42-990F-D3F7E8451142}" type="presParOf" srcId="{C9BB63D3-F00A-4E72-8C5B-1DF97E7843E1}" destId="{D13546C9-6349-42E9-9E44-A7A59D208BD3}" srcOrd="2" destOrd="0" presId="urn:microsoft.com/office/officeart/2009/3/layout/HorizontalOrganizationChart"/>
-    <dgm:cxn modelId="{92443CB9-9503-4C76-AE6A-85C5FDA93CEA}" type="presParOf" srcId="{1CD7C1ED-CF82-41A5-8DE3-2612A64B4B52}" destId="{6331F970-3BB4-42E1-8688-1CF289FD567B}" srcOrd="4" destOrd="0" presId="urn:microsoft.com/office/officeart/2009/3/layout/HorizontalOrganizationChart"/>
-    <dgm:cxn modelId="{B2CCBED3-48AE-4F77-8EB7-B4F99F92B140}" type="presParOf" srcId="{1CD7C1ED-CF82-41A5-8DE3-2612A64B4B52}" destId="{EE27EC6E-7EA3-420A-9356-58DBF6ED7C0D}" srcOrd="5" destOrd="0" presId="urn:microsoft.com/office/officeart/2009/3/layout/HorizontalOrganizationChart"/>
-    <dgm:cxn modelId="{020769CE-C122-46CF-B758-D79CBE452CCE}" type="presParOf" srcId="{EE27EC6E-7EA3-420A-9356-58DBF6ED7C0D}" destId="{E15822E1-2256-42B5-AFC5-17EBA650B458}" srcOrd="0" destOrd="0" presId="urn:microsoft.com/office/officeart/2009/3/layout/HorizontalOrganizationChart"/>
-    <dgm:cxn modelId="{DFE42F7A-3996-4DB0-ABEC-983762EA5C3D}" type="presParOf" srcId="{E15822E1-2256-42B5-AFC5-17EBA650B458}" destId="{345F514F-C5EF-42EB-8D0E-9AC980D9610C}" srcOrd="0" destOrd="0" presId="urn:microsoft.com/office/officeart/2009/3/layout/HorizontalOrganizationChart"/>
-    <dgm:cxn modelId="{CCF7D232-DF1A-451A-BE8C-4C9F89016E84}" type="presParOf" srcId="{E15822E1-2256-42B5-AFC5-17EBA650B458}" destId="{986EC11A-9D18-4C0E-92F0-17333B6ABE4B}" srcOrd="1" destOrd="0" presId="urn:microsoft.com/office/officeart/2009/3/layout/HorizontalOrganizationChart"/>
-    <dgm:cxn modelId="{05CFF876-D5A0-47B2-815E-0D9242875FF1}" type="presParOf" srcId="{EE27EC6E-7EA3-420A-9356-58DBF6ED7C0D}" destId="{56DC7376-C11E-457D-9C8D-3A0B68F9FD1E}" srcOrd="1" destOrd="0" presId="urn:microsoft.com/office/officeart/2009/3/layout/HorizontalOrganizationChart"/>
-    <dgm:cxn modelId="{C0D68667-D5C1-4352-8423-9E8B3B322485}" type="presParOf" srcId="{EE27EC6E-7EA3-420A-9356-58DBF6ED7C0D}" destId="{4456CA8C-0092-4108-ABE2-00B3FF3C2BA1}" srcOrd="2" destOrd="0" presId="urn:microsoft.com/office/officeart/2009/3/layout/HorizontalOrganizationChart"/>
-    <dgm:cxn modelId="{6D0B7463-8C65-4718-AA54-237F316A8989}" type="presParOf" srcId="{E712D80A-A70D-49B1-BBFA-201E9D6DB5A9}" destId="{764F5E8F-C157-41B6-9985-F9D84BBEB206}" srcOrd="2" destOrd="0" presId="urn:microsoft.com/office/officeart/2009/3/layout/HorizontalOrganizationChart"/>
-    <dgm:cxn modelId="{21428939-7A62-4FA9-8117-2330500F83EF}" type="presParOf" srcId="{0F01C53E-415B-4487-94F4-687880562CC6}" destId="{00FC23D3-2B92-4713-8736-7A5D876C8097}" srcOrd="2" destOrd="0" presId="urn:microsoft.com/office/officeart/2009/3/layout/HorizontalOrganizationChart"/>
-    <dgm:cxn modelId="{C17EFA2C-7E7F-4B37-BB2A-8AE5E2200363}" type="presParOf" srcId="{0F01C53E-415B-4487-94F4-687880562CC6}" destId="{46D76157-49A6-4B7D-9426-0A6A67F9C96B}" srcOrd="3" destOrd="0" presId="urn:microsoft.com/office/officeart/2009/3/layout/HorizontalOrganizationChart"/>
-    <dgm:cxn modelId="{7ECBBC77-A2C1-42CA-AF6A-265E905DA09F}" type="presParOf" srcId="{46D76157-49A6-4B7D-9426-0A6A67F9C96B}" destId="{FE964BC8-4B9E-4B45-B102-DC3C1FFAC07B}" srcOrd="0" destOrd="0" presId="urn:microsoft.com/office/officeart/2009/3/layout/HorizontalOrganizationChart"/>
-    <dgm:cxn modelId="{E7987E7E-5B9F-4715-91A0-2DA6BE386799}" type="presParOf" srcId="{FE964BC8-4B9E-4B45-B102-DC3C1FFAC07B}" destId="{DEBC222A-0270-4E58-B84F-F369BB322C2D}" srcOrd="0" destOrd="0" presId="urn:microsoft.com/office/officeart/2009/3/layout/HorizontalOrganizationChart"/>
-    <dgm:cxn modelId="{6F518B1D-E33E-441A-AB36-C418484DA825}" type="presParOf" srcId="{FE964BC8-4B9E-4B45-B102-DC3C1FFAC07B}" destId="{1124C5D7-E57A-4676-87CD-DAD590EAC656}" srcOrd="1" destOrd="0" presId="urn:microsoft.com/office/officeart/2009/3/layout/HorizontalOrganizationChart"/>
-    <dgm:cxn modelId="{3AE7F036-8E75-4E3F-87CF-138F75DFFE48}" type="presParOf" srcId="{46D76157-49A6-4B7D-9426-0A6A67F9C96B}" destId="{24832081-D078-448F-81C8-48039E50C0CC}" srcOrd="1" destOrd="0" presId="urn:microsoft.com/office/officeart/2009/3/layout/HorizontalOrganizationChart"/>
-    <dgm:cxn modelId="{BC7AD1BD-59F7-4EFF-A6AF-38777FC49219}" type="presParOf" srcId="{24832081-D078-448F-81C8-48039E50C0CC}" destId="{2E6F311D-AEE4-470F-808D-862FEAB4A706}" srcOrd="0" destOrd="0" presId="urn:microsoft.com/office/officeart/2009/3/layout/HorizontalOrganizationChart"/>
-    <dgm:cxn modelId="{6BC0A4A8-9AF2-497A-8B3F-001417CDC2FA}" type="presParOf" srcId="{24832081-D078-448F-81C8-48039E50C0CC}" destId="{E6E9C536-40C6-4550-91A3-3AFBBAA0488A}" srcOrd="1" destOrd="0" presId="urn:microsoft.com/office/officeart/2009/3/layout/HorizontalOrganizationChart"/>
-    <dgm:cxn modelId="{07AEC031-0202-4230-BAA9-B70A78F247F5}" type="presParOf" srcId="{E6E9C536-40C6-4550-91A3-3AFBBAA0488A}" destId="{60385B71-C398-4210-A581-456F5F781773}" srcOrd="0" destOrd="0" presId="urn:microsoft.com/office/officeart/2009/3/layout/HorizontalOrganizationChart"/>
-    <dgm:cxn modelId="{AABAE230-17C4-432B-ABBA-8CAC64770629}" type="presParOf" srcId="{60385B71-C398-4210-A581-456F5F781773}" destId="{46AEB8B4-FECD-482D-9B01-5E2029BBBD2A}" srcOrd="0" destOrd="0" presId="urn:microsoft.com/office/officeart/2009/3/layout/HorizontalOrganizationChart"/>
-    <dgm:cxn modelId="{E52F7417-AE25-4D0A-AAD5-8D5945E8D8F2}" type="presParOf" srcId="{60385B71-C398-4210-A581-456F5F781773}" destId="{B61B65AD-CA6F-4010-A661-C59DA3877259}" srcOrd="1" destOrd="0" presId="urn:microsoft.com/office/officeart/2009/3/layout/HorizontalOrganizationChart"/>
-    <dgm:cxn modelId="{0E960747-353B-407E-87FF-F47048279436}" type="presParOf" srcId="{E6E9C536-40C6-4550-91A3-3AFBBAA0488A}" destId="{12B2B63B-A438-43CF-8FC4-40B94A36A41E}" srcOrd="1" destOrd="0" presId="urn:microsoft.com/office/officeart/2009/3/layout/HorizontalOrganizationChart"/>
-    <dgm:cxn modelId="{C4F472DE-A231-4332-A809-6EFFE59327CA}" type="presParOf" srcId="{E6E9C536-40C6-4550-91A3-3AFBBAA0488A}" destId="{769BE63C-7CAC-4704-BD84-003CCD207E29}" srcOrd="2" destOrd="0" presId="urn:microsoft.com/office/officeart/2009/3/layout/HorizontalOrganizationChart"/>
-    <dgm:cxn modelId="{CD7EE0BE-D2DA-41E7-844E-66995E3A9AF2}" type="presParOf" srcId="{24832081-D078-448F-81C8-48039E50C0CC}" destId="{9E3E1AAE-1A92-4907-B7E5-BBE921D8EEA6}" srcOrd="2" destOrd="0" presId="urn:microsoft.com/office/officeart/2009/3/layout/HorizontalOrganizationChart"/>
-    <dgm:cxn modelId="{C645B55B-9EB0-49D7-9163-2B5D2A838E65}" type="presParOf" srcId="{24832081-D078-448F-81C8-48039E50C0CC}" destId="{C79D962C-D1D1-4E19-B827-E01F9F0C7133}" srcOrd="3" destOrd="0" presId="urn:microsoft.com/office/officeart/2009/3/layout/HorizontalOrganizationChart"/>
-    <dgm:cxn modelId="{C9A1C526-0215-42F5-B312-3475686D90C8}" type="presParOf" srcId="{C79D962C-D1D1-4E19-B827-E01F9F0C7133}" destId="{310FB94D-531F-43E2-9192-41595AD3DB76}" srcOrd="0" destOrd="0" presId="urn:microsoft.com/office/officeart/2009/3/layout/HorizontalOrganizationChart"/>
-    <dgm:cxn modelId="{4766206F-7867-435A-A1BB-48C24E2DAD3D}" type="presParOf" srcId="{310FB94D-531F-43E2-9192-41595AD3DB76}" destId="{D38D2AEF-44D7-4FE6-BC29-D2ACF8E81BF1}" srcOrd="0" destOrd="0" presId="urn:microsoft.com/office/officeart/2009/3/layout/HorizontalOrganizationChart"/>
-    <dgm:cxn modelId="{3E75BB45-EEC1-4BE3-99C9-60652BA90C20}" type="presParOf" srcId="{310FB94D-531F-43E2-9192-41595AD3DB76}" destId="{F971D9CC-4ADF-4D10-948D-8DB0FF3C55BE}" srcOrd="1" destOrd="0" presId="urn:microsoft.com/office/officeart/2009/3/layout/HorizontalOrganizationChart"/>
-    <dgm:cxn modelId="{0BC32780-E361-4FE7-9D17-C690FDB5003D}" type="presParOf" srcId="{C79D962C-D1D1-4E19-B827-E01F9F0C7133}" destId="{3CB2FCFA-6FC8-4118-BE6C-6B5CA58A8CB5}" srcOrd="1" destOrd="0" presId="urn:microsoft.com/office/officeart/2009/3/layout/HorizontalOrganizationChart"/>
-    <dgm:cxn modelId="{14B59B85-27D0-4D80-A2BF-0E2A9E9A77DD}" type="presParOf" srcId="{C79D962C-D1D1-4E19-B827-E01F9F0C7133}" destId="{9A071A6A-44A6-474A-8C27-32FD7D06A2E2}" srcOrd="2" destOrd="0" presId="urn:microsoft.com/office/officeart/2009/3/layout/HorizontalOrganizationChart"/>
-    <dgm:cxn modelId="{59EF47AC-228A-44A2-861A-E2648947D6B3}" type="presParOf" srcId="{46D76157-49A6-4B7D-9426-0A6A67F9C96B}" destId="{E4EE0F13-E4EE-43C8-87FB-6610CE2F1A7F}" srcOrd="2" destOrd="0" presId="urn:microsoft.com/office/officeart/2009/3/layout/HorizontalOrganizationChart"/>
-    <dgm:cxn modelId="{0375311A-1E29-4841-A5B5-FF50AF166C77}" type="presParOf" srcId="{0F01C53E-415B-4487-94F4-687880562CC6}" destId="{8CF7967D-9F06-4B78-A66C-990595C3E811}" srcOrd="4" destOrd="0" presId="urn:microsoft.com/office/officeart/2009/3/layout/HorizontalOrganizationChart"/>
-    <dgm:cxn modelId="{C83B3A1E-2717-4A97-ADFF-712BF1BAA1CD}" type="presParOf" srcId="{0F01C53E-415B-4487-94F4-687880562CC6}" destId="{7E103D2B-84CD-48D0-A2A9-5D440B3F37D2}" srcOrd="5" destOrd="0" presId="urn:microsoft.com/office/officeart/2009/3/layout/HorizontalOrganizationChart"/>
-    <dgm:cxn modelId="{0F2B0AA0-38BB-44B7-94AF-C20E88DF6CA8}" type="presParOf" srcId="{7E103D2B-84CD-48D0-A2A9-5D440B3F37D2}" destId="{03C00F4C-3229-4962-B392-1D898060C582}" srcOrd="0" destOrd="0" presId="urn:microsoft.com/office/officeart/2009/3/layout/HorizontalOrganizationChart"/>
-    <dgm:cxn modelId="{5A38AEA5-4DC5-4DCE-950F-1E3F85ED7CE6}" type="presParOf" srcId="{03C00F4C-3229-4962-B392-1D898060C582}" destId="{0D980664-008E-4AA0-8BC8-610415CB6AC6}" srcOrd="0" destOrd="0" presId="urn:microsoft.com/office/officeart/2009/3/layout/HorizontalOrganizationChart"/>
-    <dgm:cxn modelId="{EFBB4D34-B8FD-47EB-A6F3-1566C470FF66}" type="presParOf" srcId="{03C00F4C-3229-4962-B392-1D898060C582}" destId="{794934AF-CE53-4B35-88B1-1832821713A7}" srcOrd="1" destOrd="0" presId="urn:microsoft.com/office/officeart/2009/3/layout/HorizontalOrganizationChart"/>
-    <dgm:cxn modelId="{3639C804-689C-456F-A6EE-85A633A2A75E}" type="presParOf" srcId="{7E103D2B-84CD-48D0-A2A9-5D440B3F37D2}" destId="{D2D9A4FF-A05C-4719-ADC0-13362325ACBD}" srcOrd="1" destOrd="0" presId="urn:microsoft.com/office/officeart/2009/3/layout/HorizontalOrganizationChart"/>
-    <dgm:cxn modelId="{648473BD-C7F1-4C70-9B33-E526C469D7C2}" type="presParOf" srcId="{D2D9A4FF-A05C-4719-ADC0-13362325ACBD}" destId="{EE62339D-21DB-486E-AD6A-3C01E09811F4}" srcOrd="0" destOrd="0" presId="urn:microsoft.com/office/officeart/2009/3/layout/HorizontalOrganizationChart"/>
-    <dgm:cxn modelId="{5BACDA95-DD22-4266-A5E1-93811A6DE9E4}" type="presParOf" srcId="{D2D9A4FF-A05C-4719-ADC0-13362325ACBD}" destId="{D92005AD-1114-4EFB-BD6B-D66213CF7AEA}" srcOrd="1" destOrd="0" presId="urn:microsoft.com/office/officeart/2009/3/layout/HorizontalOrganizationChart"/>
-    <dgm:cxn modelId="{90671C5E-ADA4-4773-B381-DF9230ADAE94}" type="presParOf" srcId="{D92005AD-1114-4EFB-BD6B-D66213CF7AEA}" destId="{5FD0EEF4-F77A-44C1-B103-76FE5CA68B87}" srcOrd="0" destOrd="0" presId="urn:microsoft.com/office/officeart/2009/3/layout/HorizontalOrganizationChart"/>
-    <dgm:cxn modelId="{7AB580CC-CEAD-4D5E-A792-6F5D330442C9}" type="presParOf" srcId="{5FD0EEF4-F77A-44C1-B103-76FE5CA68B87}" destId="{BA195AC1-D883-48A6-A813-247A689F512A}" srcOrd="0" destOrd="0" presId="urn:microsoft.com/office/officeart/2009/3/layout/HorizontalOrganizationChart"/>
-    <dgm:cxn modelId="{1D689E97-29C8-4CEE-AD8F-35428FD222C2}" type="presParOf" srcId="{5FD0EEF4-F77A-44C1-B103-76FE5CA68B87}" destId="{749272BC-A4B4-4160-BFBC-3F00415153E3}" srcOrd="1" destOrd="0" presId="urn:microsoft.com/office/officeart/2009/3/layout/HorizontalOrganizationChart"/>
-    <dgm:cxn modelId="{83D4E21E-6474-434A-96BF-19A623018E9B}" type="presParOf" srcId="{D92005AD-1114-4EFB-BD6B-D66213CF7AEA}" destId="{554DD5AA-FFC5-4E6E-9825-2F6B92E5D252}" srcOrd="1" destOrd="0" presId="urn:microsoft.com/office/officeart/2009/3/layout/HorizontalOrganizationChart"/>
-    <dgm:cxn modelId="{7D25F177-1CC3-4001-88FF-02E53A8A8A53}" type="presParOf" srcId="{D92005AD-1114-4EFB-BD6B-D66213CF7AEA}" destId="{52984932-7143-41D6-82BF-D50A50E89235}" srcOrd="2" destOrd="0" presId="urn:microsoft.com/office/officeart/2009/3/layout/HorizontalOrganizationChart"/>
-    <dgm:cxn modelId="{0163FA70-1ADC-4BCB-87A3-96DBE98F1FD7}" type="presParOf" srcId="{7E103D2B-84CD-48D0-A2A9-5D440B3F37D2}" destId="{07CC665F-A13E-46F9-BDFC-D01E12972575}" srcOrd="2" destOrd="0" presId="urn:microsoft.com/office/officeart/2009/3/layout/HorizontalOrganizationChart"/>
-    <dgm:cxn modelId="{ABEEEBA7-9CEF-4477-A3F5-43616FD7AAEB}" type="presParOf" srcId="{B867827C-29F9-425F-89B6-D66DAB125BF3}" destId="{B6A87DF1-A3E4-4931-A39E-4391B15EEA1F}" srcOrd="2" destOrd="0" presId="urn:microsoft.com/office/officeart/2009/3/layout/HorizontalOrganizationChart"/>
+    <dgm:cxn modelId="{F93D14FF-ECD6-4385-84A2-68683078B515}" type="presOf" srcId="{D319DFCD-81D5-4759-8BB1-9687637BAE71}" destId="{E35F77C8-CA89-4FC8-A69B-6F68F6CD55E7}" srcOrd="0" destOrd="0" presId="urn:microsoft.com/office/officeart/2005/8/layout/hierarchy4"/>
+    <dgm:cxn modelId="{20359340-DBEF-42C5-8AC7-1AAA1715DF06}" type="presParOf" srcId="{FE10183A-58EE-44D3-8AA7-675868688769}" destId="{2039253F-10A7-4964-ABCE-0F8553D4E679}" srcOrd="0" destOrd="0" presId="urn:microsoft.com/office/officeart/2005/8/layout/hierarchy4"/>
+    <dgm:cxn modelId="{EC766205-BBEB-44A8-B8BC-6D64338AA284}" type="presParOf" srcId="{2039253F-10A7-4964-ABCE-0F8553D4E679}" destId="{6239B992-052F-4B3E-9DDF-69C744E0AA5A}" srcOrd="0" destOrd="0" presId="urn:microsoft.com/office/officeart/2005/8/layout/hierarchy4"/>
+    <dgm:cxn modelId="{324F4B80-1B31-4B33-A4A2-1DA2DF0307DA}" type="presParOf" srcId="{2039253F-10A7-4964-ABCE-0F8553D4E679}" destId="{DFADCD82-DBD7-46DC-A38C-727E832E98F5}" srcOrd="1" destOrd="0" presId="urn:microsoft.com/office/officeart/2005/8/layout/hierarchy4"/>
+    <dgm:cxn modelId="{D4252317-7F4A-4AF5-A50A-859CA68EC4B0}" type="presParOf" srcId="{2039253F-10A7-4964-ABCE-0F8553D4E679}" destId="{F5AE2473-1C08-4B72-9256-C01B5ECBA1AC}" srcOrd="2" destOrd="0" presId="urn:microsoft.com/office/officeart/2005/8/layout/hierarchy4"/>
+    <dgm:cxn modelId="{46E82D76-54B1-46A7-96E5-C3A3886A24AE}" type="presParOf" srcId="{F5AE2473-1C08-4B72-9256-C01B5ECBA1AC}" destId="{125EA979-97EC-4F46-B16D-49F013BF0984}" srcOrd="0" destOrd="0" presId="urn:microsoft.com/office/officeart/2005/8/layout/hierarchy4"/>
+    <dgm:cxn modelId="{D4884A97-1E0A-495B-BBE8-5A3BB932E05B}" type="presParOf" srcId="{125EA979-97EC-4F46-B16D-49F013BF0984}" destId="{F1BED6D3-2208-4D20-A65C-BDFAED16E714}" srcOrd="0" destOrd="0" presId="urn:microsoft.com/office/officeart/2005/8/layout/hierarchy4"/>
+    <dgm:cxn modelId="{23E49A30-BE7C-4112-94E6-7D6BB41373E8}" type="presParOf" srcId="{125EA979-97EC-4F46-B16D-49F013BF0984}" destId="{1A1DA0CB-1082-46F1-9703-77DCF498DDE6}" srcOrd="1" destOrd="0" presId="urn:microsoft.com/office/officeart/2005/8/layout/hierarchy4"/>
+    <dgm:cxn modelId="{CF6C6325-C0C8-46E9-A5D0-6224854DFB6F}" type="presParOf" srcId="{125EA979-97EC-4F46-B16D-49F013BF0984}" destId="{395EDB4B-3401-4CCE-BE35-1F90CDAFE9DD}" srcOrd="2" destOrd="0" presId="urn:microsoft.com/office/officeart/2005/8/layout/hierarchy4"/>
+    <dgm:cxn modelId="{3218F4CA-007D-410D-83E5-CFB69C71B00A}" type="presParOf" srcId="{395EDB4B-3401-4CCE-BE35-1F90CDAFE9DD}" destId="{4836811B-40AE-4D06-B43F-3101A787D639}" srcOrd="0" destOrd="0" presId="urn:microsoft.com/office/officeart/2005/8/layout/hierarchy4"/>
+    <dgm:cxn modelId="{BB96B888-0FA5-46FB-B335-A3658AC6849F}" type="presParOf" srcId="{4836811B-40AE-4D06-B43F-3101A787D639}" destId="{C492E029-D2A7-41A6-941C-1136482A1D36}" srcOrd="0" destOrd="0" presId="urn:microsoft.com/office/officeart/2005/8/layout/hierarchy4"/>
+    <dgm:cxn modelId="{C7387EB9-40AE-403B-9FFA-A9DC443071BC}" type="presParOf" srcId="{4836811B-40AE-4D06-B43F-3101A787D639}" destId="{D728A45C-AECF-485A-8A6E-6DF0F4DDE478}" srcOrd="1" destOrd="0" presId="urn:microsoft.com/office/officeart/2005/8/layout/hierarchy4"/>
+    <dgm:cxn modelId="{FAE3D4F1-10EB-4BE6-B4C0-E2C095827FD9}" type="presParOf" srcId="{395EDB4B-3401-4CCE-BE35-1F90CDAFE9DD}" destId="{FBC2473B-D5B2-46AC-9582-910CD9C1B020}" srcOrd="1" destOrd="0" presId="urn:microsoft.com/office/officeart/2005/8/layout/hierarchy4"/>
+    <dgm:cxn modelId="{13C0B2D6-6210-46AB-9F38-CDC38A241130}" type="presParOf" srcId="{395EDB4B-3401-4CCE-BE35-1F90CDAFE9DD}" destId="{C9CB423D-AF89-4BCE-B7DF-787AE8F52AC1}" srcOrd="2" destOrd="0" presId="urn:microsoft.com/office/officeart/2005/8/layout/hierarchy4"/>
+    <dgm:cxn modelId="{2FEF9105-4457-4B3C-968F-0207CD5DAF79}" type="presParOf" srcId="{C9CB423D-AF89-4BCE-B7DF-787AE8F52AC1}" destId="{B9E8A894-1669-4759-9AC6-96C97B36ACB4}" srcOrd="0" destOrd="0" presId="urn:microsoft.com/office/officeart/2005/8/layout/hierarchy4"/>
+    <dgm:cxn modelId="{94EEE42F-73DB-4ACC-B4BC-906C05B18586}" type="presParOf" srcId="{C9CB423D-AF89-4BCE-B7DF-787AE8F52AC1}" destId="{52A9ECB5-8453-472E-9051-9AFF3E338F17}" srcOrd="1" destOrd="0" presId="urn:microsoft.com/office/officeart/2005/8/layout/hierarchy4"/>
+    <dgm:cxn modelId="{32EE3385-33AC-4BD3-9148-22D1BC1CE9BC}" type="presParOf" srcId="{395EDB4B-3401-4CCE-BE35-1F90CDAFE9DD}" destId="{2A07D2B2-5170-40AE-B86A-44F706AD1AE7}" srcOrd="3" destOrd="0" presId="urn:microsoft.com/office/officeart/2005/8/layout/hierarchy4"/>
+    <dgm:cxn modelId="{76B98709-69EC-4A4C-AC59-DE1DD53D096A}" type="presParOf" srcId="{395EDB4B-3401-4CCE-BE35-1F90CDAFE9DD}" destId="{85F8F0DD-4FF3-47BF-AF35-8EDCBD2B195D}" srcOrd="4" destOrd="0" presId="urn:microsoft.com/office/officeart/2005/8/layout/hierarchy4"/>
+    <dgm:cxn modelId="{1CD86C6C-452F-4A88-B7FD-A0935C9CB9AD}" type="presParOf" srcId="{85F8F0DD-4FF3-47BF-AF35-8EDCBD2B195D}" destId="{E35F77C8-CA89-4FC8-A69B-6F68F6CD55E7}" srcOrd="0" destOrd="0" presId="urn:microsoft.com/office/officeart/2005/8/layout/hierarchy4"/>
+    <dgm:cxn modelId="{CF80DA50-78E9-4E5D-BDBB-1A4ADA302975}" type="presParOf" srcId="{85F8F0DD-4FF3-47BF-AF35-8EDCBD2B195D}" destId="{10FB2EBC-B03E-4339-80FC-6DB802F10EE6}" srcOrd="1" destOrd="0" presId="urn:microsoft.com/office/officeart/2005/8/layout/hierarchy4"/>
+    <dgm:cxn modelId="{23258B1F-5D21-40BC-AD36-2A977DBC32DA}" type="presParOf" srcId="{F5AE2473-1C08-4B72-9256-C01B5ECBA1AC}" destId="{46CC987A-4C71-4F93-9976-C9B8E1CF659A}" srcOrd="1" destOrd="0" presId="urn:microsoft.com/office/officeart/2005/8/layout/hierarchy4"/>
+    <dgm:cxn modelId="{5F327CA0-05F5-4BDD-996F-3293135E8B93}" type="presParOf" srcId="{F5AE2473-1C08-4B72-9256-C01B5ECBA1AC}" destId="{4ED916B4-A0D9-4176-B1B0-698EB3402F32}" srcOrd="2" destOrd="0" presId="urn:microsoft.com/office/officeart/2005/8/layout/hierarchy4"/>
+    <dgm:cxn modelId="{22DBF517-C3A0-4130-AECC-B69596D895EE}" type="presParOf" srcId="{4ED916B4-A0D9-4176-B1B0-698EB3402F32}" destId="{C4DA7505-9A08-4256-A62F-8A4EA01412C6}" srcOrd="0" destOrd="0" presId="urn:microsoft.com/office/officeart/2005/8/layout/hierarchy4"/>
+    <dgm:cxn modelId="{18F04B37-8CAE-47BD-9B44-372C86F890D6}" type="presParOf" srcId="{4ED916B4-A0D9-4176-B1B0-698EB3402F32}" destId="{A4092B54-20D0-49D9-8ADC-1ECE05E00D17}" srcOrd="1" destOrd="0" presId="urn:microsoft.com/office/officeart/2005/8/layout/hierarchy4"/>
+    <dgm:cxn modelId="{7B491857-362C-4FF2-A40C-836630F70730}" type="presParOf" srcId="{4ED916B4-A0D9-4176-B1B0-698EB3402F32}" destId="{CF913439-0847-452D-9129-8E0D05B86B32}" srcOrd="2" destOrd="0" presId="urn:microsoft.com/office/officeart/2005/8/layout/hierarchy4"/>
+    <dgm:cxn modelId="{D9A51ECF-B56A-427F-B11F-B4F434BE041E}" type="presParOf" srcId="{CF913439-0847-452D-9129-8E0D05B86B32}" destId="{29468E2C-C7E3-4E76-9341-016F5E38AE2F}" srcOrd="0" destOrd="0" presId="urn:microsoft.com/office/officeart/2005/8/layout/hierarchy4"/>
+    <dgm:cxn modelId="{7560C459-D48B-4456-ACC8-C419AAB632BD}" type="presParOf" srcId="{29468E2C-C7E3-4E76-9341-016F5E38AE2F}" destId="{C0866384-04C5-4E1D-AF97-C70EB3203D16}" srcOrd="0" destOrd="0" presId="urn:microsoft.com/office/officeart/2005/8/layout/hierarchy4"/>
+    <dgm:cxn modelId="{C6879F35-DF4E-4FB7-88F5-29242DE740EF}" type="presParOf" srcId="{29468E2C-C7E3-4E76-9341-016F5E38AE2F}" destId="{00E6579C-B964-4F88-B24B-2B391C5B7B3A}" srcOrd="1" destOrd="0" presId="urn:microsoft.com/office/officeart/2005/8/layout/hierarchy4"/>
+    <dgm:cxn modelId="{E275E0FD-8CA7-482E-BBDB-B81C4F214113}" type="presParOf" srcId="{CF913439-0847-452D-9129-8E0D05B86B32}" destId="{32EA33B3-B3E8-42BD-94CC-C5E4E496FD7A}" srcOrd="1" destOrd="0" presId="urn:microsoft.com/office/officeart/2005/8/layout/hierarchy4"/>
+    <dgm:cxn modelId="{EC689E0B-EC07-40E1-A125-4FF03B0D256A}" type="presParOf" srcId="{CF913439-0847-452D-9129-8E0D05B86B32}" destId="{EFD274C5-E6FF-405B-BBC3-CF8141B5985B}" srcOrd="2" destOrd="0" presId="urn:microsoft.com/office/officeart/2005/8/layout/hierarchy4"/>
+    <dgm:cxn modelId="{EED463C4-8356-4436-A007-4184CF3934C9}" type="presParOf" srcId="{EFD274C5-E6FF-405B-BBC3-CF8141B5985B}" destId="{A86E2920-6051-45DF-8A45-3229C15DE08A}" srcOrd="0" destOrd="0" presId="urn:microsoft.com/office/officeart/2005/8/layout/hierarchy4"/>
+    <dgm:cxn modelId="{197CEB77-23CA-4021-83CD-2F422125B8E9}" type="presParOf" srcId="{EFD274C5-E6FF-405B-BBC3-CF8141B5985B}" destId="{7C91CBE6-BA32-48F7-B0C1-91F3A056AC70}" srcOrd="1" destOrd="0" presId="urn:microsoft.com/office/officeart/2005/8/layout/hierarchy4"/>
+    <dgm:cxn modelId="{5CF7F779-B8BA-4698-984B-F4BA2E3C689B}" type="presParOf" srcId="{F5AE2473-1C08-4B72-9256-C01B5ECBA1AC}" destId="{75845444-A66D-4806-9494-F2B9E0599D94}" srcOrd="3" destOrd="0" presId="urn:microsoft.com/office/officeart/2005/8/layout/hierarchy4"/>
+    <dgm:cxn modelId="{F5C49B1D-DBE6-4A47-8FD7-3BD8A4C262D1}" type="presParOf" srcId="{F5AE2473-1C08-4B72-9256-C01B5ECBA1AC}" destId="{6CC54384-3096-428F-A824-25E4DD66D1E6}" srcOrd="4" destOrd="0" presId="urn:microsoft.com/office/officeart/2005/8/layout/hierarchy4"/>
+    <dgm:cxn modelId="{12DE6F45-7FB5-4406-B354-2E38A12282E4}" type="presParOf" srcId="{6CC54384-3096-428F-A824-25E4DD66D1E6}" destId="{398EC631-8A7E-4918-B6BD-CFE090DA9FB3}" srcOrd="0" destOrd="0" presId="urn:microsoft.com/office/officeart/2005/8/layout/hierarchy4"/>
+    <dgm:cxn modelId="{A9E09BC9-AB7A-42C4-9E15-86848728F03B}" type="presParOf" srcId="{6CC54384-3096-428F-A824-25E4DD66D1E6}" destId="{2C0C1466-3884-41CE-B772-BB7322D598D1}" srcOrd="1" destOrd="0" presId="urn:microsoft.com/office/officeart/2005/8/layout/hierarchy4"/>
+    <dgm:cxn modelId="{85C09053-8966-4D28-8FC0-8E0DFDC16541}" type="presParOf" srcId="{6CC54384-3096-428F-A824-25E4DD66D1E6}" destId="{A22E0894-56B6-4443-ABBC-400DED9FC899}" srcOrd="2" destOrd="0" presId="urn:microsoft.com/office/officeart/2005/8/layout/hierarchy4"/>
+    <dgm:cxn modelId="{29FFEDE6-8309-4B27-A146-A7DC2BD14314}" type="presParOf" srcId="{A22E0894-56B6-4443-ABBC-400DED9FC899}" destId="{2A819496-AEEE-4AA4-94F8-CE40E57D94F0}" srcOrd="0" destOrd="0" presId="urn:microsoft.com/office/officeart/2005/8/layout/hierarchy4"/>
+    <dgm:cxn modelId="{CFAAC027-1B06-4620-9E8B-9620863FE210}" type="presParOf" srcId="{2A819496-AEEE-4AA4-94F8-CE40E57D94F0}" destId="{907F5351-7193-432C-9A84-70CB5DE9267E}" srcOrd="0" destOrd="0" presId="urn:microsoft.com/office/officeart/2005/8/layout/hierarchy4"/>
+    <dgm:cxn modelId="{581A5A15-D0E6-440F-8C6E-ABEE5A7D8C82}" type="presParOf" srcId="{2A819496-AEEE-4AA4-94F8-CE40E57D94F0}" destId="{28DB1447-0E97-4E40-B64D-CDE00DE14473}" srcOrd="1" destOrd="0" presId="urn:microsoft.com/office/officeart/2005/8/layout/hierarchy4"/>
   </dgm:cxnLst>
   <dgm:bg/>
   <dgm:whole/>
@@ -5694,564 +5484,20 @@
       <dsp:cNvGrpSpPr/>
     </dsp:nvGrpSpPr>
     <dsp:grpSpPr/>
-    <dsp:sp modelId="{EE62339D-21DB-486E-AD6A-3C01E09811F4}">
+    <dsp:sp modelId="{6239B992-052F-4B3E-9DDF-69C744E0AA5A}">
       <dsp:nvSpPr>
         <dsp:cNvPr id="0" name=""/>
         <dsp:cNvSpPr/>
       </dsp:nvSpPr>
       <dsp:spPr>
         <a:xfrm>
-          <a:off x="4228488" y="3830431"/>
-          <a:ext cx="336559" cy="91440"/>
+          <a:off x="6740" y="1780"/>
+          <a:ext cx="11255581" cy="1271830"/>
         </a:xfrm>
-        <a:custGeom>
-          <a:avLst/>
-          <a:gdLst/>
-          <a:ahLst/>
-          <a:cxnLst/>
-          <a:rect l="0" t="0" r="0" b="0"/>
-          <a:pathLst>
-            <a:path>
-              <a:moveTo>
-                <a:pt x="0" y="45720"/>
-              </a:moveTo>
-              <a:lnTo>
-                <a:pt x="336559" y="45720"/>
-              </a:lnTo>
-            </a:path>
-          </a:pathLst>
-        </a:custGeom>
-        <a:noFill/>
-        <a:ln w="12700" cap="flat" cmpd="sng" algn="ctr">
-          <a:solidFill>
-            <a:schemeClr val="accent1">
-              <a:shade val="80000"/>
-              <a:hueOff val="0"/>
-              <a:satOff val="0"/>
-              <a:lumOff val="0"/>
-              <a:alphaOff val="0"/>
-            </a:schemeClr>
-          </a:solidFill>
-          <a:prstDash val="solid"/>
-          <a:miter lim="800000"/>
-        </a:ln>
-        <a:effectLst/>
-      </dsp:spPr>
-      <dsp:style>
-        <a:lnRef idx="2">
-          <a:scrgbClr r="0" g="0" b="0"/>
-        </a:lnRef>
-        <a:fillRef idx="0">
-          <a:scrgbClr r="0" g="0" b="0"/>
-        </a:fillRef>
-        <a:effectRef idx="0">
-          <a:scrgbClr r="0" g="0" b="0"/>
-        </a:effectRef>
-        <a:fontRef idx="minor"/>
-      </dsp:style>
-    </dsp:sp>
-    <dsp:sp modelId="{8CF7967D-9F06-4B78-A66C-990595C3E811}">
-      <dsp:nvSpPr>
-        <dsp:cNvPr id="0" name=""/>
-        <dsp:cNvSpPr/>
-      </dsp:nvSpPr>
-      <dsp:spPr>
-        <a:xfrm>
-          <a:off x="2209133" y="2428947"/>
-          <a:ext cx="336559" cy="1447203"/>
-        </a:xfrm>
-        <a:custGeom>
-          <a:avLst/>
-          <a:gdLst/>
-          <a:ahLst/>
-          <a:cxnLst/>
-          <a:rect l="0" t="0" r="0" b="0"/>
-          <a:pathLst>
-            <a:path>
-              <a:moveTo>
-                <a:pt x="0" y="0"/>
-              </a:moveTo>
-              <a:lnTo>
-                <a:pt x="168279" y="0"/>
-              </a:lnTo>
-              <a:lnTo>
-                <a:pt x="168279" y="1447203"/>
-              </a:lnTo>
-              <a:lnTo>
-                <a:pt x="336559" y="1447203"/>
-              </a:lnTo>
-            </a:path>
-          </a:pathLst>
-        </a:custGeom>
-        <a:noFill/>
-        <a:ln w="12700" cap="flat" cmpd="sng" algn="ctr">
-          <a:solidFill>
-            <a:schemeClr val="accent1">
-              <a:shade val="60000"/>
-              <a:hueOff val="0"/>
-              <a:satOff val="0"/>
-              <a:lumOff val="0"/>
-              <a:alphaOff val="0"/>
-            </a:schemeClr>
-          </a:solidFill>
-          <a:prstDash val="solid"/>
-          <a:miter lim="800000"/>
-        </a:ln>
-        <a:effectLst/>
-      </dsp:spPr>
-      <dsp:style>
-        <a:lnRef idx="2">
-          <a:scrgbClr r="0" g="0" b="0"/>
-        </a:lnRef>
-        <a:fillRef idx="0">
-          <a:scrgbClr r="0" g="0" b="0"/>
-        </a:fillRef>
-        <a:effectRef idx="0">
-          <a:scrgbClr r="0" g="0" b="0"/>
-        </a:effectRef>
-        <a:fontRef idx="minor"/>
-      </dsp:style>
-    </dsp:sp>
-    <dsp:sp modelId="{9E3E1AAE-1A92-4907-B7E5-BBE921D8EEA6}">
-      <dsp:nvSpPr>
-        <dsp:cNvPr id="0" name=""/>
-        <dsp:cNvSpPr/>
-      </dsp:nvSpPr>
-      <dsp:spPr>
-        <a:xfrm>
-          <a:off x="4228488" y="2790748"/>
-          <a:ext cx="336559" cy="361800"/>
-        </a:xfrm>
-        <a:custGeom>
-          <a:avLst/>
-          <a:gdLst/>
-          <a:ahLst/>
-          <a:cxnLst/>
-          <a:rect l="0" t="0" r="0" b="0"/>
-          <a:pathLst>
-            <a:path>
-              <a:moveTo>
-                <a:pt x="0" y="0"/>
-              </a:moveTo>
-              <a:lnTo>
-                <a:pt x="168279" y="0"/>
-              </a:lnTo>
-              <a:lnTo>
-                <a:pt x="168279" y="361800"/>
-              </a:lnTo>
-              <a:lnTo>
-                <a:pt x="336559" y="361800"/>
-              </a:lnTo>
-            </a:path>
-          </a:pathLst>
-        </a:custGeom>
-        <a:noFill/>
-        <a:ln w="12700" cap="flat" cmpd="sng" algn="ctr">
-          <a:solidFill>
-            <a:schemeClr val="accent1">
-              <a:shade val="80000"/>
-              <a:hueOff val="0"/>
-              <a:satOff val="0"/>
-              <a:lumOff val="0"/>
-              <a:alphaOff val="0"/>
-            </a:schemeClr>
-          </a:solidFill>
-          <a:prstDash val="solid"/>
-          <a:miter lim="800000"/>
-        </a:ln>
-        <a:effectLst/>
-      </dsp:spPr>
-      <dsp:style>
-        <a:lnRef idx="2">
-          <a:scrgbClr r="0" g="0" b="0"/>
-        </a:lnRef>
-        <a:fillRef idx="0">
-          <a:scrgbClr r="0" g="0" b="0"/>
-        </a:fillRef>
-        <a:effectRef idx="0">
-          <a:scrgbClr r="0" g="0" b="0"/>
-        </a:effectRef>
-        <a:fontRef idx="minor"/>
-      </dsp:style>
-    </dsp:sp>
-    <dsp:sp modelId="{2E6F311D-AEE4-470F-808D-862FEAB4A706}">
-      <dsp:nvSpPr>
-        <dsp:cNvPr id="0" name=""/>
-        <dsp:cNvSpPr/>
-      </dsp:nvSpPr>
-      <dsp:spPr>
-        <a:xfrm>
-          <a:off x="4228488" y="2428947"/>
-          <a:ext cx="336559" cy="361800"/>
-        </a:xfrm>
-        <a:custGeom>
-          <a:avLst/>
-          <a:gdLst/>
-          <a:ahLst/>
-          <a:cxnLst/>
-          <a:rect l="0" t="0" r="0" b="0"/>
-          <a:pathLst>
-            <a:path>
-              <a:moveTo>
-                <a:pt x="0" y="361800"/>
-              </a:moveTo>
-              <a:lnTo>
-                <a:pt x="168279" y="361800"/>
-              </a:lnTo>
-              <a:lnTo>
-                <a:pt x="168279" y="0"/>
-              </a:lnTo>
-              <a:lnTo>
-                <a:pt x="336559" y="0"/>
-              </a:lnTo>
-            </a:path>
-          </a:pathLst>
-        </a:custGeom>
-        <a:noFill/>
-        <a:ln w="12700" cap="flat" cmpd="sng" algn="ctr">
-          <a:solidFill>
-            <a:schemeClr val="accent1">
-              <a:shade val="80000"/>
-              <a:hueOff val="0"/>
-              <a:satOff val="0"/>
-              <a:lumOff val="0"/>
-              <a:alphaOff val="0"/>
-            </a:schemeClr>
-          </a:solidFill>
-          <a:prstDash val="solid"/>
-          <a:miter lim="800000"/>
-        </a:ln>
-        <a:effectLst/>
-      </dsp:spPr>
-      <dsp:style>
-        <a:lnRef idx="2">
-          <a:scrgbClr r="0" g="0" b="0"/>
-        </a:lnRef>
-        <a:fillRef idx="0">
-          <a:scrgbClr r="0" g="0" b="0"/>
-        </a:fillRef>
-        <a:effectRef idx="0">
-          <a:scrgbClr r="0" g="0" b="0"/>
-        </a:effectRef>
-        <a:fontRef idx="minor"/>
-      </dsp:style>
-    </dsp:sp>
-    <dsp:sp modelId="{00FC23D3-2B92-4713-8736-7A5D876C8097}">
-      <dsp:nvSpPr>
-        <dsp:cNvPr id="0" name=""/>
-        <dsp:cNvSpPr/>
-      </dsp:nvSpPr>
-      <dsp:spPr>
-        <a:xfrm>
-          <a:off x="2209133" y="2428947"/>
-          <a:ext cx="336559" cy="361800"/>
-        </a:xfrm>
-        <a:custGeom>
-          <a:avLst/>
-          <a:gdLst/>
-          <a:ahLst/>
-          <a:cxnLst/>
-          <a:rect l="0" t="0" r="0" b="0"/>
-          <a:pathLst>
-            <a:path>
-              <a:moveTo>
-                <a:pt x="0" y="0"/>
-              </a:moveTo>
-              <a:lnTo>
-                <a:pt x="168279" y="0"/>
-              </a:lnTo>
-              <a:lnTo>
-                <a:pt x="168279" y="361800"/>
-              </a:lnTo>
-              <a:lnTo>
-                <a:pt x="336559" y="361800"/>
-              </a:lnTo>
-            </a:path>
-          </a:pathLst>
-        </a:custGeom>
-        <a:noFill/>
-        <a:ln w="12700" cap="flat" cmpd="sng" algn="ctr">
-          <a:solidFill>
-            <a:schemeClr val="accent1">
-              <a:shade val="60000"/>
-              <a:hueOff val="0"/>
-              <a:satOff val="0"/>
-              <a:lumOff val="0"/>
-              <a:alphaOff val="0"/>
-            </a:schemeClr>
-          </a:solidFill>
-          <a:prstDash val="solid"/>
-          <a:miter lim="800000"/>
-        </a:ln>
-        <a:effectLst/>
-      </dsp:spPr>
-      <dsp:style>
-        <a:lnRef idx="2">
-          <a:scrgbClr r="0" g="0" b="0"/>
-        </a:lnRef>
-        <a:fillRef idx="0">
-          <a:scrgbClr r="0" g="0" b="0"/>
-        </a:fillRef>
-        <a:effectRef idx="0">
-          <a:scrgbClr r="0" g="0" b="0"/>
-        </a:effectRef>
-        <a:fontRef idx="minor"/>
-      </dsp:style>
-    </dsp:sp>
-    <dsp:sp modelId="{6331F970-3BB4-42E1-8688-1CF289FD567B}">
-      <dsp:nvSpPr>
-        <dsp:cNvPr id="0" name=""/>
-        <dsp:cNvSpPr/>
-      </dsp:nvSpPr>
-      <dsp:spPr>
-        <a:xfrm>
-          <a:off x="4228488" y="981743"/>
-          <a:ext cx="336559" cy="723601"/>
-        </a:xfrm>
-        <a:custGeom>
-          <a:avLst/>
-          <a:gdLst/>
-          <a:ahLst/>
-          <a:cxnLst/>
-          <a:rect l="0" t="0" r="0" b="0"/>
-          <a:pathLst>
-            <a:path>
-              <a:moveTo>
-                <a:pt x="0" y="0"/>
-              </a:moveTo>
-              <a:lnTo>
-                <a:pt x="168279" y="0"/>
-              </a:lnTo>
-              <a:lnTo>
-                <a:pt x="168279" y="723601"/>
-              </a:lnTo>
-              <a:lnTo>
-                <a:pt x="336559" y="723601"/>
-              </a:lnTo>
-            </a:path>
-          </a:pathLst>
-        </a:custGeom>
-        <a:noFill/>
-        <a:ln w="12700" cap="flat" cmpd="sng" algn="ctr">
-          <a:solidFill>
-            <a:schemeClr val="accent1">
-              <a:shade val="80000"/>
-              <a:hueOff val="0"/>
-              <a:satOff val="0"/>
-              <a:lumOff val="0"/>
-              <a:alphaOff val="0"/>
-            </a:schemeClr>
-          </a:solidFill>
-          <a:prstDash val="solid"/>
-          <a:miter lim="800000"/>
-        </a:ln>
-        <a:effectLst/>
-      </dsp:spPr>
-      <dsp:style>
-        <a:lnRef idx="2">
-          <a:scrgbClr r="0" g="0" b="0"/>
-        </a:lnRef>
-        <a:fillRef idx="0">
-          <a:scrgbClr r="0" g="0" b="0"/>
-        </a:fillRef>
-        <a:effectRef idx="0">
-          <a:scrgbClr r="0" g="0" b="0"/>
-        </a:effectRef>
-        <a:fontRef idx="minor"/>
-      </dsp:style>
-    </dsp:sp>
-    <dsp:sp modelId="{19AD8BC7-3DBB-4D47-A194-DCCCA8DD1408}">
-      <dsp:nvSpPr>
-        <dsp:cNvPr id="0" name=""/>
-        <dsp:cNvSpPr/>
-      </dsp:nvSpPr>
-      <dsp:spPr>
-        <a:xfrm>
-          <a:off x="4228488" y="936023"/>
-          <a:ext cx="336559" cy="91440"/>
-        </a:xfrm>
-        <a:custGeom>
-          <a:avLst/>
-          <a:gdLst/>
-          <a:ahLst/>
-          <a:cxnLst/>
-          <a:rect l="0" t="0" r="0" b="0"/>
-          <a:pathLst>
-            <a:path>
-              <a:moveTo>
-                <a:pt x="0" y="45720"/>
-              </a:moveTo>
-              <a:lnTo>
-                <a:pt x="336559" y="45720"/>
-              </a:lnTo>
-            </a:path>
-          </a:pathLst>
-        </a:custGeom>
-        <a:noFill/>
-        <a:ln w="12700" cap="flat" cmpd="sng" algn="ctr">
-          <a:solidFill>
-            <a:schemeClr val="accent1">
-              <a:shade val="80000"/>
-              <a:hueOff val="0"/>
-              <a:satOff val="0"/>
-              <a:lumOff val="0"/>
-              <a:alphaOff val="0"/>
-            </a:schemeClr>
-          </a:solidFill>
-          <a:prstDash val="solid"/>
-          <a:miter lim="800000"/>
-        </a:ln>
-        <a:effectLst/>
-      </dsp:spPr>
-      <dsp:style>
-        <a:lnRef idx="2">
-          <a:scrgbClr r="0" g="0" b="0"/>
-        </a:lnRef>
-        <a:fillRef idx="0">
-          <a:scrgbClr r="0" g="0" b="0"/>
-        </a:fillRef>
-        <a:effectRef idx="0">
-          <a:scrgbClr r="0" g="0" b="0"/>
-        </a:effectRef>
-        <a:fontRef idx="minor"/>
-      </dsp:style>
-    </dsp:sp>
-    <dsp:sp modelId="{EA826AF2-04B1-4587-85D6-85BB3B82552F}">
-      <dsp:nvSpPr>
-        <dsp:cNvPr id="0" name=""/>
-        <dsp:cNvSpPr/>
-      </dsp:nvSpPr>
-      <dsp:spPr>
-        <a:xfrm>
-          <a:off x="4228488" y="258141"/>
-          <a:ext cx="336559" cy="723601"/>
-        </a:xfrm>
-        <a:custGeom>
-          <a:avLst/>
-          <a:gdLst/>
-          <a:ahLst/>
-          <a:cxnLst/>
-          <a:rect l="0" t="0" r="0" b="0"/>
-          <a:pathLst>
-            <a:path>
-              <a:moveTo>
-                <a:pt x="0" y="723601"/>
-              </a:moveTo>
-              <a:lnTo>
-                <a:pt x="168279" y="723601"/>
-              </a:lnTo>
-              <a:lnTo>
-                <a:pt x="168279" y="0"/>
-              </a:lnTo>
-              <a:lnTo>
-                <a:pt x="336559" y="0"/>
-              </a:lnTo>
-            </a:path>
-          </a:pathLst>
-        </a:custGeom>
-        <a:noFill/>
-        <a:ln w="12700" cap="flat" cmpd="sng" algn="ctr">
-          <a:solidFill>
-            <a:schemeClr val="accent1">
-              <a:shade val="80000"/>
-              <a:hueOff val="0"/>
-              <a:satOff val="0"/>
-              <a:lumOff val="0"/>
-              <a:alphaOff val="0"/>
-            </a:schemeClr>
-          </a:solidFill>
-          <a:prstDash val="solid"/>
-          <a:miter lim="800000"/>
-        </a:ln>
-        <a:effectLst/>
-      </dsp:spPr>
-      <dsp:style>
-        <a:lnRef idx="2">
-          <a:scrgbClr r="0" g="0" b="0"/>
-        </a:lnRef>
-        <a:fillRef idx="0">
-          <a:scrgbClr r="0" g="0" b="0"/>
-        </a:fillRef>
-        <a:effectRef idx="0">
-          <a:scrgbClr r="0" g="0" b="0"/>
-        </a:effectRef>
-        <a:fontRef idx="minor"/>
-      </dsp:style>
-    </dsp:sp>
-    <dsp:sp modelId="{06A7CC15-AC60-43EB-A8B1-86D90BA273A6}">
-      <dsp:nvSpPr>
-        <dsp:cNvPr id="0" name=""/>
-        <dsp:cNvSpPr/>
-      </dsp:nvSpPr>
-      <dsp:spPr>
-        <a:xfrm>
-          <a:off x="2209133" y="981743"/>
-          <a:ext cx="336559" cy="1447203"/>
-        </a:xfrm>
-        <a:custGeom>
-          <a:avLst/>
-          <a:gdLst/>
-          <a:ahLst/>
-          <a:cxnLst/>
-          <a:rect l="0" t="0" r="0" b="0"/>
-          <a:pathLst>
-            <a:path>
-              <a:moveTo>
-                <a:pt x="0" y="1447203"/>
-              </a:moveTo>
-              <a:lnTo>
-                <a:pt x="168279" y="1447203"/>
-              </a:lnTo>
-              <a:lnTo>
-                <a:pt x="168279" y="0"/>
-              </a:lnTo>
-              <a:lnTo>
-                <a:pt x="336559" y="0"/>
-              </a:lnTo>
-            </a:path>
-          </a:pathLst>
-        </a:custGeom>
-        <a:noFill/>
-        <a:ln w="12700" cap="flat" cmpd="sng" algn="ctr">
-          <a:solidFill>
-            <a:schemeClr val="accent1">
-              <a:shade val="60000"/>
-              <a:hueOff val="0"/>
-              <a:satOff val="0"/>
-              <a:lumOff val="0"/>
-              <a:alphaOff val="0"/>
-            </a:schemeClr>
-          </a:solidFill>
-          <a:prstDash val="solid"/>
-          <a:miter lim="800000"/>
-        </a:ln>
-        <a:effectLst/>
-      </dsp:spPr>
-      <dsp:style>
-        <a:lnRef idx="2">
-          <a:scrgbClr r="0" g="0" b="0"/>
-        </a:lnRef>
-        <a:fillRef idx="0">
-          <a:scrgbClr r="0" g="0" b="0"/>
-        </a:fillRef>
-        <a:effectRef idx="0">
-          <a:scrgbClr r="0" g="0" b="0"/>
-        </a:effectRef>
-        <a:fontRef idx="minor"/>
-      </dsp:style>
-    </dsp:sp>
-    <dsp:sp modelId="{57388077-175C-47FE-BE91-2F659DED299B}">
-      <dsp:nvSpPr>
-        <dsp:cNvPr id="0" name=""/>
-        <dsp:cNvSpPr/>
-      </dsp:nvSpPr>
-      <dsp:spPr>
-        <a:xfrm>
-          <a:off x="526338" y="2172321"/>
-          <a:ext cx="1682795" cy="513252"/>
-        </a:xfrm>
-        <a:prstGeom prst="rect">
-          <a:avLst/>
+        <a:prstGeom prst="roundRect">
+          <a:avLst>
+            <a:gd name="adj" fmla="val 10000"/>
+          </a:avLst>
         </a:prstGeom>
         <a:gradFill rotWithShape="0">
           <a:gsLst>
@@ -6301,12 +5547,12 @@
         </a:fontRef>
       </dsp:style>
       <dsp:txBody>
-        <a:bodyPr spcFirstLastPara="0" vert="horz" wrap="square" lIns="12065" tIns="12065" rIns="12065" bIns="12065" numCol="1" spcCol="1270" anchor="ctr" anchorCtr="0">
+        <a:bodyPr spcFirstLastPara="0" vert="horz" wrap="square" lIns="209550" tIns="209550" rIns="209550" bIns="209550" numCol="1" spcCol="1270" anchor="ctr" anchorCtr="0">
           <a:noAutofit/>
         </a:bodyPr>
         <a:lstStyle/>
         <a:p>
-          <a:pPr marL="0" lvl="0" indent="0" algn="ctr" defTabSz="844550">
+          <a:pPr marL="0" lvl="0" indent="0" algn="ctr" defTabSz="2444750">
             <a:lnSpc>
               <a:spcPct val="90000"/>
             </a:lnSpc>
@@ -6319,29 +5565,31 @@
             <a:buNone/>
           </a:pPr>
           <a:r>
-            <a:rPr lang="en-US" sz="1900" kern="1200" dirty="0"/>
+            <a:rPr lang="en-US" sz="5500" kern="1200" dirty="0"/>
             <a:t>Hardware</a:t>
           </a:r>
-          <a:endParaRPr lang="LID4096" sz="1900" kern="1200" dirty="0"/>
+          <a:endParaRPr lang="LID4096" sz="5500" kern="1200" dirty="0"/>
         </a:p>
       </dsp:txBody>
       <dsp:txXfrm>
-        <a:off x="526338" y="2172321"/>
-        <a:ext cx="1682795" cy="513252"/>
+        <a:off x="43991" y="39031"/>
+        <a:ext cx="11181079" cy="1197328"/>
       </dsp:txXfrm>
     </dsp:sp>
-    <dsp:sp modelId="{D9F28C33-5FE9-4A45-9A8E-7A2BF7BDDFC6}">
+    <dsp:sp modelId="{F1BED6D3-2208-4D20-A65C-BDFAED16E714}">
       <dsp:nvSpPr>
         <dsp:cNvPr id="0" name=""/>
         <dsp:cNvSpPr/>
       </dsp:nvSpPr>
       <dsp:spPr>
         <a:xfrm>
-          <a:off x="2545692" y="725117"/>
-          <a:ext cx="1682795" cy="513252"/>
+          <a:off x="6740" y="1464656"/>
+          <a:ext cx="5515127" cy="1271830"/>
         </a:xfrm>
-        <a:prstGeom prst="rect">
-          <a:avLst/>
+        <a:prstGeom prst="roundRect">
+          <a:avLst>
+            <a:gd name="adj" fmla="val 10000"/>
+          </a:avLst>
         </a:prstGeom>
         <a:gradFill rotWithShape="0">
           <a:gsLst>
@@ -6387,12 +5635,12 @@
         </a:fontRef>
       </dsp:style>
       <dsp:txBody>
-        <a:bodyPr spcFirstLastPara="0" vert="horz" wrap="square" lIns="12065" tIns="12065" rIns="12065" bIns="12065" numCol="1" spcCol="1270" anchor="ctr" anchorCtr="0">
+        <a:bodyPr spcFirstLastPara="0" vert="horz" wrap="square" lIns="125730" tIns="125730" rIns="125730" bIns="125730" numCol="1" spcCol="1270" anchor="ctr" anchorCtr="0">
           <a:noAutofit/>
         </a:bodyPr>
         <a:lstStyle/>
         <a:p>
-          <a:pPr marL="0" lvl="0" indent="0" algn="ctr" defTabSz="844550">
+          <a:pPr marL="0" lvl="0" indent="0" algn="ctr" defTabSz="1466850">
             <a:lnSpc>
               <a:spcPct val="90000"/>
             </a:lnSpc>
@@ -6405,29 +5653,31 @@
             <a:buNone/>
           </a:pPr>
           <a:r>
-            <a:rPr lang="en-US" sz="1900" kern="1200" dirty="0"/>
+            <a:rPr lang="en-US" sz="3300" kern="1200" dirty="0"/>
             <a:t>Thermal Camera</a:t>
           </a:r>
-          <a:endParaRPr lang="LID4096" sz="1900" kern="1200" dirty="0"/>
+          <a:endParaRPr lang="LID4096" sz="3300" kern="1200" dirty="0"/>
         </a:p>
       </dsp:txBody>
       <dsp:txXfrm>
-        <a:off x="2545692" y="725117"/>
-        <a:ext cx="1682795" cy="513252"/>
+        <a:off x="43991" y="1501907"/>
+        <a:ext cx="5440625" cy="1197328"/>
       </dsp:txXfrm>
     </dsp:sp>
-    <dsp:sp modelId="{B9D1F018-EB75-4247-9D98-CA54A339EFBB}">
+    <dsp:sp modelId="{C492E029-D2A7-41A6-941C-1136482A1D36}">
       <dsp:nvSpPr>
         <dsp:cNvPr id="0" name=""/>
         <dsp:cNvSpPr/>
       </dsp:nvSpPr>
       <dsp:spPr>
         <a:xfrm>
-          <a:off x="4565047" y="1515"/>
-          <a:ext cx="1682795" cy="513252"/>
+          <a:off x="6740" y="2927532"/>
+          <a:ext cx="1788303" cy="1271830"/>
         </a:xfrm>
-        <a:prstGeom prst="rect">
-          <a:avLst/>
+        <a:prstGeom prst="roundRect">
+          <a:avLst>
+            <a:gd name="adj" fmla="val 10000"/>
+          </a:avLst>
         </a:prstGeom>
         <a:gradFill rotWithShape="0">
           <a:gsLst>
@@ -6473,12 +5723,12 @@
         </a:fontRef>
       </dsp:style>
       <dsp:txBody>
-        <a:bodyPr spcFirstLastPara="0" vert="horz" wrap="square" lIns="12065" tIns="12065" rIns="12065" bIns="12065" numCol="1" spcCol="1270" anchor="ctr" anchorCtr="0">
+        <a:bodyPr spcFirstLastPara="0" vert="horz" wrap="square" lIns="91440" tIns="91440" rIns="91440" bIns="91440" numCol="1" spcCol="1270" anchor="ctr" anchorCtr="0">
           <a:noAutofit/>
         </a:bodyPr>
         <a:lstStyle/>
         <a:p>
-          <a:pPr marL="0" lvl="0" indent="0" algn="ctr" defTabSz="844550">
+          <a:pPr marL="0" lvl="0" indent="0" algn="ctr" defTabSz="1066800">
             <a:lnSpc>
               <a:spcPct val="90000"/>
             </a:lnSpc>
@@ -6491,29 +5741,31 @@
             <a:buNone/>
           </a:pPr>
           <a:r>
-            <a:rPr lang="en-US" sz="1900" kern="1200" dirty="0"/>
+            <a:rPr lang="en-US" sz="2400" kern="1200" dirty="0"/>
             <a:t>Thermal Image</a:t>
           </a:r>
-          <a:endParaRPr lang="LID4096" sz="1900" kern="1200" dirty="0"/>
+          <a:endParaRPr lang="LID4096" sz="2400" kern="1200" dirty="0"/>
         </a:p>
       </dsp:txBody>
       <dsp:txXfrm>
-        <a:off x="4565047" y="1515"/>
-        <a:ext cx="1682795" cy="513252"/>
+        <a:off x="43991" y="2964783"/>
+        <a:ext cx="1713801" cy="1197328"/>
       </dsp:txXfrm>
     </dsp:sp>
-    <dsp:sp modelId="{1D70B4E6-C59F-4495-B16A-5C019BD95E09}">
+    <dsp:sp modelId="{B9E8A894-1669-4759-9AC6-96C97B36ACB4}">
       <dsp:nvSpPr>
         <dsp:cNvPr id="0" name=""/>
         <dsp:cNvSpPr/>
       </dsp:nvSpPr>
       <dsp:spPr>
         <a:xfrm>
-          <a:off x="4565047" y="725117"/>
-          <a:ext cx="1682795" cy="513252"/>
+          <a:off x="1870152" y="2927532"/>
+          <a:ext cx="1788303" cy="1271830"/>
         </a:xfrm>
-        <a:prstGeom prst="rect">
-          <a:avLst/>
+        <a:prstGeom prst="roundRect">
+          <a:avLst>
+            <a:gd name="adj" fmla="val 10000"/>
+          </a:avLst>
         </a:prstGeom>
         <a:gradFill rotWithShape="0">
           <a:gsLst>
@@ -6573,12 +5825,12 @@
         </a:fontRef>
       </dsp:style>
       <dsp:txBody>
-        <a:bodyPr spcFirstLastPara="0" vert="horz" wrap="square" lIns="12065" tIns="12065" rIns="12065" bIns="12065" numCol="1" spcCol="1270" anchor="ctr" anchorCtr="0">
+        <a:bodyPr spcFirstLastPara="0" vert="horz" wrap="square" lIns="91440" tIns="91440" rIns="91440" bIns="91440" numCol="1" spcCol="1270" anchor="ctr" anchorCtr="0">
           <a:noAutofit/>
         </a:bodyPr>
         <a:lstStyle/>
         <a:p>
-          <a:pPr marL="0" lvl="0" indent="0" algn="ctr" defTabSz="844550">
+          <a:pPr marL="0" lvl="0" indent="0" algn="ctr" defTabSz="1066800">
             <a:lnSpc>
               <a:spcPct val="90000"/>
             </a:lnSpc>
@@ -6591,28 +5843,30 @@
             <a:buNone/>
           </a:pPr>
           <a:r>
-            <a:rPr lang="en-US" sz="1900" kern="1200" dirty="0"/>
+            <a:rPr lang="en-US" sz="2400" kern="1200" dirty="0"/>
             <a:t>Visual Image</a:t>
           </a:r>
         </a:p>
       </dsp:txBody>
       <dsp:txXfrm>
-        <a:off x="4565047" y="725117"/>
-        <a:ext cx="1682795" cy="513252"/>
+        <a:off x="1907403" y="2964783"/>
+        <a:ext cx="1713801" cy="1197328"/>
       </dsp:txXfrm>
     </dsp:sp>
-    <dsp:sp modelId="{345F514F-C5EF-42EB-8D0E-9AC980D9610C}">
+    <dsp:sp modelId="{E35F77C8-CA89-4FC8-A69B-6F68F6CD55E7}">
       <dsp:nvSpPr>
         <dsp:cNvPr id="0" name=""/>
         <dsp:cNvSpPr/>
       </dsp:nvSpPr>
       <dsp:spPr>
         <a:xfrm>
-          <a:off x="4565047" y="1448719"/>
-          <a:ext cx="1682795" cy="513252"/>
+          <a:off x="3733564" y="2927532"/>
+          <a:ext cx="1788303" cy="1271830"/>
         </a:xfrm>
-        <a:prstGeom prst="rect">
-          <a:avLst/>
+        <a:prstGeom prst="roundRect">
+          <a:avLst>
+            <a:gd name="adj" fmla="val 10000"/>
+          </a:avLst>
         </a:prstGeom>
         <a:gradFill rotWithShape="0">
           <a:gsLst>
@@ -6672,12 +5926,12 @@
         </a:fontRef>
       </dsp:style>
       <dsp:txBody>
-        <a:bodyPr spcFirstLastPara="0" vert="horz" wrap="square" lIns="12065" tIns="12065" rIns="12065" bIns="12065" numCol="1" spcCol="1270" anchor="ctr" anchorCtr="0">
+        <a:bodyPr spcFirstLastPara="0" vert="horz" wrap="square" lIns="91440" tIns="91440" rIns="91440" bIns="91440" numCol="1" spcCol="1270" anchor="ctr" anchorCtr="0">
           <a:noAutofit/>
         </a:bodyPr>
         <a:lstStyle/>
         <a:p>
-          <a:pPr marL="0" lvl="0" indent="0" algn="ctr" defTabSz="844550">
+          <a:pPr marL="0" lvl="0" indent="0" algn="ctr" defTabSz="1066800">
             <a:lnSpc>
               <a:spcPct val="90000"/>
             </a:lnSpc>
@@ -6690,29 +5944,31 @@
             <a:buNone/>
           </a:pPr>
           <a:r>
-            <a:rPr lang="en-US" sz="1900" kern="1200" dirty="0"/>
+            <a:rPr lang="en-US" sz="2400" kern="1200" dirty="0"/>
             <a:t>Network</a:t>
           </a:r>
-          <a:endParaRPr lang="LID4096" sz="1900" kern="1200" dirty="0"/>
+          <a:endParaRPr lang="LID4096" sz="2400" kern="1200" dirty="0"/>
         </a:p>
       </dsp:txBody>
       <dsp:txXfrm>
-        <a:off x="4565047" y="1448719"/>
-        <a:ext cx="1682795" cy="513252"/>
+        <a:off x="3770815" y="2964783"/>
+        <a:ext cx="1713801" cy="1197328"/>
       </dsp:txXfrm>
     </dsp:sp>
-    <dsp:sp modelId="{DEBC222A-0270-4E58-B84F-F369BB322C2D}">
+    <dsp:sp modelId="{C4DA7505-9A08-4256-A62F-8A4EA01412C6}">
       <dsp:nvSpPr>
         <dsp:cNvPr id="0" name=""/>
         <dsp:cNvSpPr/>
       </dsp:nvSpPr>
       <dsp:spPr>
         <a:xfrm>
-          <a:off x="2545692" y="2534122"/>
-          <a:ext cx="1682795" cy="513252"/>
+          <a:off x="5672085" y="1464656"/>
+          <a:ext cx="3651715" cy="1271830"/>
         </a:xfrm>
-        <a:prstGeom prst="rect">
-          <a:avLst/>
+        <a:prstGeom prst="roundRect">
+          <a:avLst>
+            <a:gd name="adj" fmla="val 10000"/>
+          </a:avLst>
         </a:prstGeom>
         <a:gradFill rotWithShape="0">
           <a:gsLst>
@@ -6778,12 +6034,12 @@
         </a:fontRef>
       </dsp:style>
       <dsp:txBody>
-        <a:bodyPr spcFirstLastPara="0" vert="horz" wrap="square" lIns="12065" tIns="12065" rIns="12065" bIns="12065" numCol="1" spcCol="1270" anchor="ctr" anchorCtr="0">
+        <a:bodyPr spcFirstLastPara="0" vert="horz" wrap="square" lIns="125730" tIns="125730" rIns="125730" bIns="125730" numCol="1" spcCol="1270" anchor="ctr" anchorCtr="0">
           <a:noAutofit/>
         </a:bodyPr>
         <a:lstStyle/>
         <a:p>
-          <a:pPr marL="0" lvl="0" indent="0" algn="ctr" defTabSz="844550">
+          <a:pPr marL="0" lvl="0" indent="0" algn="ctr" defTabSz="1466850">
             <a:lnSpc>
               <a:spcPct val="90000"/>
             </a:lnSpc>
@@ -6796,29 +6052,31 @@
             <a:buNone/>
           </a:pPr>
           <a:r>
-            <a:rPr lang="en-US" sz="1900" kern="1200" dirty="0"/>
+            <a:rPr lang="en-US" sz="3300" kern="1200" dirty="0"/>
             <a:t>PC</a:t>
           </a:r>
-          <a:endParaRPr lang="LID4096" sz="1900" kern="1200" dirty="0"/>
+          <a:endParaRPr lang="LID4096" sz="3300" kern="1200" dirty="0"/>
         </a:p>
       </dsp:txBody>
       <dsp:txXfrm>
-        <a:off x="2545692" y="2534122"/>
-        <a:ext cx="1682795" cy="513252"/>
+        <a:off x="5709336" y="1501907"/>
+        <a:ext cx="3577213" cy="1197328"/>
       </dsp:txXfrm>
     </dsp:sp>
-    <dsp:sp modelId="{46AEB8B4-FECD-482D-9B01-5E2029BBBD2A}">
+    <dsp:sp modelId="{C0866384-04C5-4E1D-AF97-C70EB3203D16}">
       <dsp:nvSpPr>
         <dsp:cNvPr id="0" name=""/>
         <dsp:cNvSpPr/>
       </dsp:nvSpPr>
       <dsp:spPr>
         <a:xfrm>
-          <a:off x="4565047" y="2172321"/>
-          <a:ext cx="1682795" cy="513252"/>
+          <a:off x="5672085" y="2927532"/>
+          <a:ext cx="1788303" cy="1271830"/>
         </a:xfrm>
-        <a:prstGeom prst="rect">
-          <a:avLst/>
+        <a:prstGeom prst="roundRect">
+          <a:avLst>
+            <a:gd name="adj" fmla="val 10000"/>
+          </a:avLst>
         </a:prstGeom>
         <a:gradFill rotWithShape="0">
           <a:gsLst>
@@ -6876,12 +6134,12 @@
         </a:fontRef>
       </dsp:style>
       <dsp:txBody>
-        <a:bodyPr spcFirstLastPara="0" vert="horz" wrap="square" lIns="12065" tIns="12065" rIns="12065" bIns="12065" numCol="1" spcCol="1270" anchor="ctr" anchorCtr="0">
+        <a:bodyPr spcFirstLastPara="0" vert="horz" wrap="square" lIns="91440" tIns="91440" rIns="91440" bIns="91440" numCol="1" spcCol="1270" anchor="ctr" anchorCtr="0">
           <a:noAutofit/>
         </a:bodyPr>
         <a:lstStyle/>
         <a:p>
-          <a:pPr marL="0" lvl="0" indent="0" algn="ctr" defTabSz="844550">
+          <a:pPr marL="0" lvl="0" indent="0" algn="ctr" defTabSz="1066800">
             <a:lnSpc>
               <a:spcPct val="90000"/>
             </a:lnSpc>
@@ -6894,28 +6152,30 @@
             <a:buNone/>
           </a:pPr>
           <a:r>
-            <a:rPr lang="en-US" sz="1900" kern="1200" dirty="0"/>
+            <a:rPr lang="en-US" sz="2400" kern="1200" dirty="0"/>
             <a:t>CPU/GPU</a:t>
           </a:r>
         </a:p>
       </dsp:txBody>
       <dsp:txXfrm>
-        <a:off x="4565047" y="2172321"/>
-        <a:ext cx="1682795" cy="513252"/>
+        <a:off x="5709336" y="2964783"/>
+        <a:ext cx="1713801" cy="1197328"/>
       </dsp:txXfrm>
     </dsp:sp>
-    <dsp:sp modelId="{D38D2AEF-44D7-4FE6-BC29-D2ACF8E81BF1}">
+    <dsp:sp modelId="{A86E2920-6051-45DF-8A45-3229C15DE08A}">
       <dsp:nvSpPr>
         <dsp:cNvPr id="0" name=""/>
         <dsp:cNvSpPr/>
       </dsp:nvSpPr>
       <dsp:spPr>
         <a:xfrm>
-          <a:off x="4565047" y="2895923"/>
-          <a:ext cx="1682795" cy="513252"/>
+          <a:off x="7535498" y="2927532"/>
+          <a:ext cx="1788303" cy="1271830"/>
         </a:xfrm>
-        <a:prstGeom prst="rect">
-          <a:avLst/>
+        <a:prstGeom prst="roundRect">
+          <a:avLst>
+            <a:gd name="adj" fmla="val 10000"/>
+          </a:avLst>
         </a:prstGeom>
         <a:gradFill rotWithShape="0">
           <a:gsLst>
@@ -6976,12 +6236,12 @@
         </a:fontRef>
       </dsp:style>
       <dsp:txBody>
-        <a:bodyPr spcFirstLastPara="0" vert="horz" wrap="square" lIns="12065" tIns="12065" rIns="12065" bIns="12065" numCol="1" spcCol="1270" anchor="ctr" anchorCtr="0">
+        <a:bodyPr spcFirstLastPara="0" vert="horz" wrap="square" lIns="91440" tIns="91440" rIns="91440" bIns="91440" numCol="1" spcCol="1270" anchor="ctr" anchorCtr="0">
           <a:noAutofit/>
         </a:bodyPr>
         <a:lstStyle/>
         <a:p>
-          <a:pPr marL="0" lvl="0" indent="0" algn="ctr" defTabSz="844550">
+          <a:pPr marL="0" lvl="0" indent="0" algn="ctr" defTabSz="1066800">
             <a:lnSpc>
               <a:spcPct val="90000"/>
             </a:lnSpc>
@@ -6994,29 +6254,31 @@
             <a:buNone/>
           </a:pPr>
           <a:r>
-            <a:rPr lang="en-US" sz="1900" kern="1200" dirty="0"/>
+            <a:rPr lang="en-US" sz="2400" kern="1200" dirty="0"/>
             <a:t>Network</a:t>
           </a:r>
-          <a:endParaRPr lang="LID4096" sz="1900" kern="1200" dirty="0"/>
+          <a:endParaRPr lang="LID4096" sz="2400" kern="1200" dirty="0"/>
         </a:p>
       </dsp:txBody>
       <dsp:txXfrm>
-        <a:off x="4565047" y="2895923"/>
-        <a:ext cx="1682795" cy="513252"/>
+        <a:off x="7572749" y="2964783"/>
+        <a:ext cx="1713801" cy="1197328"/>
       </dsp:txXfrm>
     </dsp:sp>
-    <dsp:sp modelId="{0D980664-008E-4AA0-8BC8-610415CB6AC6}">
+    <dsp:sp modelId="{398EC631-8A7E-4918-B6BD-CFE090DA9FB3}">
       <dsp:nvSpPr>
         <dsp:cNvPr id="0" name=""/>
         <dsp:cNvSpPr/>
       </dsp:nvSpPr>
       <dsp:spPr>
         <a:xfrm>
-          <a:off x="2545692" y="3619525"/>
-          <a:ext cx="1682795" cy="513252"/>
+          <a:off x="9474019" y="1464656"/>
+          <a:ext cx="1788303" cy="1271830"/>
         </a:xfrm>
-        <a:prstGeom prst="rect">
-          <a:avLst/>
+        <a:prstGeom prst="roundRect">
+          <a:avLst>
+            <a:gd name="adj" fmla="val 10000"/>
+          </a:avLst>
         </a:prstGeom>
         <a:gradFill rotWithShape="0">
           <a:gsLst>
@@ -7066,12 +6328,12 @@
         </a:fontRef>
       </dsp:style>
       <dsp:txBody>
-        <a:bodyPr spcFirstLastPara="0" vert="horz" wrap="square" lIns="12065" tIns="12065" rIns="12065" bIns="12065" numCol="1" spcCol="1270" anchor="ctr" anchorCtr="0">
+        <a:bodyPr spcFirstLastPara="0" vert="horz" wrap="square" lIns="125730" tIns="125730" rIns="125730" bIns="125730" numCol="1" spcCol="1270" anchor="ctr" anchorCtr="0">
           <a:noAutofit/>
         </a:bodyPr>
         <a:lstStyle/>
         <a:p>
-          <a:pPr marL="0" lvl="0" indent="0" algn="ctr" defTabSz="844550">
+          <a:pPr marL="0" lvl="0" indent="0" algn="ctr" defTabSz="1466850">
             <a:lnSpc>
               <a:spcPct val="90000"/>
             </a:lnSpc>
@@ -7084,29 +6346,31 @@
             <a:buNone/>
           </a:pPr>
           <a:r>
-            <a:rPr lang="en-US" sz="1900" kern="1200" dirty="0"/>
+            <a:rPr lang="en-US" sz="3300" kern="1200" dirty="0"/>
             <a:t>IoT devices</a:t>
           </a:r>
-          <a:endParaRPr lang="LID4096" sz="1900" kern="1200" dirty="0"/>
+          <a:endParaRPr lang="LID4096" sz="3300" kern="1200" dirty="0"/>
         </a:p>
       </dsp:txBody>
       <dsp:txXfrm>
-        <a:off x="2545692" y="3619525"/>
-        <a:ext cx="1682795" cy="513252"/>
+        <a:off x="9511270" y="1501907"/>
+        <a:ext cx="1713801" cy="1197328"/>
       </dsp:txXfrm>
     </dsp:sp>
-    <dsp:sp modelId="{BA195AC1-D883-48A6-A813-247A689F512A}">
+    <dsp:sp modelId="{907F5351-7193-432C-9A84-70CB5DE9267E}">
       <dsp:nvSpPr>
         <dsp:cNvPr id="0" name=""/>
         <dsp:cNvSpPr/>
       </dsp:nvSpPr>
       <dsp:spPr>
         <a:xfrm>
-          <a:off x="4565047" y="3619525"/>
-          <a:ext cx="1682795" cy="513252"/>
+          <a:off x="9474019" y="2927532"/>
+          <a:ext cx="1788303" cy="1271830"/>
         </a:xfrm>
-        <a:prstGeom prst="rect">
-          <a:avLst/>
+        <a:prstGeom prst="roundRect">
+          <a:avLst>
+            <a:gd name="adj" fmla="val 10000"/>
+          </a:avLst>
         </a:prstGeom>
         <a:gradFill rotWithShape="0">
           <a:gsLst>
@@ -7156,12 +6420,12 @@
         </a:fontRef>
       </dsp:style>
       <dsp:txBody>
-        <a:bodyPr spcFirstLastPara="0" vert="horz" wrap="square" lIns="12065" tIns="12065" rIns="12065" bIns="12065" numCol="1" spcCol="1270" anchor="ctr" anchorCtr="0">
+        <a:bodyPr spcFirstLastPara="0" vert="horz" wrap="square" lIns="91440" tIns="91440" rIns="91440" bIns="91440" numCol="1" spcCol="1270" anchor="ctr" anchorCtr="0">
           <a:noAutofit/>
         </a:bodyPr>
         <a:lstStyle/>
         <a:p>
-          <a:pPr marL="0" lvl="0" indent="0" algn="ctr" defTabSz="844550">
+          <a:pPr marL="0" lvl="0" indent="0" algn="ctr" defTabSz="1066800">
             <a:lnSpc>
               <a:spcPct val="90000"/>
             </a:lnSpc>
@@ -7174,15 +6438,15 @@
             <a:buNone/>
           </a:pPr>
           <a:r>
-            <a:rPr lang="en-US" sz="1900" kern="1200" dirty="0"/>
+            <a:rPr lang="en-US" sz="2400" kern="1200" dirty="0"/>
             <a:t>Automation</a:t>
           </a:r>
-          <a:endParaRPr lang="LID4096" sz="1900" kern="1200" dirty="0"/>
+          <a:endParaRPr lang="LID4096" sz="2400" kern="1200" dirty="0"/>
         </a:p>
       </dsp:txBody>
       <dsp:txXfrm>
-        <a:off x="4565047" y="3619525"/>
-        <a:ext cx="1682795" cy="513252"/>
+        <a:off x="9511270" y="2964783"/>
+        <a:ext cx="1713801" cy="1197328"/>
       </dsp:txXfrm>
     </dsp:sp>
   </dsp:spTree>
@@ -8374,11 +7638,13 @@
 </file>
 
 <file path=ppt/diagrams/layout2.xml><?xml version="1.0" encoding="utf-8"?>
-<dgm:layoutDef xmlns:dgm="http://schemas.openxmlformats.org/drawingml/2006/diagram" xmlns:a="http://schemas.openxmlformats.org/drawingml/2006/main" uniqueId="urn:microsoft.com/office/officeart/2009/3/layout/HorizontalOrganizationChart">
+<dgm:layoutDef xmlns:dgm="http://schemas.openxmlformats.org/drawingml/2006/diagram" xmlns:a="http://schemas.openxmlformats.org/drawingml/2006/main" uniqueId="urn:microsoft.com/office/officeart/2005/8/layout/hierarchy4">
   <dgm:title val=""/>
   <dgm:desc val=""/>
   <dgm:catLst>
-    <dgm:cat type="hierarchy" pri="4300"/>
+    <dgm:cat type="hierarchy" pri="4000"/>
+    <dgm:cat type="list" pri="24000"/>
+    <dgm:cat type="relationship" pri="10000"/>
   </dgm:catLst>
   <dgm:sampData>
     <dgm:dataModel>
@@ -8387,25 +7653,29 @@
         <dgm:pt modelId="1">
           <dgm:prSet phldr="1"/>
         </dgm:pt>
-        <dgm:pt modelId="2" type="asst">
+        <dgm:pt modelId="2">
+          <dgm:prSet phldr="1"/>
+        </dgm:pt>
+        <dgm:pt modelId="21">
+          <dgm:prSet phldr="1"/>
+        </dgm:pt>
+        <dgm:pt modelId="22">
           <dgm:prSet phldr="1"/>
         </dgm:pt>
         <dgm:pt modelId="3">
           <dgm:prSet phldr="1"/>
         </dgm:pt>
-        <dgm:pt modelId="4">
-          <dgm:prSet phldr="1"/>
-        </dgm:pt>
-        <dgm:pt modelId="5">
+        <dgm:pt modelId="31">
           <dgm:prSet phldr="1"/>
         </dgm:pt>
       </dgm:ptLst>
       <dgm:cxnLst>
-        <dgm:cxn modelId="5" srcId="0" destId="1" srcOrd="0" destOrd="0"/>
-        <dgm:cxn modelId="6" srcId="1" destId="2" srcOrd="0" destOrd="0"/>
-        <dgm:cxn modelId="7" srcId="1" destId="3" srcOrd="1" destOrd="0"/>
-        <dgm:cxn modelId="8" srcId="1" destId="4" srcOrd="2" destOrd="0"/>
-        <dgm:cxn modelId="9" srcId="1" destId="5" srcOrd="3" destOrd="0"/>
+        <dgm:cxn modelId="4" srcId="0" destId="1" srcOrd="0" destOrd="0"/>
+        <dgm:cxn modelId="5" srcId="1" destId="2" srcOrd="0" destOrd="0"/>
+        <dgm:cxn modelId="6" srcId="1" destId="3" srcOrd="1" destOrd="0"/>
+        <dgm:cxn modelId="23" srcId="2" destId="21" srcOrd="0" destOrd="0"/>
+        <dgm:cxn modelId="24" srcId="2" destId="22" srcOrd="1" destOrd="0"/>
+        <dgm:cxn modelId="33" srcId="3" destId="31" srcOrd="0" destOrd="0"/>
       </dgm:cxnLst>
       <dgm:bg/>
       <dgm:whole/>
@@ -8416,13 +7686,13 @@
       <dgm:ptLst>
         <dgm:pt modelId="0" type="doc"/>
         <dgm:pt modelId="1"/>
+        <dgm:pt modelId="11"/>
         <dgm:pt modelId="12"/>
-        <dgm:pt modelId="13"/>
       </dgm:ptLst>
       <dgm:cxnLst>
         <dgm:cxn modelId="2" srcId="0" destId="1" srcOrd="0" destOrd="0"/>
-        <dgm:cxn modelId="16" srcId="1" destId="12" srcOrd="1" destOrd="0"/>
-        <dgm:cxn modelId="17" srcId="1" destId="13" srcOrd="2" destOrd="0"/>
+        <dgm:cxn modelId="13" srcId="1" destId="11" srcOrd="0" destOrd="0"/>
+        <dgm:cxn modelId="14" srcId="1" destId="12" srcOrd="1" destOrd="0"/>
       </dgm:cxnLst>
       <dgm:bg/>
       <dgm:whole/>
@@ -8433,42 +7703,45 @@
       <dgm:ptLst>
         <dgm:pt modelId="0" type="doc"/>
         <dgm:pt modelId="1"/>
-        <dgm:pt modelId="11" type="asst"/>
-        <dgm:pt modelId="12"/>
-        <dgm:pt modelId="13"/>
-        <dgm:pt modelId="14"/>
+        <dgm:pt modelId="2"/>
+        <dgm:pt modelId="21"/>
+        <dgm:pt modelId="211"/>
+        <dgm:pt modelId="3"/>
+        <dgm:pt modelId="31"/>
+        <dgm:pt modelId="311"/>
       </dgm:ptLst>
       <dgm:cxnLst>
-        <dgm:cxn modelId="2" srcId="0" destId="1" srcOrd="0" destOrd="0"/>
-        <dgm:cxn modelId="15" srcId="1" destId="11" srcOrd="0" destOrd="0"/>
-        <dgm:cxn modelId="16" srcId="1" destId="12" srcOrd="1" destOrd="0"/>
-        <dgm:cxn modelId="17" srcId="1" destId="13" srcOrd="2" destOrd="0"/>
-        <dgm:cxn modelId="18" srcId="1" destId="14" srcOrd="2" destOrd="0"/>
+        <dgm:cxn modelId="4" srcId="0" destId="1" srcOrd="0" destOrd="0"/>
+        <dgm:cxn modelId="5" srcId="1" destId="2" srcOrd="0" destOrd="0"/>
+        <dgm:cxn modelId="6" srcId="1" destId="3" srcOrd="1" destOrd="0"/>
+        <dgm:cxn modelId="23" srcId="2" destId="21" srcOrd="0" destOrd="0"/>
+        <dgm:cxn modelId="24" srcId="21" destId="211" srcOrd="0" destOrd="0"/>
+        <dgm:cxn modelId="33" srcId="3" destId="31" srcOrd="0" destOrd="0"/>
+        <dgm:cxn modelId="34" srcId="31" destId="311" srcOrd="0" destOrd="0"/>
       </dgm:cxnLst>
       <dgm:bg/>
       <dgm:whole/>
     </dgm:dataModel>
   </dgm:clrData>
-  <dgm:layoutNode name="hierChild1">
+  <dgm:layoutNode name="Name0">
     <dgm:varLst>
-      <dgm:orgChart val="1"/>
       <dgm:chPref val="1"/>
       <dgm:dir/>
       <dgm:animOne val="branch"/>
       <dgm:animLvl val="lvl"/>
       <dgm:resizeHandles/>
     </dgm:varLst>
-    <dgm:choose name="Name0">
-      <dgm:if name="Name1" func="var" arg="dir" op="equ" val="norm">
-        <dgm:alg type="hierChild">
-          <dgm:param type="linDir" val="fromT"/>
-          <dgm:param type="chAlign" val="l"/>
+    <dgm:choose name="Name1">
+      <dgm:if name="Name2" func="var" arg="dir" op="equ" val="norm">
+        <dgm:alg type="lin">
+          <dgm:param type="linDir" val="fromL"/>
+          <dgm:param type="nodeVertAlign" val="t"/>
         </dgm:alg>
       </dgm:if>
-      <dgm:else name="Name2">
-        <dgm:alg type="hierChild">
-          <dgm:param type="linDir" val="fromT"/>
-          <dgm:param type="chAlign" val="r"/>
+      <dgm:else name="Name3">
+        <dgm:alg type="lin">
+          <dgm:param type="linDir" val="fromR"/>
+          <dgm:param type="nodeVertAlign" val="t"/>
         </dgm:alg>
       </dgm:else>
     </dgm:choose>
@@ -8477,1081 +7750,410 @@
     </dgm:shape>
     <dgm:presOf/>
     <dgm:constrLst>
-      <dgm:constr type="w" for="des" forName="rootComposite1" refType="w" fact="10"/>
-      <dgm:constr type="h" for="des" forName="rootComposite1" refType="w" refFor="des" refForName="rootComposite1" fact="0.305"/>
-      <dgm:constr type="w" for="des" forName="rootComposite" refType="w" fact="10"/>
-      <dgm:constr type="h" for="des" forName="rootComposite" refType="w" refFor="des" refForName="rootComposite1" fact="0.305"/>
-      <dgm:constr type="w" for="des" forName="rootComposite3" refType="w" fact="10"/>
-      <dgm:constr type="h" for="des" forName="rootComposite3" refType="w" refFor="des" refForName="rootComposite1" fact="0.305"/>
-      <dgm:constr type="primFontSz" for="des" ptType="node" op="equ"/>
-      <dgm:constr type="sp" for="des" op="equ"/>
-      <dgm:constr type="sp" for="des" forName="hierRoot1" refType="w" refFor="des" refForName="rootComposite1" fact="0.2"/>
-      <dgm:constr type="sp" for="des" forName="hierRoot2" refType="sp" refFor="des" refForName="hierRoot1"/>
-      <dgm:constr type="sp" for="des" forName="hierRoot3" refType="sp" refFor="des" refForName="hierRoot1"/>
-      <dgm:constr type="sibSp" refType="w" refFor="des" refForName="rootComposite1" fact="0.125"/>
-      <dgm:constr type="sibSp" for="des" forName="hierChild2" refType="sibSp"/>
-      <dgm:constr type="sibSp" for="des" forName="hierChild3" refType="sibSp"/>
-      <dgm:constr type="sibSp" for="des" forName="hierChild4" refType="sibSp"/>
-      <dgm:constr type="sibSp" for="des" forName="hierChild5" refType="sibSp"/>
-      <dgm:constr type="sibSp" for="des" forName="hierChild6" refType="sibSp"/>
-      <dgm:constr type="sibSp" for="des" forName="hierChild7" refType="sibSp"/>
-      <dgm:constr type="secSibSp" refType="w" refFor="des" refForName="rootComposite1" fact="0.125"/>
-      <dgm:constr type="secSibSp" for="des" forName="hierChild2" refType="secSibSp"/>
-      <dgm:constr type="secSibSp" for="des" forName="hierChild3" refType="secSibSp"/>
-      <dgm:constr type="secSibSp" for="des" forName="hierChild4" refType="secSibSp"/>
-      <dgm:constr type="secSibSp" for="des" forName="hierChild5" refType="secSibSp"/>
-      <dgm:constr type="secSibSp" for="des" forName="hierChild6" refType="secSibSp"/>
-      <dgm:constr type="secSibSp" for="des" forName="hierChild7" refType="secSibSp"/>
+      <dgm:constr type="w" for="ch" forName="vertOne" refType="w"/>
+      <dgm:constr type="w" for="des" forName="horzOne" refType="w"/>
+      <dgm:constr type="w" for="des" forName="txOne" refType="w"/>
+      <dgm:constr type="w" for="des" forName="vertTwo" refType="w"/>
+      <dgm:constr type="w" for="des" forName="horzTwo" refType="w"/>
+      <dgm:constr type="w" for="des" forName="txTwo" refType="w"/>
+      <dgm:constr type="w" for="des" forName="vertThree" refType="w"/>
+      <dgm:constr type="w" for="des" forName="horzThree" refType="w"/>
+      <dgm:constr type="w" for="des" forName="txThree" refType="w"/>
+      <dgm:constr type="w" for="des" forName="vertFour" refType="w"/>
+      <dgm:constr type="w" for="des" forName="horzFour" refType="w"/>
+      <dgm:constr type="w" for="des" forName="txFour" refType="w"/>
+      <dgm:constr type="h" for="des" ptType="node" op="equ"/>
+      <dgm:constr type="h" for="des" forName="txOne" refType="h"/>
+      <dgm:constr type="userH" for="des" ptType="node" refType="h" refFor="des" refForName="txOne"/>
+      <dgm:constr type="primFontSz" for="des" forName="txOne" val="65"/>
+      <dgm:constr type="primFontSz" for="des" forName="txTwo" val="65"/>
+      <dgm:constr type="primFontSz" for="des" forName="txTwo" refType="primFontSz" refFor="des" refForName="txOne" op="lte"/>
+      <dgm:constr type="primFontSz" for="des" forName="txThree" val="65"/>
+      <dgm:constr type="primFontSz" for="des" forName="txThree" refType="primFontSz" refFor="des" refForName="txOne" op="lte"/>
+      <dgm:constr type="primFontSz" for="des" forName="txThree" refType="primFontSz" refFor="des" refForName="txTwo" op="lte"/>
+      <dgm:constr type="primFontSz" for="des" forName="txFour" val="65"/>
+      <dgm:constr type="primFontSz" for="des" forName="txFour" refType="primFontSz" refFor="des" refForName="txOne" op="lte"/>
+      <dgm:constr type="primFontSz" for="des" forName="txFour" refType="primFontSz" refFor="des" refForName="txTwo" op="lte"/>
+      <dgm:constr type="primFontSz" for="des" forName="txFour" refType="primFontSz" refFor="des" refForName="txThree" op="lte"/>
+      <dgm:constr type="w" for="des" forName="sibSpaceOne" refType="w" fact="0.168"/>
+      <dgm:constr type="w" for="des" forName="sibSpaceTwo" refType="w" refFor="des" refForName="sibSpaceOne" op="equ" fact="0.5"/>
+      <dgm:constr type="w" for="des" forName="sibSpaceThree" refType="w" refFor="des" refForName="sibSpaceTwo" op="equ" fact="0.5"/>
+      <dgm:constr type="w" for="des" forName="sibSpaceFour" refType="w" refFor="des" refForName="sibSpaceThree" op="equ" fact="0.5"/>
+      <dgm:constr type="h" for="des" forName="parTransOne" refType="w" fact="0.056"/>
+      <dgm:constr type="h" for="des" forName="parTransTwo" refType="h" refFor="des" refForName="parTransOne" op="equ"/>
+      <dgm:constr type="h" for="des" forName="parTransThree" refType="h" refFor="des" refForName="parTransTwo" op="equ"/>
+      <dgm:constr type="h" for="des" forName="parTransFour" refType="h" refFor="des" refForName="parTransThree" op="equ"/>
     </dgm:constrLst>
     <dgm:ruleLst/>
-    <dgm:forEach name="Name3" axis="ch">
-      <dgm:forEach name="Name4" axis="self" ptType="node">
-        <dgm:layoutNode name="hierRoot1">
+    <dgm:forEach name="Name4" axis="ch" ptType="node">
+      <dgm:layoutNode name="vertOne">
+        <dgm:alg type="lin">
+          <dgm:param type="linDir" val="fromT"/>
+        </dgm:alg>
+        <dgm:shape xmlns:r="http://schemas.openxmlformats.org/officeDocument/2006/relationships" r:blip="">
+          <dgm:adjLst/>
+        </dgm:shape>
+        <dgm:presOf/>
+        <dgm:constrLst>
+          <dgm:constr type="w" for="ch" forName="txOne" refType="w" refFor="ch" refForName="horzOne" op="gte"/>
+        </dgm:constrLst>
+        <dgm:ruleLst/>
+        <dgm:layoutNode name="txOne" styleLbl="node0">
           <dgm:varLst>
-            <dgm:hierBranch val="init"/>
+            <dgm:chPref val="3"/>
           </dgm:varLst>
-          <dgm:choose name="Name5">
-            <dgm:if name="Name6" func="var" arg="hierBranch" op="equ" val="l">
-              <dgm:choose name="Name7">
-                <dgm:if name="Name8" func="var" arg="dir" op="equ" val="norm">
-                  <dgm:alg type="hierRoot">
-                    <dgm:param type="hierAlign" val="lT"/>
-                  </dgm:alg>
-                  <dgm:constrLst>
-                    <dgm:constr type="alignOff" val="0.75"/>
-                  </dgm:constrLst>
-                </dgm:if>
-                <dgm:else name="Name9">
-                  <dgm:alg type="hierRoot">
-                    <dgm:param type="hierAlign" val="rT"/>
-                  </dgm:alg>
-                  <dgm:constrLst>
-                    <dgm:constr type="alignOff" val="0.75"/>
-                  </dgm:constrLst>
-                </dgm:else>
-              </dgm:choose>
+          <dgm:alg type="tx"/>
+          <dgm:shape xmlns:r="http://schemas.openxmlformats.org/officeDocument/2006/relationships" type="roundRect" r:blip="">
+            <dgm:adjLst>
+              <dgm:adj idx="1" val="0.1"/>
+            </dgm:adjLst>
+          </dgm:shape>
+          <dgm:presOf axis="self"/>
+          <dgm:constrLst>
+            <dgm:constr type="tMarg" refType="primFontSz" fact="0.3"/>
+            <dgm:constr type="bMarg" refType="primFontSz" fact="0.3"/>
+            <dgm:constr type="lMarg" refType="primFontSz" fact="0.3"/>
+            <dgm:constr type="rMarg" refType="primFontSz" fact="0.3"/>
+          </dgm:constrLst>
+          <dgm:ruleLst>
+            <dgm:rule type="primFontSz" val="5" fact="NaN" max="NaN"/>
+          </dgm:ruleLst>
+        </dgm:layoutNode>
+        <dgm:choose name="Name5">
+          <dgm:if name="Name6" axis="des" ptType="node" func="cnt" op="gt" val="0">
+            <dgm:layoutNode name="parTransOne">
+              <dgm:alg type="sp"/>
+              <dgm:shape xmlns:r="http://schemas.openxmlformats.org/officeDocument/2006/relationships" r:blip="">
+                <dgm:adjLst/>
+              </dgm:shape>
+              <dgm:presOf/>
+              <dgm:constrLst/>
+              <dgm:ruleLst/>
+            </dgm:layoutNode>
+          </dgm:if>
+          <dgm:else name="Name7"/>
+        </dgm:choose>
+        <dgm:layoutNode name="horzOne">
+          <dgm:choose name="Name8">
+            <dgm:if name="Name9" func="var" arg="dir" op="equ" val="norm">
+              <dgm:alg type="lin">
+                <dgm:param type="linDir" val="fromL"/>
+                <dgm:param type="nodeVertAlign" val="t"/>
+              </dgm:alg>
             </dgm:if>
-            <dgm:if name="Name10" func="var" arg="hierBranch" op="equ" val="r">
-              <dgm:choose name="Name11">
-                <dgm:if name="Name12" func="var" arg="dir" op="equ" val="norm">
-                  <dgm:alg type="hierRoot">
-                    <dgm:param type="hierAlign" val="lB"/>
-                  </dgm:alg>
-                  <dgm:constrLst>
-                    <dgm:constr type="alignOff" val="0.75"/>
-                  </dgm:constrLst>
-                </dgm:if>
-                <dgm:else name="Name13">
-                  <dgm:alg type="hierRoot">
-                    <dgm:param type="hierAlign" val="rB"/>
-                  </dgm:alg>
-                  <dgm:constrLst>
-                    <dgm:constr type="alignOff" val="0.75"/>
-                  </dgm:constrLst>
-                </dgm:else>
-              </dgm:choose>
-            </dgm:if>
-            <dgm:if name="Name14" func="var" arg="hierBranch" op="equ" val="hang">
-              <dgm:choose name="Name15">
-                <dgm:if name="Name16" func="var" arg="dir" op="equ" val="norm">
-                  <dgm:alg type="hierRoot">
-                    <dgm:param type="hierAlign" val="lCtrCh"/>
-                  </dgm:alg>
-                  <dgm:constrLst>
-                    <dgm:constr type="alignOff" val="0.65"/>
-                  </dgm:constrLst>
-                </dgm:if>
-                <dgm:else name="Name17">
-                  <dgm:alg type="hierRoot">
-                    <dgm:param type="hierAlign" val="rCtrCh"/>
-                  </dgm:alg>
-                  <dgm:constrLst>
-                    <dgm:constr type="alignOff" val="0.65"/>
-                  </dgm:constrLst>
-                </dgm:else>
-              </dgm:choose>
-            </dgm:if>
-            <dgm:else name="Name18">
-              <dgm:choose name="Name19">
-                <dgm:if name="Name20" func="var" arg="dir" op="equ" val="norm">
-                  <dgm:alg type="hierRoot">
-                    <dgm:param type="hierAlign" val="lCtrCh"/>
-                  </dgm:alg>
-                  <dgm:constrLst>
-                    <dgm:constr type="alignOff"/>
-                    <dgm:constr type="bendDist" for="des" ptType="parTrans" refType="sp" fact="0.5"/>
-                  </dgm:constrLst>
-                </dgm:if>
-                <dgm:else name="Name21">
-                  <dgm:alg type="hierRoot">
-                    <dgm:param type="hierAlign" val="rCtrCh"/>
-                  </dgm:alg>
-                  <dgm:constrLst>
-                    <dgm:constr type="alignOff"/>
-                    <dgm:constr type="bendDist" for="des" ptType="parTrans" refType="sp" fact="0.5"/>
-                  </dgm:constrLst>
-                </dgm:else>
-              </dgm:choose>
+            <dgm:else name="Name10">
+              <dgm:alg type="lin">
+                <dgm:param type="linDir" val="fromR"/>
+                <dgm:param type="nodeVertAlign" val="t"/>
+              </dgm:alg>
             </dgm:else>
           </dgm:choose>
           <dgm:shape xmlns:r="http://schemas.openxmlformats.org/officeDocument/2006/relationships" r:blip="">
             <dgm:adjLst/>
           </dgm:shape>
           <dgm:presOf/>
-          <dgm:ruleLst/>
-          <dgm:layoutNode name="rootComposite1">
-            <dgm:alg type="composite"/>
-            <dgm:shape xmlns:r="http://schemas.openxmlformats.org/officeDocument/2006/relationships" r:blip="">
-              <dgm:adjLst/>
-            </dgm:shape>
-            <dgm:presOf axis="self" ptType="node" cnt="1"/>
-            <dgm:choose name="Name22">
-              <dgm:if name="Name23" func="var" arg="hierBranch" op="equ" val="init">
-                <dgm:constrLst>
-                  <dgm:constr type="l" for="ch" forName="rootText1"/>
-                  <dgm:constr type="t" for="ch" forName="rootText1"/>
-                  <dgm:constr type="w" for="ch" forName="rootText1" refType="w"/>
-                  <dgm:constr type="h" for="ch" forName="rootText1" refType="h"/>
-                  <dgm:constr type="l" for="ch" forName="rootConnector1"/>
-                  <dgm:constr type="t" for="ch" forName="rootConnector1"/>
-                  <dgm:constr type="w" for="ch" forName="rootConnector1" refType="w" refFor="ch" refForName="rootText1" fact="0.2"/>
-                  <dgm:constr type="h" for="ch" forName="rootConnector1" refType="h" refFor="ch" refForName="rootText1"/>
-                </dgm:constrLst>
-              </dgm:if>
-              <dgm:if name="Name24" func="var" arg="hierBranch" op="equ" val="l">
-                <dgm:constrLst>
-                  <dgm:constr type="l" for="ch" forName="rootText1"/>
-                  <dgm:constr type="t" for="ch" forName="rootText1"/>
-                  <dgm:constr type="w" for="ch" forName="rootText1" refType="w"/>
-                  <dgm:constr type="h" for="ch" forName="rootText1" refType="h"/>
-                  <dgm:constr type="r" for="ch" forName="rootConnector1" refType="w"/>
-                  <dgm:constr type="t" for="ch" forName="rootConnector1"/>
-                  <dgm:constr type="w" for="ch" forName="rootConnector1" refType="w" refFor="ch" refForName="rootText1" fact="0.2"/>
-                  <dgm:constr type="h" for="ch" forName="rootConnector1" refType="h" refFor="ch" refForName="rootText1"/>
-                </dgm:constrLst>
-              </dgm:if>
-              <dgm:if name="Name25" func="var" arg="hierBranch" op="equ" val="r">
-                <dgm:constrLst>
-                  <dgm:constr type="l" for="ch" forName="rootText1"/>
-                  <dgm:constr type="t" for="ch" forName="rootText1"/>
-                  <dgm:constr type="w" for="ch" forName="rootText1" refType="w"/>
-                  <dgm:constr type="h" for="ch" forName="rootText1" refType="h"/>
-                  <dgm:constr type="l" for="ch" forName="rootConnector1"/>
-                  <dgm:constr type="t" for="ch" forName="rootConnector1"/>
-                  <dgm:constr type="w" for="ch" forName="rootConnector1" refType="w" refFor="ch" refForName="rootText1" fact="0.2"/>
-                  <dgm:constr type="h" for="ch" forName="rootConnector1" refType="h" refFor="ch" refForName="rootText1"/>
-                </dgm:constrLst>
-              </dgm:if>
-              <dgm:else name="Name26">
-                <dgm:constrLst>
-                  <dgm:constr type="l" for="ch" forName="rootText1"/>
-                  <dgm:constr type="t" for="ch" forName="rootText1"/>
-                  <dgm:constr type="w" for="ch" forName="rootText1" refType="w"/>
-                  <dgm:constr type="h" for="ch" forName="rootText1" refType="h"/>
-                  <dgm:constr type="r" for="ch" forName="rootConnector1" refType="w"/>
-                  <dgm:constr type="t" for="ch" forName="rootConnector1"/>
-                  <dgm:constr type="w" for="ch" forName="rootConnector1" refType="w" refFor="ch" refForName="rootText1" fact="0.2"/>
-                  <dgm:constr type="h" for="ch" forName="rootConnector1" refType="h" refFor="ch" refForName="rootText1"/>
-                </dgm:constrLst>
-              </dgm:else>
-            </dgm:choose>
-            <dgm:ruleLst/>
-            <dgm:layoutNode name="rootText1" styleLbl="node0">
-              <dgm:varLst>
-                <dgm:chPref val="3"/>
-              </dgm:varLst>
-              <dgm:alg type="tx"/>
-              <dgm:shape xmlns:r="http://schemas.openxmlformats.org/officeDocument/2006/relationships" type="rect" r:blip="">
+          <dgm:constrLst/>
+          <dgm:ruleLst>
+            <dgm:rule type="w" val="INF" fact="NaN" max="NaN"/>
+          </dgm:ruleLst>
+          <dgm:forEach name="Name11" axis="ch" ptType="node">
+            <dgm:layoutNode name="vertTwo">
+              <dgm:alg type="lin">
+                <dgm:param type="linDir" val="fromT"/>
+              </dgm:alg>
+              <dgm:shape xmlns:r="http://schemas.openxmlformats.org/officeDocument/2006/relationships" r:blip="">
                 <dgm:adjLst/>
               </dgm:shape>
-              <dgm:presOf axis="self" ptType="node" cnt="1"/>
+              <dgm:presOf/>
               <dgm:constrLst>
-                <dgm:constr type="primFontSz" val="65"/>
-                <dgm:constr type="lMarg" refType="primFontSz" fact="0.05"/>
-                <dgm:constr type="rMarg" refType="primFontSz" fact="0.05"/>
-                <dgm:constr type="tMarg" refType="primFontSz" fact="0.05"/>
-                <dgm:constr type="bMarg" refType="primFontSz" fact="0.05"/>
+                <dgm:constr type="w" for="ch" forName="txTwo" refType="w" refFor="ch" refForName="horzTwo" op="gte"/>
               </dgm:constrLst>
-              <dgm:ruleLst>
-                <dgm:rule type="primFontSz" val="5" fact="NaN" max="NaN"/>
-              </dgm:ruleLst>
-            </dgm:layoutNode>
-            <dgm:layoutNode name="rootConnector1" moveWith="rootText1">
-              <dgm:alg type="sp"/>
-              <dgm:shape xmlns:r="http://schemas.openxmlformats.org/officeDocument/2006/relationships" type="rect" r:blip="" hideGeom="1">
-                <dgm:adjLst/>
-              </dgm:shape>
-              <dgm:presOf axis="self" ptType="node" cnt="1"/>
-              <dgm:constrLst/>
               <dgm:ruleLst/>
-            </dgm:layoutNode>
-          </dgm:layoutNode>
-          <dgm:layoutNode name="hierChild2">
-            <dgm:choose name="Name27">
-              <dgm:if name="Name28" func="var" arg="hierBranch" op="equ" val="l">
-                <dgm:choose name="Name29">
-                  <dgm:if name="Name30" func="var" arg="dir" op="equ" val="norm">
-                    <dgm:alg type="hierChild">
-                      <dgm:param type="chAlign" val="t"/>
+              <dgm:layoutNode name="txTwo">
+                <dgm:varLst>
+                  <dgm:chPref val="3"/>
+                </dgm:varLst>
+                <dgm:alg type="tx"/>
+                <dgm:shape xmlns:r="http://schemas.openxmlformats.org/officeDocument/2006/relationships" type="roundRect" r:blip="">
+                  <dgm:adjLst>
+                    <dgm:adj idx="1" val="0.1"/>
+                  </dgm:adjLst>
+                </dgm:shape>
+                <dgm:presOf axis="self"/>
+                <dgm:constrLst>
+                  <dgm:constr type="userH"/>
+                  <dgm:constr type="h" refType="userH"/>
+                  <dgm:constr type="tMarg" refType="primFontSz" fact="0.3"/>
+                  <dgm:constr type="bMarg" refType="primFontSz" fact="0.3"/>
+                  <dgm:constr type="lMarg" refType="primFontSz" fact="0.3"/>
+                  <dgm:constr type="rMarg" refType="primFontSz" fact="0.3"/>
+                </dgm:constrLst>
+                <dgm:ruleLst>
+                  <dgm:rule type="primFontSz" val="5" fact="NaN" max="NaN"/>
+                </dgm:ruleLst>
+              </dgm:layoutNode>
+              <dgm:choose name="Name12">
+                <dgm:if name="Name13" axis="des" ptType="node" func="cnt" op="gt" val="0">
+                  <dgm:layoutNode name="parTransTwo">
+                    <dgm:alg type="sp"/>
+                    <dgm:shape xmlns:r="http://schemas.openxmlformats.org/officeDocument/2006/relationships" r:blip="">
+                      <dgm:adjLst/>
+                    </dgm:shape>
+                    <dgm:presOf/>
+                    <dgm:constrLst/>
+                    <dgm:ruleLst/>
+                  </dgm:layoutNode>
+                </dgm:if>
+                <dgm:else name="Name14"/>
+              </dgm:choose>
+              <dgm:layoutNode name="horzTwo">
+                <dgm:choose name="Name15">
+                  <dgm:if name="Name16" func="var" arg="dir" op="equ" val="norm">
+                    <dgm:alg type="lin">
                       <dgm:param type="linDir" val="fromL"/>
+                      <dgm:param type="nodeVertAlign" val="t"/>
                     </dgm:alg>
                   </dgm:if>
-                  <dgm:else name="Name31">
-                    <dgm:alg type="hierChild">
-                      <dgm:param type="chAlign" val="t"/>
+                  <dgm:else name="Name17">
+                    <dgm:alg type="lin">
                       <dgm:param type="linDir" val="fromR"/>
+                      <dgm:param type="nodeVertAlign" val="t"/>
                     </dgm:alg>
-                  </dgm:else>
-                </dgm:choose>
-              </dgm:if>
-              <dgm:if name="Name32" func="var" arg="hierBranch" op="equ" val="r">
-                <dgm:choose name="Name33">
-                  <dgm:if name="Name34" func="var" arg="dir" op="equ" val="norm">
-                    <dgm:alg type="hierChild">
-                      <dgm:param type="chAlign" val="b"/>
-                      <dgm:param type="linDir" val="fromL"/>
-                    </dgm:alg>
-                  </dgm:if>
-                  <dgm:else name="Name35">
-                    <dgm:alg type="hierChild">
-                      <dgm:param type="chAlign" val="b"/>
-                      <dgm:param type="linDir" val="fromR"/>
-                    </dgm:alg>
-                  </dgm:else>
-                </dgm:choose>
-              </dgm:if>
-              <dgm:if name="Name36" func="var" arg="hierBranch" op="equ" val="hang">
-                <dgm:choose name="Name37">
-                  <dgm:if name="Name38" func="var" arg="dir" op="equ" val="norm">
-                    <dgm:alg type="hierChild">
-                      <dgm:param type="chAlign" val="l"/>
-                      <dgm:param type="linDir" val="fromT"/>
-                      <dgm:param type="secChAlign" val="t"/>
-                      <dgm:param type="secLinDir" val="fromL"/>
-                    </dgm:alg>
-                  </dgm:if>
-                  <dgm:else name="Name39">
-                    <dgm:alg type="hierChild">
-                      <dgm:param type="chAlign" val="r"/>
-                      <dgm:param type="linDir" val="fromT"/>
-                      <dgm:param type="secChAlign" val="t"/>
-                      <dgm:param type="secLinDir" val="fromR"/>
-                    </dgm:alg>
-                  </dgm:else>
-                </dgm:choose>
-              </dgm:if>
-              <dgm:else name="Name40">
-                <dgm:choose name="Name41">
-                  <dgm:if name="Name42" func="var" arg="dir" op="equ" val="norm">
-                    <dgm:alg type="hierChild">
-                      <dgm:param type="linDir" val="fromT"/>
-                      <dgm:param type="chAlign" val="l"/>
-                    </dgm:alg>
-                  </dgm:if>
-                  <dgm:else name="Name43">
-                    <dgm:alg type="hierChild">
-                      <dgm:param type="linDir" val="fromT"/>
-                      <dgm:param type="chAlign" val="r"/>
-                    </dgm:alg>
-                  </dgm:else>
-                </dgm:choose>
-              </dgm:else>
-            </dgm:choose>
-            <dgm:shape xmlns:r="http://schemas.openxmlformats.org/officeDocument/2006/relationships" r:blip="">
-              <dgm:adjLst/>
-            </dgm:shape>
-            <dgm:presOf/>
-            <dgm:constrLst/>
-            <dgm:ruleLst/>
-            <dgm:forEach name="rep2a" axis="ch" ptType="nonAsst">
-              <dgm:forEach name="Name44" axis="precedSib" ptType="parTrans" st="-1" cnt="1">
-                <dgm:choose name="Name45">
-                  <dgm:if name="Name46" func="var" arg="hierBranch" op="equ" val="hang">
-                    <dgm:layoutNode name="Name47">
-                      <dgm:choose name="Name48">
-                        <dgm:if name="Name49" func="var" arg="dir" op="equ" val="norm">
-                          <dgm:alg type="conn">
-                            <dgm:param type="connRout" val="bend"/>
-                            <dgm:param type="dim" val="1D"/>
-                            <dgm:param type="endSty" val="noArr"/>
-                            <dgm:param type="begPts" val="midR"/>
-                            <dgm:param type="endPts" val="bCtr tCtr"/>
-                          </dgm:alg>
-                        </dgm:if>
-                        <dgm:else name="Name50">
-                          <dgm:alg type="conn">
-                            <dgm:param type="connRout" val="bend"/>
-                            <dgm:param type="dim" val="1D"/>
-                            <dgm:param type="endSty" val="noArr"/>
-                            <dgm:param type="begPts" val="midL"/>
-                            <dgm:param type="endPts" val="bCtr tCtr"/>
-                          </dgm:alg>
-                        </dgm:else>
-                      </dgm:choose>
-                      <dgm:shape xmlns:r="http://schemas.openxmlformats.org/officeDocument/2006/relationships" type="conn" r:blip="" zOrderOff="-99999">
-                        <dgm:adjLst/>
-                      </dgm:shape>
-                      <dgm:presOf axis="self"/>
-                      <dgm:constrLst>
-                        <dgm:constr type="begPad"/>
-                        <dgm:constr type="endPad"/>
-                      </dgm:constrLst>
-                      <dgm:ruleLst/>
-                    </dgm:layoutNode>
-                  </dgm:if>
-                  <dgm:if name="Name51" func="var" arg="hierBranch" op="equ" val="l">
-                    <dgm:layoutNode name="Name52">
-                      <dgm:choose name="Name53">
-                        <dgm:if name="Name54" func="var" arg="dir" op="equ" val="norm">
-                          <dgm:alg type="conn">
-                            <dgm:param type="connRout" val="bend"/>
-                            <dgm:param type="dim" val="1D"/>
-                            <dgm:param type="endSty" val="noArr"/>
-                            <dgm:param type="begPts" val="midR"/>
-                            <dgm:param type="endPts" val="tCtr"/>
-                          </dgm:alg>
-                        </dgm:if>
-                        <dgm:else name="Name55">
-                          <dgm:alg type="conn">
-                            <dgm:param type="connRout" val="bend"/>
-                            <dgm:param type="dim" val="1D"/>
-                            <dgm:param type="endSty" val="noArr"/>
-                            <dgm:param type="begPts" val="midL"/>
-                            <dgm:param type="endPts" val="tCtr"/>
-                          </dgm:alg>
-                        </dgm:else>
-                      </dgm:choose>
-                      <dgm:shape xmlns:r="http://schemas.openxmlformats.org/officeDocument/2006/relationships" type="conn" r:blip="" zOrderOff="-99999">
-                        <dgm:adjLst/>
-                      </dgm:shape>
-                      <dgm:presOf axis="self"/>
-                      <dgm:constrLst>
-                        <dgm:constr type="begPad"/>
-                        <dgm:constr type="endPad"/>
-                      </dgm:constrLst>
-                      <dgm:ruleLst/>
-                    </dgm:layoutNode>
-                  </dgm:if>
-                  <dgm:if name="Name56" func="var" arg="hierBranch" op="equ" val="r">
-                    <dgm:layoutNode name="Name57">
-                      <dgm:choose name="Name58">
-                        <dgm:if name="Name59" func="var" arg="dir" op="equ" val="norm">
-                          <dgm:alg type="conn">
-                            <dgm:param type="connRout" val="bend"/>
-                            <dgm:param type="dim" val="1D"/>
-                            <dgm:param type="endSty" val="noArr"/>
-                            <dgm:param type="begPts" val="midR"/>
-                            <dgm:param type="endPts" val="bCtr"/>
-                          </dgm:alg>
-                        </dgm:if>
-                        <dgm:else name="Name60">
-                          <dgm:alg type="conn">
-                            <dgm:param type="connRout" val="bend"/>
-                            <dgm:param type="dim" val="1D"/>
-                            <dgm:param type="endSty" val="noArr"/>
-                            <dgm:param type="begPts" val="midL"/>
-                            <dgm:param type="endPts" val="bCtr"/>
-                          </dgm:alg>
-                        </dgm:else>
-                      </dgm:choose>
-                      <dgm:shape xmlns:r="http://schemas.openxmlformats.org/officeDocument/2006/relationships" type="conn" r:blip="" zOrderOff="-99999">
-                        <dgm:adjLst/>
-                      </dgm:shape>
-                      <dgm:presOf axis="self"/>
-                      <dgm:constrLst>
-                        <dgm:constr type="begPad"/>
-                        <dgm:constr type="endPad"/>
-                      </dgm:constrLst>
-                      <dgm:ruleLst/>
-                    </dgm:layoutNode>
-                  </dgm:if>
-                  <dgm:else name="Name61">
-                    <dgm:choose name="Name62">
-                      <dgm:if name="Name63" func="var" arg="dir" op="equ" val="norm">
-                        <dgm:layoutNode name="Name64">
-                          <dgm:alg type="conn">
-                            <dgm:param type="connRout" val="bend"/>
-                            <dgm:param type="dim" val="1D"/>
-                            <dgm:param type="endSty" val="noArr"/>
-                            <dgm:param type="begPts" val="midR"/>
-                            <dgm:param type="endPts" val="midL"/>
-                            <dgm:param type="bendPt" val="end"/>
-                          </dgm:alg>
-                          <dgm:shape xmlns:r="http://schemas.openxmlformats.org/officeDocument/2006/relationships" type="conn" r:blip="" zOrderOff="-99999">
-                            <dgm:adjLst/>
-                          </dgm:shape>
-                          <dgm:presOf axis="self"/>
-                          <dgm:constrLst>
-                            <dgm:constr type="begPad"/>
-                            <dgm:constr type="endPad"/>
-                          </dgm:constrLst>
-                          <dgm:ruleLst/>
-                        </dgm:layoutNode>
-                      </dgm:if>
-                      <dgm:else name="Name65">
-                        <dgm:layoutNode name="Name66">
-                          <dgm:alg type="conn">
-                            <dgm:param type="connRout" val="bend"/>
-                            <dgm:param type="dim" val="1D"/>
-                            <dgm:param type="endSty" val="noArr"/>
-                            <dgm:param type="begPts" val="midL"/>
-                            <dgm:param type="endPts" val="midR"/>
-                            <dgm:param type="bendPt" val="end"/>
-                          </dgm:alg>
-                          <dgm:shape xmlns:r="http://schemas.openxmlformats.org/officeDocument/2006/relationships" type="conn" r:blip="" zOrderOff="-99999">
-                            <dgm:adjLst/>
-                          </dgm:shape>
-                          <dgm:presOf axis="self"/>
-                          <dgm:constrLst>
-                            <dgm:constr type="begPad"/>
-                            <dgm:constr type="endPad"/>
-                          </dgm:constrLst>
-                          <dgm:ruleLst/>
-                        </dgm:layoutNode>
-                      </dgm:else>
-                    </dgm:choose>
-                  </dgm:else>
-                </dgm:choose>
-              </dgm:forEach>
-              <dgm:layoutNode name="hierRoot2">
-                <dgm:varLst>
-                  <dgm:hierBranch val="init"/>
-                </dgm:varLst>
-                <dgm:choose name="Name67">
-                  <dgm:if name="Name68" func="var" arg="hierBranch" op="equ" val="l">
-                    <dgm:choose name="Name69">
-                      <dgm:if name="Name70" func="var" arg="dir" op="equ" val="norm">
-                        <dgm:alg type="hierRoot">
-                          <dgm:param type="hierAlign" val="lT"/>
-                        </dgm:alg>
-                        <dgm:constrLst>
-                          <dgm:constr type="alignOff" val="0.75"/>
-                        </dgm:constrLst>
-                      </dgm:if>
-                      <dgm:else name="Name71">
-                        <dgm:alg type="hierRoot">
-                          <dgm:param type="hierAlign" val="rT"/>
-                        </dgm:alg>
-                        <dgm:constrLst>
-                          <dgm:constr type="alignOff" val="0.75"/>
-                        </dgm:constrLst>
-                      </dgm:else>
-                    </dgm:choose>
-                  </dgm:if>
-                  <dgm:if name="Name72" func="var" arg="hierBranch" op="equ" val="r">
-                    <dgm:choose name="Name73">
-                      <dgm:if name="Name74" func="var" arg="dir" op="equ" val="norm">
-                        <dgm:alg type="hierRoot">
-                          <dgm:param type="hierAlign" val="lB"/>
-                        </dgm:alg>
-                        <dgm:constrLst>
-                          <dgm:constr type="alignOff" val="0.75"/>
-                        </dgm:constrLst>
-                      </dgm:if>
-                      <dgm:else name="Name75">
-                        <dgm:alg type="hierRoot">
-                          <dgm:param type="hierAlign" val="rB"/>
-                        </dgm:alg>
-                        <dgm:constrLst>
-                          <dgm:constr type="alignOff" val="0.75"/>
-                        </dgm:constrLst>
-                      </dgm:else>
-                    </dgm:choose>
-                  </dgm:if>
-                  <dgm:if name="Name76" func="var" arg="hierBranch" op="equ" val="hang">
-                    <dgm:choose name="Name77">
-                      <dgm:if name="Name78" func="var" arg="dir" op="equ" val="norm">
-                        <dgm:alg type="hierRoot">
-                          <dgm:param type="hierAlign" val="lCtrCh"/>
-                        </dgm:alg>
-                        <dgm:constrLst>
-                          <dgm:constr type="alignOff" val="0.65"/>
-                        </dgm:constrLst>
-                      </dgm:if>
-                      <dgm:else name="Name79">
-                        <dgm:alg type="hierRoot">
-                          <dgm:param type="hierAlign" val="rCtrCh"/>
-                        </dgm:alg>
-                        <dgm:constrLst>
-                          <dgm:constr type="alignOff" val="0.65"/>
-                        </dgm:constrLst>
-                      </dgm:else>
-                    </dgm:choose>
-                  </dgm:if>
-                  <dgm:else name="Name80">
-                    <dgm:choose name="Name81">
-                      <dgm:if name="Name82" func="var" arg="dir" op="equ" val="norm">
-                        <dgm:alg type="hierRoot">
-                          <dgm:param type="hierAlign" val="lCtrCh"/>
-                        </dgm:alg>
-                        <dgm:constrLst>
-                          <dgm:constr type="alignOff"/>
-                          <dgm:constr type="bendDist" for="des" ptType="parTrans" refType="sp" fact="0.5"/>
-                        </dgm:constrLst>
-                      </dgm:if>
-                      <dgm:else name="Name83">
-                        <dgm:alg type="hierRoot">
-                          <dgm:param type="hierAlign" val="rCtrCh"/>
-                        </dgm:alg>
-                        <dgm:constrLst>
-                          <dgm:constr type="alignOff"/>
-                          <dgm:constr type="bendDist" for="des" ptType="parTrans" refType="sp" fact="0.5"/>
-                        </dgm:constrLst>
-                      </dgm:else>
-                    </dgm:choose>
                   </dgm:else>
                 </dgm:choose>
                 <dgm:shape xmlns:r="http://schemas.openxmlformats.org/officeDocument/2006/relationships" r:blip="">
                   <dgm:adjLst/>
                 </dgm:shape>
                 <dgm:presOf/>
-                <dgm:ruleLst/>
-                <dgm:layoutNode name="rootComposite">
-                  <dgm:alg type="composite"/>
-                  <dgm:shape xmlns:r="http://schemas.openxmlformats.org/officeDocument/2006/relationships" r:blip="">
-                    <dgm:adjLst/>
-                  </dgm:shape>
-                  <dgm:presOf axis="self" ptType="node" cnt="1"/>
-                  <dgm:choose name="Name84">
-                    <dgm:if name="Name85" func="var" arg="hierBranch" op="equ" val="init">
-                      <dgm:constrLst>
-                        <dgm:constr type="l" for="ch" forName="rootText"/>
-                        <dgm:constr type="t" for="ch" forName="rootText"/>
-                        <dgm:constr type="w" for="ch" forName="rootText" refType="w"/>
-                        <dgm:constr type="h" for="ch" forName="rootText" refType="h"/>
-                        <dgm:constr type="l" for="ch" forName="rootConnector"/>
-                        <dgm:constr type="t" for="ch" forName="rootConnector"/>
-                        <dgm:constr type="w" for="ch" forName="rootConnector" refType="w" refFor="ch" refForName="rootText" fact="0.2"/>
-                        <dgm:constr type="h" for="ch" forName="rootConnector" refType="h" refFor="ch" refForName="rootText"/>
-                      </dgm:constrLst>
-                    </dgm:if>
-                    <dgm:if name="Name86" func="var" arg="hierBranch" op="equ" val="l">
-                      <dgm:constrLst>
-                        <dgm:constr type="l" for="ch" forName="rootText"/>
-                        <dgm:constr type="t" for="ch" forName="rootText"/>
-                        <dgm:constr type="w" for="ch" forName="rootText" refType="w"/>
-                        <dgm:constr type="h" for="ch" forName="rootText" refType="h"/>
-                        <dgm:constr type="r" for="ch" forName="rootConnector" refType="w"/>
-                        <dgm:constr type="t" for="ch" forName="rootConnector"/>
-                        <dgm:constr type="w" for="ch" forName="rootConnector" refType="w" refFor="ch" refForName="rootText" fact="0.2"/>
-                        <dgm:constr type="h" for="ch" forName="rootConnector" refType="h" refFor="ch" refForName="rootText"/>
-                      </dgm:constrLst>
-                    </dgm:if>
-                    <dgm:if name="Name87" func="var" arg="hierBranch" op="equ" val="r">
-                      <dgm:constrLst>
-                        <dgm:constr type="l" for="ch" forName="rootText"/>
-                        <dgm:constr type="t" for="ch" forName="rootText"/>
-                        <dgm:constr type="w" for="ch" forName="rootText" refType="w"/>
-                        <dgm:constr type="h" for="ch" forName="rootText" refType="h"/>
-                        <dgm:constr type="l" for="ch" forName="rootConnector"/>
-                        <dgm:constr type="t" for="ch" forName="rootConnector"/>
-                        <dgm:constr type="w" for="ch" forName="rootConnector" refType="w" refFor="ch" refForName="rootText" fact="0.2"/>
-                        <dgm:constr type="h" for="ch" forName="rootConnector" refType="h" refFor="ch" refForName="rootText"/>
-                      </dgm:constrLst>
-                    </dgm:if>
-                    <dgm:else name="Name88">
-                      <dgm:constrLst>
-                        <dgm:constr type="l" for="ch" forName="rootText"/>
-                        <dgm:constr type="t" for="ch" forName="rootText"/>
-                        <dgm:constr type="w" for="ch" forName="rootText" refType="w"/>
-                        <dgm:constr type="h" for="ch" forName="rootText" refType="h"/>
-                        <dgm:constr type="r" for="ch" forName="rootConnector" refType="w"/>
-                        <dgm:constr type="t" for="ch" forName="rootConnector"/>
-                        <dgm:constr type="w" for="ch" forName="rootConnector" refType="w" refFor="ch" refForName="rootText" fact="0.2"/>
-                        <dgm:constr type="h" for="ch" forName="rootConnector" refType="h" refFor="ch" refForName="rootText"/>
-                      </dgm:constrLst>
-                    </dgm:else>
-                  </dgm:choose>
-                  <dgm:ruleLst/>
-                  <dgm:layoutNode name="rootText">
-                    <dgm:varLst>
-                      <dgm:chPref val="3"/>
-                    </dgm:varLst>
-                    <dgm:alg type="tx"/>
-                    <dgm:shape xmlns:r="http://schemas.openxmlformats.org/officeDocument/2006/relationships" type="rect" r:blip="">
+                <dgm:constrLst/>
+                <dgm:ruleLst>
+                  <dgm:rule type="w" val="INF" fact="NaN" max="NaN"/>
+                </dgm:ruleLst>
+                <dgm:forEach name="Name18" axis="ch" ptType="node">
+                  <dgm:layoutNode name="vertThree">
+                    <dgm:alg type="lin">
+                      <dgm:param type="linDir" val="fromT"/>
+                    </dgm:alg>
+                    <dgm:shape xmlns:r="http://schemas.openxmlformats.org/officeDocument/2006/relationships" r:blip="">
                       <dgm:adjLst/>
                     </dgm:shape>
-                    <dgm:presOf axis="self" ptType="node" cnt="1"/>
+                    <dgm:presOf/>
                     <dgm:constrLst>
-                      <dgm:constr type="primFontSz" val="65"/>
-                      <dgm:constr type="lMarg" refType="primFontSz" fact="0.05"/>
-                      <dgm:constr type="rMarg" refType="primFontSz" fact="0.05"/>
-                      <dgm:constr type="tMarg" refType="primFontSz" fact="0.05"/>
-                      <dgm:constr type="bMarg" refType="primFontSz" fact="0.05"/>
+                      <dgm:constr type="w" for="ch" forName="txThree" refType="w" refFor="ch" refForName="horzThree" op="gte"/>
                     </dgm:constrLst>
-                    <dgm:ruleLst>
-                      <dgm:rule type="primFontSz" val="5" fact="NaN" max="NaN"/>
-                    </dgm:ruleLst>
+                    <dgm:ruleLst/>
+                    <dgm:layoutNode name="txThree">
+                      <dgm:varLst>
+                        <dgm:chPref val="3"/>
+                      </dgm:varLst>
+                      <dgm:alg type="tx"/>
+                      <dgm:shape xmlns:r="http://schemas.openxmlformats.org/officeDocument/2006/relationships" type="roundRect" r:blip="">
+                        <dgm:adjLst>
+                          <dgm:adj idx="1" val="0.1"/>
+                        </dgm:adjLst>
+                      </dgm:shape>
+                      <dgm:presOf axis="self"/>
+                      <dgm:constrLst>
+                        <dgm:constr type="userH"/>
+                        <dgm:constr type="h" refType="userH"/>
+                        <dgm:constr type="tMarg" refType="primFontSz" fact="0.3"/>
+                        <dgm:constr type="bMarg" refType="primFontSz" fact="0.3"/>
+                        <dgm:constr type="lMarg" refType="primFontSz" fact="0.3"/>
+                        <dgm:constr type="rMarg" refType="primFontSz" fact="0.3"/>
+                      </dgm:constrLst>
+                      <dgm:ruleLst>
+                        <dgm:rule type="primFontSz" val="5" fact="NaN" max="NaN"/>
+                      </dgm:ruleLst>
+                    </dgm:layoutNode>
+                    <dgm:choose name="Name19">
+                      <dgm:if name="Name20" axis="des" ptType="node" func="cnt" op="gt" val="0">
+                        <dgm:layoutNode name="parTransThree">
+                          <dgm:alg type="sp"/>
+                          <dgm:shape xmlns:r="http://schemas.openxmlformats.org/officeDocument/2006/relationships" r:blip="">
+                            <dgm:adjLst/>
+                          </dgm:shape>
+                          <dgm:presOf/>
+                          <dgm:constrLst/>
+                          <dgm:ruleLst/>
+                        </dgm:layoutNode>
+                      </dgm:if>
+                      <dgm:else name="Name21"/>
+                    </dgm:choose>
+                    <dgm:layoutNode name="horzThree">
+                      <dgm:choose name="Name22">
+                        <dgm:if name="Name23" func="var" arg="dir" op="equ" val="norm">
+                          <dgm:alg type="lin">
+                            <dgm:param type="linDir" val="fromL"/>
+                            <dgm:param type="nodeVertAlign" val="t"/>
+                          </dgm:alg>
+                        </dgm:if>
+                        <dgm:else name="Name24">
+                          <dgm:alg type="lin">
+                            <dgm:param type="linDir" val="fromR"/>
+                            <dgm:param type="nodeVertAlign" val="t"/>
+                          </dgm:alg>
+                        </dgm:else>
+                      </dgm:choose>
+                      <dgm:shape xmlns:r="http://schemas.openxmlformats.org/officeDocument/2006/relationships" r:blip="">
+                        <dgm:adjLst/>
+                      </dgm:shape>
+                      <dgm:presOf/>
+                      <dgm:constrLst/>
+                      <dgm:ruleLst>
+                        <dgm:rule type="w" val="INF" fact="NaN" max="NaN"/>
+                      </dgm:ruleLst>
+                      <dgm:forEach name="repeat" axis="ch" ptType="node">
+                        <dgm:layoutNode name="vertFour">
+                          <dgm:varLst>
+                            <dgm:chPref val="3"/>
+                          </dgm:varLst>
+                          <dgm:alg type="lin">
+                            <dgm:param type="linDir" val="fromT"/>
+                          </dgm:alg>
+                          <dgm:shape xmlns:r="http://schemas.openxmlformats.org/officeDocument/2006/relationships" r:blip="">
+                            <dgm:adjLst/>
+                          </dgm:shape>
+                          <dgm:presOf/>
+                          <dgm:constrLst>
+                            <dgm:constr type="w" for="ch" forName="txFour" refType="w" refFor="ch" refForName="horzFour" op="gte"/>
+                          </dgm:constrLst>
+                          <dgm:ruleLst/>
+                          <dgm:layoutNode name="txFour">
+                            <dgm:varLst>
+                              <dgm:chPref val="3"/>
+                            </dgm:varLst>
+                            <dgm:alg type="tx"/>
+                            <dgm:shape xmlns:r="http://schemas.openxmlformats.org/officeDocument/2006/relationships" type="roundRect" r:blip="">
+                              <dgm:adjLst>
+                                <dgm:adj idx="1" val="0.1"/>
+                              </dgm:adjLst>
+                            </dgm:shape>
+                            <dgm:presOf axis="self"/>
+                            <dgm:constrLst>
+                              <dgm:constr type="userH"/>
+                              <dgm:constr type="h" refType="userH"/>
+                              <dgm:constr type="tMarg" refType="primFontSz" fact="0.3"/>
+                              <dgm:constr type="bMarg" refType="primFontSz" fact="0.3"/>
+                              <dgm:constr type="lMarg" refType="primFontSz" fact="0.3"/>
+                              <dgm:constr type="rMarg" refType="primFontSz" fact="0.3"/>
+                            </dgm:constrLst>
+                            <dgm:ruleLst>
+                              <dgm:rule type="primFontSz" val="5" fact="NaN" max="NaN"/>
+                            </dgm:ruleLst>
+                          </dgm:layoutNode>
+                          <dgm:choose name="Name25">
+                            <dgm:if name="Name26" axis="des" ptType="node" func="cnt" op="gt" val="0">
+                              <dgm:layoutNode name="parTransFour">
+                                <dgm:alg type="sp"/>
+                                <dgm:shape xmlns:r="http://schemas.openxmlformats.org/officeDocument/2006/relationships" r:blip="">
+                                  <dgm:adjLst/>
+                                </dgm:shape>
+                                <dgm:presOf/>
+                                <dgm:constrLst/>
+                                <dgm:ruleLst/>
+                              </dgm:layoutNode>
+                            </dgm:if>
+                            <dgm:else name="Name27"/>
+                          </dgm:choose>
+                          <dgm:layoutNode name="horzFour">
+                            <dgm:choose name="Name28">
+                              <dgm:if name="Name29" func="var" arg="dir" op="equ" val="norm">
+                                <dgm:alg type="lin">
+                                  <dgm:param type="linDir" val="fromL"/>
+                                  <dgm:param type="nodeVertAlign" val="t"/>
+                                </dgm:alg>
+                              </dgm:if>
+                              <dgm:else name="Name30">
+                                <dgm:alg type="lin">
+                                  <dgm:param type="linDir" val="fromR"/>
+                                  <dgm:param type="nodeVertAlign" val="t"/>
+                                </dgm:alg>
+                              </dgm:else>
+                            </dgm:choose>
+                            <dgm:shape xmlns:r="http://schemas.openxmlformats.org/officeDocument/2006/relationships" r:blip="">
+                              <dgm:adjLst/>
+                            </dgm:shape>
+                            <dgm:presOf/>
+                            <dgm:constrLst/>
+                            <dgm:ruleLst>
+                              <dgm:rule type="w" val="INF" fact="NaN" max="NaN"/>
+                            </dgm:ruleLst>
+                            <dgm:forEach name="Name31" ref="repeat"/>
+                          </dgm:layoutNode>
+                        </dgm:layoutNode>
+                        <dgm:choose name="Name32">
+                          <dgm:if name="Name33" axis="self" ptType="node" func="revPos" op="gte" val="2">
+                            <dgm:forEach name="Name34" axis="followSib" ptType="sibTrans" cnt="1">
+                              <dgm:layoutNode name="sibSpaceFour">
+                                <dgm:alg type="sp"/>
+                                <dgm:shape xmlns:r="http://schemas.openxmlformats.org/officeDocument/2006/relationships" r:blip="">
+                                  <dgm:adjLst/>
+                                </dgm:shape>
+                                <dgm:presOf/>
+                                <dgm:constrLst/>
+                                <dgm:ruleLst/>
+                              </dgm:layoutNode>
+                            </dgm:forEach>
+                          </dgm:if>
+                          <dgm:else name="Name35"/>
+                        </dgm:choose>
+                      </dgm:forEach>
+                    </dgm:layoutNode>
                   </dgm:layoutNode>
-                  <dgm:layoutNode name="rootConnector" moveWith="rootText">
+                  <dgm:choose name="Name36">
+                    <dgm:if name="Name37" axis="self" ptType="node" func="revPos" op="gte" val="2">
+                      <dgm:forEach name="Name38" axis="followSib" ptType="sibTrans" cnt="1">
+                        <dgm:layoutNode name="sibSpaceThree">
+                          <dgm:alg type="sp"/>
+                          <dgm:shape xmlns:r="http://schemas.openxmlformats.org/officeDocument/2006/relationships" r:blip="">
+                            <dgm:adjLst/>
+                          </dgm:shape>
+                          <dgm:presOf/>
+                          <dgm:constrLst/>
+                          <dgm:ruleLst/>
+                        </dgm:layoutNode>
+                      </dgm:forEach>
+                    </dgm:if>
+                    <dgm:else name="Name39"/>
+                  </dgm:choose>
+                </dgm:forEach>
+              </dgm:layoutNode>
+            </dgm:layoutNode>
+            <dgm:choose name="Name40">
+              <dgm:if name="Name41" axis="self" ptType="node" func="revPos" op="gte" val="2">
+                <dgm:forEach name="Name42" axis="followSib" ptType="sibTrans" cnt="1">
+                  <dgm:layoutNode name="sibSpaceTwo">
                     <dgm:alg type="sp"/>
-                    <dgm:shape xmlns:r="http://schemas.openxmlformats.org/officeDocument/2006/relationships" type="rect" r:blip="" hideGeom="1">
+                    <dgm:shape xmlns:r="http://schemas.openxmlformats.org/officeDocument/2006/relationships" r:blip="">
                       <dgm:adjLst/>
                     </dgm:shape>
-                    <dgm:presOf axis="self" ptType="node" cnt="1"/>
+                    <dgm:presOf/>
                     <dgm:constrLst/>
                     <dgm:ruleLst/>
                   </dgm:layoutNode>
-                </dgm:layoutNode>
-                <dgm:layoutNode name="hierChild4">
-                  <dgm:choose name="Name89">
-                    <dgm:if name="Name90" func="var" arg="hierBranch" op="equ" val="l">
-                      <dgm:choose name="Name91">
-                        <dgm:if name="Name92" func="var" arg="dir" op="equ" val="norm">
-                          <dgm:alg type="hierChild">
-                            <dgm:param type="chAlign" val="t"/>
-                            <dgm:param type="linDir" val="fromL"/>
-                          </dgm:alg>
-                        </dgm:if>
-                        <dgm:else name="Name93">
-                          <dgm:alg type="hierChild">
-                            <dgm:param type="chAlign" val="t"/>
-                            <dgm:param type="linDir" val="fromR"/>
-                          </dgm:alg>
-                        </dgm:else>
-                      </dgm:choose>
-                    </dgm:if>
-                    <dgm:if name="Name94" func="var" arg="hierBranch" op="equ" val="r">
-                      <dgm:choose name="Name95">
-                        <dgm:if name="Name96" func="var" arg="dir" op="equ" val="norm">
-                          <dgm:alg type="hierChild">
-                            <dgm:param type="chAlign" val="b"/>
-                            <dgm:param type="linDir" val="fromL"/>
-                          </dgm:alg>
-                        </dgm:if>
-                        <dgm:else name="Name97">
-                          <dgm:alg type="hierChild">
-                            <dgm:param type="chAlign" val="b"/>
-                            <dgm:param type="linDir" val="fromR"/>
-                          </dgm:alg>
-                        </dgm:else>
-                      </dgm:choose>
-                    </dgm:if>
-                    <dgm:if name="Name98" func="var" arg="hierBranch" op="equ" val="hang">
-                      <dgm:choose name="Name99">
-                        <dgm:if name="Name100" func="var" arg="dir" op="equ" val="norm">
-                          <dgm:alg type="hierChild">
-                            <dgm:param type="chAlign" val="l"/>
-                            <dgm:param type="linDir" val="fromT"/>
-                            <dgm:param type="secChAlign" val="t"/>
-                            <dgm:param type="secLinDir" val="fromL"/>
-                          </dgm:alg>
-                        </dgm:if>
-                        <dgm:else name="Name101">
-                          <dgm:alg type="hierChild">
-                            <dgm:param type="chAlign" val="r"/>
-                            <dgm:param type="linDir" val="fromT"/>
-                            <dgm:param type="secChAlign" val="t"/>
-                            <dgm:param type="secLinDir" val="fromR"/>
-                          </dgm:alg>
-                        </dgm:else>
-                      </dgm:choose>
-                    </dgm:if>
-                    <dgm:else name="Name102">
-                      <dgm:choose name="Name103">
-                        <dgm:if name="Name104" func="var" arg="dir" op="equ" val="norm">
-                          <dgm:alg type="hierChild">
-                            <dgm:param type="linDir" val="fromT"/>
-                            <dgm:param type="chAlign" val="l"/>
-                          </dgm:alg>
-                        </dgm:if>
-                        <dgm:else name="Name105">
-                          <dgm:alg type="hierChild">
-                            <dgm:param type="linDir" val="fromT"/>
-                            <dgm:param type="chAlign" val="r"/>
-                          </dgm:alg>
-                        </dgm:else>
-                      </dgm:choose>
-                    </dgm:else>
-                  </dgm:choose>
-                  <dgm:shape xmlns:r="http://schemas.openxmlformats.org/officeDocument/2006/relationships" r:blip="">
-                    <dgm:adjLst/>
-                  </dgm:shape>
-                  <dgm:presOf/>
-                  <dgm:constrLst/>
-                  <dgm:ruleLst/>
-                  <dgm:forEach name="Name106" ref="rep2a"/>
-                </dgm:layoutNode>
-                <dgm:layoutNode name="hierChild5">
-                  <dgm:choose name="Name107">
-                    <dgm:if name="Name108" func="var" arg="dir" op="equ" val="norm">
-                      <dgm:alg type="hierChild">
-                        <dgm:param type="chAlign" val="l"/>
-                        <dgm:param type="linDir" val="fromT"/>
-                        <dgm:param type="secChAlign" val="t"/>
-                        <dgm:param type="secLinDir" val="fromL"/>
-                      </dgm:alg>
-                    </dgm:if>
-                    <dgm:else name="Name109">
-                      <dgm:alg type="hierChild">
-                        <dgm:param type="chAlign" val="r"/>
-                        <dgm:param type="linDir" val="fromT"/>
-                        <dgm:param type="secChAlign" val="t"/>
-                        <dgm:param type="secLinDir" val="fromR"/>
-                      </dgm:alg>
-                    </dgm:else>
-                  </dgm:choose>
-                  <dgm:shape xmlns:r="http://schemas.openxmlformats.org/officeDocument/2006/relationships" r:blip="">
-                    <dgm:adjLst/>
-                  </dgm:shape>
-                  <dgm:presOf/>
-                  <dgm:constrLst/>
-                  <dgm:ruleLst/>
-                  <dgm:forEach name="Name110" ref="rep2b"/>
-                </dgm:layoutNode>
-              </dgm:layoutNode>
-            </dgm:forEach>
-          </dgm:layoutNode>
-          <dgm:layoutNode name="hierChild3">
-            <dgm:choose name="Name111">
-              <dgm:if name="Name112" func="var" arg="dir" op="equ" val="norm">
-                <dgm:alg type="hierChild">
-                  <dgm:param type="chAlign" val="l"/>
-                  <dgm:param type="linDir" val="fromT"/>
-                  <dgm:param type="secChAlign" val="t"/>
-                  <dgm:param type="secLinDir" val="fromL"/>
-                </dgm:alg>
+                </dgm:forEach>
               </dgm:if>
-              <dgm:else name="Name113">
-                <dgm:alg type="hierChild">
-                  <dgm:param type="chAlign" val="r"/>
-                  <dgm:param type="linDir" val="fromT"/>
-                  <dgm:param type="secChAlign" val="t"/>
-                  <dgm:param type="secLinDir" val="fromR"/>
-                </dgm:alg>
-              </dgm:else>
+              <dgm:else name="Name43"/>
             </dgm:choose>
-            <dgm:shape xmlns:r="http://schemas.openxmlformats.org/officeDocument/2006/relationships" r:blip="">
-              <dgm:adjLst/>
-            </dgm:shape>
-            <dgm:presOf/>
-            <dgm:constrLst/>
-            <dgm:ruleLst/>
-            <dgm:forEach name="rep2b" axis="ch" ptType="asst">
-              <dgm:forEach name="Name114" axis="precedSib" ptType="parTrans" st="-1" cnt="1">
-                <dgm:layoutNode name="Name115">
-                  <dgm:choose name="Name116">
-                    <dgm:if name="Name117" func="var" arg="dir" op="equ" val="norm">
-                      <dgm:alg type="conn">
-                        <dgm:param type="connRout" val="bend"/>
-                        <dgm:param type="dim" val="1D"/>
-                        <dgm:param type="endSty" val="noArr"/>
-                        <dgm:param type="begPts" val="midR"/>
-                        <dgm:param type="endPts" val="bCtr tCtr"/>
-                      </dgm:alg>
-                    </dgm:if>
-                    <dgm:else name="Name118">
-                      <dgm:alg type="conn">
-                        <dgm:param type="connRout" val="bend"/>
-                        <dgm:param type="dim" val="1D"/>
-                        <dgm:param type="endSty" val="noArr"/>
-                        <dgm:param type="begPts" val="midL"/>
-                        <dgm:param type="endPts" val="bCtr tCtr"/>
-                      </dgm:alg>
-                    </dgm:else>
-                  </dgm:choose>
-                  <dgm:shape xmlns:r="http://schemas.openxmlformats.org/officeDocument/2006/relationships" type="conn" r:blip="" zOrderOff="-99999">
-                    <dgm:adjLst/>
-                  </dgm:shape>
-                  <dgm:presOf axis="self"/>
-                  <dgm:constrLst>
-                    <dgm:constr type="begPad"/>
-                    <dgm:constr type="endPad"/>
-                  </dgm:constrLst>
-                  <dgm:ruleLst/>
-                </dgm:layoutNode>
-              </dgm:forEach>
-              <dgm:layoutNode name="hierRoot3">
-                <dgm:varLst>
-                  <dgm:hierBranch val="init"/>
-                </dgm:varLst>
-                <dgm:choose name="Name119">
-                  <dgm:if name="Name120" func="var" arg="hierBranch" op="equ" val="l">
-                    <dgm:choose name="Name121">
-                      <dgm:if name="Name122" func="var" arg="dir" op="equ" val="norm">
-                        <dgm:alg type="hierRoot">
-                          <dgm:param type="hierAlign" val="lT"/>
-                        </dgm:alg>
-                        <dgm:constrLst>
-                          <dgm:constr type="alignOff" val="0.75"/>
-                        </dgm:constrLst>
-                      </dgm:if>
-                      <dgm:else name="Name123">
-                        <dgm:alg type="hierRoot">
-                          <dgm:param type="hierAlign" val="rT"/>
-                        </dgm:alg>
-                        <dgm:constrLst>
-                          <dgm:constr type="alignOff" val="0.75"/>
-                        </dgm:constrLst>
-                      </dgm:else>
-                    </dgm:choose>
-                  </dgm:if>
-                  <dgm:if name="Name124" func="var" arg="hierBranch" op="equ" val="r">
-                    <dgm:choose name="Name125">
-                      <dgm:if name="Name126" func="var" arg="dir" op="equ" val="norm">
-                        <dgm:alg type="hierRoot">
-                          <dgm:param type="hierAlign" val="lB"/>
-                        </dgm:alg>
-                        <dgm:constrLst>
-                          <dgm:constr type="alignOff" val="0.75"/>
-                        </dgm:constrLst>
-                      </dgm:if>
-                      <dgm:else name="Name127">
-                        <dgm:alg type="hierRoot">
-                          <dgm:param type="hierAlign" val="rB"/>
-                        </dgm:alg>
-                        <dgm:constrLst>
-                          <dgm:constr type="alignOff" val="0.75"/>
-                        </dgm:constrLst>
-                      </dgm:else>
-                    </dgm:choose>
-                  </dgm:if>
-                  <dgm:if name="Name128" func="var" arg="hierBranch" op="equ" val="hang">
-                    <dgm:choose name="Name129">
-                      <dgm:if name="Name130" func="var" arg="dir" op="equ" val="norm">
-                        <dgm:alg type="hierRoot">
-                          <dgm:param type="hierAlign" val="lCtrCh"/>
-                        </dgm:alg>
-                        <dgm:constrLst>
-                          <dgm:constr type="alignOff" val="0.65"/>
-                        </dgm:constrLst>
-                      </dgm:if>
-                      <dgm:else name="Name131">
-                        <dgm:alg type="hierRoot">
-                          <dgm:param type="hierAlign" val="rCtrCh"/>
-                        </dgm:alg>
-                        <dgm:constrLst>
-                          <dgm:constr type="alignOff" val="0.65"/>
-                        </dgm:constrLst>
-                      </dgm:else>
-                    </dgm:choose>
-                  </dgm:if>
-                  <dgm:else name="Name132">
-                    <dgm:choose name="Name133">
-                      <dgm:if name="Name134" func="var" arg="dir" op="equ" val="norm">
-                        <dgm:alg type="hierRoot">
-                          <dgm:param type="hierAlign" val="lCtrCh"/>
-                        </dgm:alg>
-                        <dgm:constrLst>
-                          <dgm:constr type="alignOff"/>
-                          <dgm:constr type="bendDist" for="des" ptType="parTrans" refType="sp" fact="0.5"/>
-                        </dgm:constrLst>
-                      </dgm:if>
-                      <dgm:else name="Name135">
-                        <dgm:alg type="hierRoot">
-                          <dgm:param type="hierAlign" val="rCtrCh"/>
-                        </dgm:alg>
-                        <dgm:constrLst>
-                          <dgm:constr type="alignOff"/>
-                          <dgm:constr type="bendDist" for="des" ptType="parTrans" refType="sp" fact="0.5"/>
-                        </dgm:constrLst>
-                      </dgm:else>
-                    </dgm:choose>
-                  </dgm:else>
-                </dgm:choose>
-                <dgm:shape xmlns:r="http://schemas.openxmlformats.org/officeDocument/2006/relationships" r:blip="">
-                  <dgm:adjLst/>
-                </dgm:shape>
-                <dgm:presOf/>
-                <dgm:ruleLst/>
-                <dgm:layoutNode name="rootComposite3">
-                  <dgm:alg type="composite"/>
-                  <dgm:shape xmlns:r="http://schemas.openxmlformats.org/officeDocument/2006/relationships" r:blip="">
-                    <dgm:adjLst/>
-                  </dgm:shape>
-                  <dgm:presOf axis="self" ptType="node" cnt="1"/>
-                  <dgm:choose name="Name136">
-                    <dgm:if name="Name137" func="var" arg="hierBranch" op="equ" val="init">
-                      <dgm:constrLst>
-                        <dgm:constr type="l" for="ch" forName="rootText3"/>
-                        <dgm:constr type="t" for="ch" forName="rootText3"/>
-                        <dgm:constr type="w" for="ch" forName="rootText3" refType="w"/>
-                        <dgm:constr type="h" for="ch" forName="rootText3" refType="h"/>
-                        <dgm:constr type="l" for="ch" forName="rootConnector3"/>
-                        <dgm:constr type="t" for="ch" forName="rootConnector3"/>
-                        <dgm:constr type="w" for="ch" forName="rootConnector3" refType="w" refFor="ch" refForName="rootText3" fact="0.2"/>
-                        <dgm:constr type="h" for="ch" forName="rootConnector3" refType="h" refFor="ch" refForName="rootText3"/>
-                      </dgm:constrLst>
-                    </dgm:if>
-                    <dgm:if name="Name138" func="var" arg="hierBranch" op="equ" val="l">
-                      <dgm:constrLst>
-                        <dgm:constr type="l" for="ch" forName="rootText3"/>
-                        <dgm:constr type="t" for="ch" forName="rootText3"/>
-                        <dgm:constr type="w" for="ch" forName="rootText3" refType="w"/>
-                        <dgm:constr type="h" for="ch" forName="rootText3" refType="h"/>
-                        <dgm:constr type="r" for="ch" forName="rootConnector3" refType="w"/>
-                        <dgm:constr type="t" for="ch" forName="rootConnector3"/>
-                        <dgm:constr type="w" for="ch" forName="rootConnector3" refType="w" refFor="ch" refForName="rootText3" fact="0.2"/>
-                        <dgm:constr type="h" for="ch" forName="rootConnector3" refType="h" refFor="ch" refForName="rootText3"/>
-                      </dgm:constrLst>
-                    </dgm:if>
-                    <dgm:if name="Name139" func="var" arg="hierBranch" op="equ" val="r">
-                      <dgm:constrLst>
-                        <dgm:constr type="l" for="ch" forName="rootText3"/>
-                        <dgm:constr type="t" for="ch" forName="rootText3"/>
-                        <dgm:constr type="w" for="ch" forName="rootText3" refType="w"/>
-                        <dgm:constr type="h" for="ch" forName="rootText3" refType="h"/>
-                        <dgm:constr type="l" for="ch" forName="rootConnector3"/>
-                        <dgm:constr type="t" for="ch" forName="rootConnector3"/>
-                        <dgm:constr type="w" for="ch" forName="rootConnector3" refType="w" refFor="ch" refForName="rootText3" fact="0.2"/>
-                        <dgm:constr type="h" for="ch" forName="rootConnector3" refType="h" refFor="ch" refForName="rootText3"/>
-                      </dgm:constrLst>
-                    </dgm:if>
-                    <dgm:else name="Name140">
-                      <dgm:constrLst>
-                        <dgm:constr type="l" for="ch" forName="rootText3"/>
-                        <dgm:constr type="t" for="ch" forName="rootText3"/>
-                        <dgm:constr type="w" for="ch" forName="rootText3" refType="w"/>
-                        <dgm:constr type="h" for="ch" forName="rootText3" refType="h"/>
-                        <dgm:constr type="r" for="ch" forName="rootConnector3" refType="w"/>
-                        <dgm:constr type="t" for="ch" forName="rootConnector3"/>
-                        <dgm:constr type="w" for="ch" forName="rootConnector3" refType="w" refFor="ch" refForName="rootText3" fact="0.2"/>
-                        <dgm:constr type="h" for="ch" forName="rootConnector3" refType="h" refFor="ch" refForName="rootText3"/>
-                      </dgm:constrLst>
-                    </dgm:else>
-                  </dgm:choose>
-                  <dgm:ruleLst/>
-                  <dgm:layoutNode name="rootText3">
-                    <dgm:varLst>
-                      <dgm:chPref val="3"/>
-                    </dgm:varLst>
-                    <dgm:alg type="tx"/>
-                    <dgm:shape xmlns:r="http://schemas.openxmlformats.org/officeDocument/2006/relationships" type="rect" r:blip="">
-                      <dgm:adjLst/>
-                    </dgm:shape>
-                    <dgm:presOf axis="self" ptType="node" cnt="1"/>
-                    <dgm:constrLst>
-                      <dgm:constr type="primFontSz" val="65"/>
-                      <dgm:constr type="lMarg" refType="primFontSz" fact="0.05"/>
-                      <dgm:constr type="rMarg" refType="primFontSz" fact="0.05"/>
-                      <dgm:constr type="tMarg" refType="primFontSz" fact="0.05"/>
-                      <dgm:constr type="bMarg" refType="primFontSz" fact="0.05"/>
-                    </dgm:constrLst>
-                    <dgm:ruleLst>
-                      <dgm:rule type="primFontSz" val="5" fact="NaN" max="NaN"/>
-                    </dgm:ruleLst>
-                  </dgm:layoutNode>
-                  <dgm:layoutNode name="rootConnector3" moveWith="rootText1">
-                    <dgm:alg type="sp"/>
-                    <dgm:shape xmlns:r="http://schemas.openxmlformats.org/officeDocument/2006/relationships" type="rect" r:blip="" hideGeom="1">
-                      <dgm:adjLst/>
-                    </dgm:shape>
-                    <dgm:presOf axis="self" ptType="node" cnt="1"/>
-                    <dgm:constrLst/>
-                    <dgm:ruleLst/>
-                  </dgm:layoutNode>
-                </dgm:layoutNode>
-                <dgm:layoutNode name="hierChild6">
-                  <dgm:choose name="Name141">
-                    <dgm:if name="Name142" func="var" arg="hierBranch" op="equ" val="l">
-                      <dgm:choose name="Name143">
-                        <dgm:if name="Name144" func="var" arg="dir" op="equ" val="norm">
-                          <dgm:alg type="hierChild">
-                            <dgm:param type="chAlign" val="t"/>
-                            <dgm:param type="linDir" val="fromL"/>
-                          </dgm:alg>
-                        </dgm:if>
-                        <dgm:else name="Name145">
-                          <dgm:alg type="hierChild">
-                            <dgm:param type="chAlign" val="t"/>
-                            <dgm:param type="linDir" val="fromR"/>
-                          </dgm:alg>
-                        </dgm:else>
-                      </dgm:choose>
-                    </dgm:if>
-                    <dgm:if name="Name146" func="var" arg="hierBranch" op="equ" val="r">
-                      <dgm:choose name="Name147">
-                        <dgm:if name="Name148" func="var" arg="dir" op="equ" val="norm">
-                          <dgm:alg type="hierChild">
-                            <dgm:param type="chAlign" val="b"/>
-                            <dgm:param type="linDir" val="fromL"/>
-                          </dgm:alg>
-                        </dgm:if>
-                        <dgm:else name="Name149">
-                          <dgm:alg type="hierChild">
-                            <dgm:param type="chAlign" val="b"/>
-                            <dgm:param type="linDir" val="fromR"/>
-                          </dgm:alg>
-                        </dgm:else>
-                      </dgm:choose>
-                    </dgm:if>
-                    <dgm:if name="Name150" func="var" arg="hierBranch" op="equ" val="hang">
-                      <dgm:choose name="Name151">
-                        <dgm:if name="Name152" func="var" arg="dir" op="equ" val="norm">
-                          <dgm:alg type="hierChild">
-                            <dgm:param type="chAlign" val="l"/>
-                            <dgm:param type="linDir" val="fromT"/>
-                            <dgm:param type="secChAlign" val="t"/>
-                            <dgm:param type="secLinDir" val="fromL"/>
-                          </dgm:alg>
-                        </dgm:if>
-                        <dgm:else name="Name153">
-                          <dgm:alg type="hierChild">
-                            <dgm:param type="chAlign" val="r"/>
-                            <dgm:param type="linDir" val="fromT"/>
-                            <dgm:param type="secChAlign" val="t"/>
-                            <dgm:param type="secLinDir" val="fromR"/>
-                          </dgm:alg>
-                        </dgm:else>
-                      </dgm:choose>
-                    </dgm:if>
-                    <dgm:else name="Name154">
-                      <dgm:choose name="Name155">
-                        <dgm:if name="Name156" func="var" arg="dir" op="equ" val="norm">
-                          <dgm:alg type="hierChild">
-                            <dgm:param type="linDir" val="fromT"/>
-                            <dgm:param type="chAlign" val="l"/>
-                          </dgm:alg>
-                        </dgm:if>
-                        <dgm:else name="Name157">
-                          <dgm:alg type="hierChild">
-                            <dgm:param type="linDir" val="fromT"/>
-                            <dgm:param type="chAlign" val="r"/>
-                          </dgm:alg>
-                        </dgm:else>
-                      </dgm:choose>
-                    </dgm:else>
-                  </dgm:choose>
-                  <dgm:shape xmlns:r="http://schemas.openxmlformats.org/officeDocument/2006/relationships" r:blip="">
-                    <dgm:adjLst/>
-                  </dgm:shape>
-                  <dgm:presOf/>
-                  <dgm:constrLst/>
-                  <dgm:ruleLst/>
-                  <dgm:forEach name="Name158" ref="rep2a"/>
-                </dgm:layoutNode>
-                <dgm:layoutNode name="hierChild7">
-                  <dgm:choose name="Name159">
-                    <dgm:if name="Name160" func="var" arg="dir" op="equ" val="norm">
-                      <dgm:alg type="hierChild">
-                        <dgm:param type="chAlign" val="l"/>
-                        <dgm:param type="linDir" val="fromT"/>
-                        <dgm:param type="secChAlign" val="t"/>
-                        <dgm:param type="secLinDir" val="fromL"/>
-                      </dgm:alg>
-                    </dgm:if>
-                    <dgm:else name="Name161">
-                      <dgm:alg type="hierChild">
-                        <dgm:param type="chAlign" val="r"/>
-                        <dgm:param type="linDir" val="fromT"/>
-                        <dgm:param type="secChAlign" val="t"/>
-                        <dgm:param type="secLinDir" val="fromR"/>
-                      </dgm:alg>
-                    </dgm:else>
-                  </dgm:choose>
-                  <dgm:shape xmlns:r="http://schemas.openxmlformats.org/officeDocument/2006/relationships" r:blip="">
-                    <dgm:adjLst/>
-                  </dgm:shape>
-                  <dgm:presOf/>
-                  <dgm:constrLst/>
-                  <dgm:ruleLst/>
-                  <dgm:forEach name="Name162" ref="rep2b"/>
-                </dgm:layoutNode>
-              </dgm:layoutNode>
-            </dgm:forEach>
-          </dgm:layoutNode>
+          </dgm:forEach>
         </dgm:layoutNode>
-      </dgm:forEach>
+      </dgm:layoutNode>
+      <dgm:choose name="Name44">
+        <dgm:if name="Name45" axis="self" ptType="node" func="revPos" op="gte" val="2">
+          <dgm:forEach name="Name46" axis="followSib" ptType="sibTrans" cnt="1">
+            <dgm:layoutNode name="sibSpaceOne">
+              <dgm:alg type="sp"/>
+              <dgm:shape xmlns:r="http://schemas.openxmlformats.org/officeDocument/2006/relationships" r:blip="">
+                <dgm:adjLst/>
+              </dgm:shape>
+              <dgm:presOf/>
+              <dgm:constrLst/>
+              <dgm:ruleLst/>
+            </dgm:layoutNode>
+          </dgm:forEach>
+        </dgm:if>
+        <dgm:else name="Name47"/>
+      </dgm:choose>
     </dgm:forEach>
   </dgm:layoutNode>
 </dgm:layoutDef>
@@ -19496,14 +18098,14 @@
             <p:ph idx="1"/>
             <p:extLst>
               <p:ext uri="{D42A27DB-BD31-4B8C-83A1-F6EECF244321}">
-                <p14:modId xmlns:p14="http://schemas.microsoft.com/office/powerpoint/2010/main" val="3391757418"/>
+                <p14:modId xmlns:p14="http://schemas.microsoft.com/office/powerpoint/2010/main" val="3917922700"/>
               </p:ext>
             </p:extLst>
           </p:nvPr>
         </p:nvGraphicFramePr>
         <p:xfrm>
-          <a:off x="2384259" y="2269927"/>
-          <a:ext cx="6774181" cy="4134293"/>
+          <a:off x="114299" y="2269927"/>
+          <a:ext cx="11269063" cy="4201143"/>
         </p:xfrm>
         <a:graphic>
           <a:graphicData uri="http://schemas.openxmlformats.org/drawingml/2006/diagram">
